--- a/slides/chap3-mln.pptx
+++ b/slides/chap3-mln.pptx
@@ -5,7 +5,7 @@
     <p:sldMasterId id="2147483648" r:id="rId1"/>
   </p:sldMasterIdLst>
   <p:notesMasterIdLst>
-    <p:notesMasterId r:id="rId70"/>
+    <p:notesMasterId r:id="rId71"/>
   </p:notesMasterIdLst>
   <p:sldIdLst>
     <p:sldId id="257" r:id="rId2"/>
@@ -25,57 +25,58 @@
     <p:sldId id="327" r:id="rId16"/>
     <p:sldId id="328" r:id="rId17"/>
     <p:sldId id="329" r:id="rId18"/>
-    <p:sldId id="330" r:id="rId19"/>
-    <p:sldId id="331" r:id="rId20"/>
-    <p:sldId id="279" r:id="rId21"/>
-    <p:sldId id="280" r:id="rId22"/>
-    <p:sldId id="281" r:id="rId23"/>
-    <p:sldId id="282" r:id="rId24"/>
-    <p:sldId id="283" r:id="rId25"/>
-    <p:sldId id="284" r:id="rId26"/>
-    <p:sldId id="285" r:id="rId27"/>
-    <p:sldId id="286" r:id="rId28"/>
-    <p:sldId id="287" r:id="rId29"/>
-    <p:sldId id="289" r:id="rId30"/>
-    <p:sldId id="290" r:id="rId31"/>
-    <p:sldId id="291" r:id="rId32"/>
-    <p:sldId id="332" r:id="rId33"/>
-    <p:sldId id="333" r:id="rId34"/>
-    <p:sldId id="334" r:id="rId35"/>
-    <p:sldId id="335" r:id="rId36"/>
-    <p:sldId id="292" r:id="rId37"/>
-    <p:sldId id="293" r:id="rId38"/>
-    <p:sldId id="294" r:id="rId39"/>
-    <p:sldId id="295" r:id="rId40"/>
-    <p:sldId id="296" r:id="rId41"/>
-    <p:sldId id="297" r:id="rId42"/>
-    <p:sldId id="298" r:id="rId43"/>
-    <p:sldId id="299" r:id="rId44"/>
-    <p:sldId id="300" r:id="rId45"/>
-    <p:sldId id="301" r:id="rId46"/>
-    <p:sldId id="302" r:id="rId47"/>
-    <p:sldId id="303" r:id="rId48"/>
-    <p:sldId id="304" r:id="rId49"/>
-    <p:sldId id="305" r:id="rId50"/>
-    <p:sldId id="306" r:id="rId51"/>
-    <p:sldId id="307" r:id="rId52"/>
-    <p:sldId id="308" r:id="rId53"/>
-    <p:sldId id="309" r:id="rId54"/>
-    <p:sldId id="310" r:id="rId55"/>
-    <p:sldId id="311" r:id="rId56"/>
-    <p:sldId id="312" r:id="rId57"/>
-    <p:sldId id="313" r:id="rId58"/>
-    <p:sldId id="314" r:id="rId59"/>
-    <p:sldId id="315" r:id="rId60"/>
-    <p:sldId id="316" r:id="rId61"/>
-    <p:sldId id="317" r:id="rId62"/>
-    <p:sldId id="318" r:id="rId63"/>
-    <p:sldId id="319" r:id="rId64"/>
-    <p:sldId id="320" r:id="rId65"/>
-    <p:sldId id="321" r:id="rId66"/>
-    <p:sldId id="322" r:id="rId67"/>
-    <p:sldId id="323" r:id="rId68"/>
-    <p:sldId id="336" r:id="rId69"/>
+    <p:sldId id="337" r:id="rId19"/>
+    <p:sldId id="330" r:id="rId20"/>
+    <p:sldId id="331" r:id="rId21"/>
+    <p:sldId id="279" r:id="rId22"/>
+    <p:sldId id="280" r:id="rId23"/>
+    <p:sldId id="281" r:id="rId24"/>
+    <p:sldId id="282" r:id="rId25"/>
+    <p:sldId id="283" r:id="rId26"/>
+    <p:sldId id="284" r:id="rId27"/>
+    <p:sldId id="285" r:id="rId28"/>
+    <p:sldId id="286" r:id="rId29"/>
+    <p:sldId id="287" r:id="rId30"/>
+    <p:sldId id="289" r:id="rId31"/>
+    <p:sldId id="290" r:id="rId32"/>
+    <p:sldId id="291" r:id="rId33"/>
+    <p:sldId id="332" r:id="rId34"/>
+    <p:sldId id="333" r:id="rId35"/>
+    <p:sldId id="334" r:id="rId36"/>
+    <p:sldId id="335" r:id="rId37"/>
+    <p:sldId id="292" r:id="rId38"/>
+    <p:sldId id="293" r:id="rId39"/>
+    <p:sldId id="294" r:id="rId40"/>
+    <p:sldId id="295" r:id="rId41"/>
+    <p:sldId id="296" r:id="rId42"/>
+    <p:sldId id="297" r:id="rId43"/>
+    <p:sldId id="298" r:id="rId44"/>
+    <p:sldId id="299" r:id="rId45"/>
+    <p:sldId id="300" r:id="rId46"/>
+    <p:sldId id="301" r:id="rId47"/>
+    <p:sldId id="302" r:id="rId48"/>
+    <p:sldId id="303" r:id="rId49"/>
+    <p:sldId id="304" r:id="rId50"/>
+    <p:sldId id="305" r:id="rId51"/>
+    <p:sldId id="306" r:id="rId52"/>
+    <p:sldId id="307" r:id="rId53"/>
+    <p:sldId id="308" r:id="rId54"/>
+    <p:sldId id="309" r:id="rId55"/>
+    <p:sldId id="310" r:id="rId56"/>
+    <p:sldId id="311" r:id="rId57"/>
+    <p:sldId id="312" r:id="rId58"/>
+    <p:sldId id="313" r:id="rId59"/>
+    <p:sldId id="314" r:id="rId60"/>
+    <p:sldId id="315" r:id="rId61"/>
+    <p:sldId id="316" r:id="rId62"/>
+    <p:sldId id="317" r:id="rId63"/>
+    <p:sldId id="318" r:id="rId64"/>
+    <p:sldId id="319" r:id="rId65"/>
+    <p:sldId id="320" r:id="rId66"/>
+    <p:sldId id="321" r:id="rId67"/>
+    <p:sldId id="322" r:id="rId68"/>
+    <p:sldId id="323" r:id="rId69"/>
+    <p:sldId id="336" r:id="rId70"/>
   </p:sldIdLst>
   <p:sldSz cx="9144000" cy="6858000" type="screen4x3"/>
   <p:notesSz cx="6858000" cy="9144000"/>
@@ -674,7 +675,7 @@
           <a:bodyPr/>
           <a:lstStyle/>
           <a:p>
-            <a:fld id="{945BB608-AD9D-7C44-9774-19CFFC119AFA}" type="slidenum">
+            <a:fld id="{302C4AFA-DF9E-2A4F-BACB-8937C5F6695E}" type="slidenum">
               <a:rPr lang="en-US"/>
               <a:pPr/>
               <a:t>34</a:t>
@@ -685,7 +686,7 @@
       </p:sp>
       <p:sp>
         <p:nvSpPr>
-          <p:cNvPr id="473090" name="Rectangle 2"/>
+          <p:cNvPr id="472066" name="Rectangle 2"/>
           <p:cNvSpPr>
             <a:spLocks noGrp="1" noRot="1" noChangeAspect="1" noChangeArrowheads="1" noTextEdit="1"/>
           </p:cNvSpPr>
@@ -704,7 +705,7 @@
       </p:sp>
       <p:sp>
         <p:nvSpPr>
-          <p:cNvPr id="473091" name="Rectangle 3"/>
+          <p:cNvPr id="472067" name="Rectangle 3"/>
           <p:cNvSpPr>
             <a:spLocks noGrp="1" noChangeArrowheads="1"/>
           </p:cNvSpPr>
@@ -763,10 +764,99 @@
           <a:bodyPr/>
           <a:lstStyle/>
           <a:p>
+            <a:fld id="{945BB608-AD9D-7C44-9774-19CFFC119AFA}" type="slidenum">
+              <a:rPr lang="en-US"/>
+              <a:pPr/>
+              <a:t>35</a:t>
+            </a:fld>
+            <a:endParaRPr lang="en-US"/>
+          </a:p>
+        </p:txBody>
+      </p:sp>
+      <p:sp>
+        <p:nvSpPr>
+          <p:cNvPr id="473090" name="Rectangle 2"/>
+          <p:cNvSpPr>
+            <a:spLocks noGrp="1" noRot="1" noChangeAspect="1" noChangeArrowheads="1" noTextEdit="1"/>
+          </p:cNvSpPr>
+          <p:nvPr>
+            <p:ph type="sldImg"/>
+          </p:nvPr>
+        </p:nvSpPr>
+        <p:spPr>
+          <a:ln/>
+          <a:extLst>
+            <a:ext uri="{FAA26D3D-D897-4be2-8F04-BA451C77F1D7}">
+              <ma14:placeholderFlag xmlns:ma14="http://schemas.microsoft.com/office/mac/drawingml/2011/main" val="1"/>
+            </a:ext>
+          </a:extLst>
+        </p:spPr>
+      </p:sp>
+      <p:sp>
+        <p:nvSpPr>
+          <p:cNvPr id="473091" name="Rectangle 3"/>
+          <p:cNvSpPr>
+            <a:spLocks noGrp="1" noChangeArrowheads="1"/>
+          </p:cNvSpPr>
+          <p:nvPr>
+            <p:ph type="body" idx="1"/>
+          </p:nvPr>
+        </p:nvSpPr>
+        <p:spPr/>
+        <p:txBody>
+          <a:bodyPr/>
+          <a:lstStyle/>
+          <a:p>
+            <a:endParaRPr lang="en-US"/>
+          </a:p>
+        </p:txBody>
+      </p:sp>
+    </p:spTree>
+  </p:cSld>
+  <p:clrMapOvr>
+    <a:masterClrMapping/>
+  </p:clrMapOvr>
+</p:notes>
+</file>
+
+<file path=ppt/notesSlides/notesSlide12.xml><?xml version="1.0" encoding="utf-8"?>
+<p:notes xmlns:a="http://schemas.openxmlformats.org/drawingml/2006/main" xmlns:r="http://schemas.openxmlformats.org/officeDocument/2006/relationships" xmlns:p="http://schemas.openxmlformats.org/presentationml/2006/main">
+  <p:cSld>
+    <p:spTree>
+      <p:nvGrpSpPr>
+        <p:cNvPr id="1" name=""/>
+        <p:cNvGrpSpPr/>
+        <p:nvPr/>
+      </p:nvGrpSpPr>
+      <p:grpSpPr>
+        <a:xfrm>
+          <a:off x="0" y="0"/>
+          <a:ext cx="0" cy="0"/>
+          <a:chOff x="0" y="0"/>
+          <a:chExt cx="0" cy="0"/>
+        </a:xfrm>
+      </p:grpSpPr>
+      <p:sp>
+        <p:nvSpPr>
+          <p:cNvPr id="7" name="Rectangle 7"/>
+          <p:cNvSpPr>
+            <a:spLocks noGrp="1" noChangeArrowheads="1"/>
+          </p:cNvSpPr>
+          <p:nvPr>
+            <p:ph type="sldNum" sz="quarter" idx="5"/>
+          </p:nvPr>
+        </p:nvSpPr>
+        <p:spPr>
+          <a:ln/>
+        </p:spPr>
+        <p:txBody>
+          <a:bodyPr/>
+          <a:lstStyle/>
+          <a:p>
             <a:fld id="{6B5C692E-B5CD-D244-9090-10D3F2B3F06E}" type="slidenum">
               <a:rPr lang="en-US"/>
               <a:pPr/>
-              <a:t>35</a:t>
+              <a:t>36</a:t>
             </a:fld>
             <a:endParaRPr lang="en-US"/>
           </a:p>
@@ -1155,7 +1245,7 @@
       </p:grpSpPr>
       <p:sp>
         <p:nvSpPr>
-          <p:cNvPr id="79873" name="Rectangle 2"/>
+          <p:cNvPr id="77825" name="Rectangle 2"/>
           <p:cNvSpPr>
             <a:spLocks noGrp="1" noRot="1" noChangeAspect="1" noChangeArrowheads="1"/>
           </p:cNvSpPr>
@@ -1173,7 +1263,7 @@
       </p:sp>
       <p:sp>
         <p:nvSpPr>
-          <p:cNvPr id="79874" name="Rectangle 3"/>
+          <p:cNvPr id="77826" name="Rectangle 3"/>
           <p:cNvSpPr>
             <a:spLocks noGrp="1" noChangeArrowheads="1"/>
           </p:cNvSpPr>
@@ -1238,7 +1328,7 @@
       </p:grpSpPr>
       <p:sp>
         <p:nvSpPr>
-          <p:cNvPr id="81921" name="Rectangle 2"/>
+          <p:cNvPr id="79873" name="Rectangle 2"/>
           <p:cNvSpPr>
             <a:spLocks noGrp="1" noRot="1" noChangeAspect="1" noChangeArrowheads="1"/>
           </p:cNvSpPr>
@@ -1256,7 +1346,7 @@
       </p:sp>
       <p:sp>
         <p:nvSpPr>
-          <p:cNvPr id="81922" name="Rectangle 3"/>
+          <p:cNvPr id="79874" name="Rectangle 3"/>
           <p:cNvSpPr>
             <a:spLocks noGrp="1" noChangeArrowheads="1"/>
           </p:cNvSpPr>
@@ -1321,6 +1411,89 @@
       </p:grpSpPr>
       <p:sp>
         <p:nvSpPr>
+          <p:cNvPr id="81921" name="Rectangle 2"/>
+          <p:cNvSpPr>
+            <a:spLocks noGrp="1" noRot="1" noChangeAspect="1" noChangeArrowheads="1"/>
+          </p:cNvSpPr>
+          <p:nvPr>
+            <p:ph type="sldImg"/>
+          </p:nvPr>
+        </p:nvSpPr>
+        <p:spPr>
+          <a:xfrm>
+            <a:off x="1143000" y="685800"/>
+            <a:ext cx="4572000" cy="3429000"/>
+          </a:xfrm>
+          <a:ln/>
+        </p:spPr>
+      </p:sp>
+      <p:sp>
+        <p:nvSpPr>
+          <p:cNvPr id="81922" name="Rectangle 3"/>
+          <p:cNvSpPr>
+            <a:spLocks noGrp="1" noChangeArrowheads="1"/>
+          </p:cNvSpPr>
+          <p:nvPr>
+            <p:ph type="body" idx="1"/>
+          </p:nvPr>
+        </p:nvSpPr>
+        <p:spPr>
+          <a:xfrm>
+            <a:off x="914400" y="4343400"/>
+            <a:ext cx="5029200" cy="4114800"/>
+          </a:xfrm>
+          <a:solidFill>
+            <a:srgbClr val="FFFFFF"/>
+          </a:solidFill>
+          <a:ln>
+            <a:solidFill>
+              <a:srgbClr val="000000"/>
+            </a:solidFill>
+            <a:miter lim="800000"/>
+            <a:headEnd/>
+            <a:tailEnd/>
+          </a:ln>
+          <a:extLst>
+            <a:ext uri="{FAA26D3D-D897-4be2-8F04-BA451C77F1D7}">
+              <ma14:placeholderFlag xmlns:ma14="http://schemas.microsoft.com/office/mac/drawingml/2011/main" val="1"/>
+            </a:ext>
+          </a:extLst>
+        </p:spPr>
+        <p:txBody>
+          <a:bodyPr/>
+          <a:lstStyle/>
+          <a:p>
+            <a:endParaRPr lang="en-US"/>
+          </a:p>
+        </p:txBody>
+      </p:sp>
+    </p:spTree>
+  </p:cSld>
+  <p:clrMapOvr>
+    <a:masterClrMapping/>
+  </p:clrMapOvr>
+</p:notes>
+</file>
+
+<file path=ppt/notesSlides/notesSlide9.xml><?xml version="1.0" encoding="utf-8"?>
+<p:notes xmlns:a="http://schemas.openxmlformats.org/drawingml/2006/main" xmlns:r="http://schemas.openxmlformats.org/officeDocument/2006/relationships" xmlns:p="http://schemas.openxmlformats.org/presentationml/2006/main">
+  <p:cSld>
+    <p:spTree>
+      <p:nvGrpSpPr>
+        <p:cNvPr id="1" name=""/>
+        <p:cNvGrpSpPr/>
+        <p:nvPr/>
+      </p:nvGrpSpPr>
+      <p:grpSpPr>
+        <a:xfrm>
+          <a:off x="0" y="0"/>
+          <a:ext cx="0" cy="0"/>
+          <a:chOff x="0" y="0"/>
+          <a:chExt cx="0" cy="0"/>
+        </a:xfrm>
+      </p:grpSpPr>
+      <p:sp>
+        <p:nvSpPr>
           <p:cNvPr id="7" name="Rectangle 7"/>
           <p:cNvSpPr>
             <a:spLocks noGrp="1" noChangeArrowheads="1"/>
@@ -1339,7 +1512,7 @@
             <a:fld id="{00B1FF46-F6A0-CB45-9C7B-5F0EB6B7A349}" type="slidenum">
               <a:rPr lang="en-US"/>
               <a:pPr/>
-              <a:t>32</a:t>
+              <a:t>33</a:t>
             </a:fld>
             <a:endParaRPr lang="en-US"/>
           </a:p>
@@ -1416,95 +1589,6 @@
             </a:ext>
           </a:extLst>
         </p:spPr>
-        <p:txBody>
-          <a:bodyPr/>
-          <a:lstStyle/>
-          <a:p>
-            <a:endParaRPr lang="en-US"/>
-          </a:p>
-        </p:txBody>
-      </p:sp>
-    </p:spTree>
-  </p:cSld>
-  <p:clrMapOvr>
-    <a:masterClrMapping/>
-  </p:clrMapOvr>
-</p:notes>
-</file>
-
-<file path=ppt/notesSlides/notesSlide9.xml><?xml version="1.0" encoding="utf-8"?>
-<p:notes xmlns:a="http://schemas.openxmlformats.org/drawingml/2006/main" xmlns:r="http://schemas.openxmlformats.org/officeDocument/2006/relationships" xmlns:p="http://schemas.openxmlformats.org/presentationml/2006/main">
-  <p:cSld>
-    <p:spTree>
-      <p:nvGrpSpPr>
-        <p:cNvPr id="1" name=""/>
-        <p:cNvGrpSpPr/>
-        <p:nvPr/>
-      </p:nvGrpSpPr>
-      <p:grpSpPr>
-        <a:xfrm>
-          <a:off x="0" y="0"/>
-          <a:ext cx="0" cy="0"/>
-          <a:chOff x="0" y="0"/>
-          <a:chExt cx="0" cy="0"/>
-        </a:xfrm>
-      </p:grpSpPr>
-      <p:sp>
-        <p:nvSpPr>
-          <p:cNvPr id="7" name="Rectangle 7"/>
-          <p:cNvSpPr>
-            <a:spLocks noGrp="1" noChangeArrowheads="1"/>
-          </p:cNvSpPr>
-          <p:nvPr>
-            <p:ph type="sldNum" sz="quarter" idx="5"/>
-          </p:nvPr>
-        </p:nvSpPr>
-        <p:spPr>
-          <a:ln/>
-        </p:spPr>
-        <p:txBody>
-          <a:bodyPr/>
-          <a:lstStyle/>
-          <a:p>
-            <a:fld id="{302C4AFA-DF9E-2A4F-BACB-8937C5F6695E}" type="slidenum">
-              <a:rPr lang="en-US"/>
-              <a:pPr/>
-              <a:t>33</a:t>
-            </a:fld>
-            <a:endParaRPr lang="en-US"/>
-          </a:p>
-        </p:txBody>
-      </p:sp>
-      <p:sp>
-        <p:nvSpPr>
-          <p:cNvPr id="472066" name="Rectangle 2"/>
-          <p:cNvSpPr>
-            <a:spLocks noGrp="1" noRot="1" noChangeAspect="1" noChangeArrowheads="1" noTextEdit="1"/>
-          </p:cNvSpPr>
-          <p:nvPr>
-            <p:ph type="sldImg"/>
-          </p:nvPr>
-        </p:nvSpPr>
-        <p:spPr>
-          <a:ln/>
-          <a:extLst>
-            <a:ext uri="{FAA26D3D-D897-4be2-8F04-BA451C77F1D7}">
-              <ma14:placeholderFlag xmlns:ma14="http://schemas.microsoft.com/office/mac/drawingml/2011/main" val="1"/>
-            </a:ext>
-          </a:extLst>
-        </p:spPr>
-      </p:sp>
-      <p:sp>
-        <p:nvSpPr>
-          <p:cNvPr id="472067" name="Rectangle 3"/>
-          <p:cNvSpPr>
-            <a:spLocks noGrp="1" noChangeArrowheads="1"/>
-          </p:cNvSpPr>
-          <p:nvPr>
-            <p:ph type="body" idx="1"/>
-          </p:nvPr>
-        </p:nvSpPr>
-        <p:spPr/>
         <p:txBody>
           <a:bodyPr/>
           <a:lstStyle/>
@@ -7240,11 +7324,39 @@
               <a:defRPr/>
             </a:pPr>
             <a:r>
-              <a:rPr lang="en-US" sz="1400">
-                <a:latin typeface="Courier New" charset="0"/>
-                <a:cs typeface="+mn-cs"/>
-              </a:rPr>
-              <a:t>AIHT:~/Desktop/cs595-s06 mln$ telnet www.cs.odu.edu 80</a:t>
+              <a:rPr lang="en-US" sz="1400" dirty="0">
+                <a:latin typeface="Courier New" charset="0"/>
+                <a:cs typeface="+mn-cs"/>
+              </a:rPr>
+              <a:t>AIHT:~/Desktop/cs595-s06 </a:t>
+            </a:r>
+            <a:r>
+              <a:rPr lang="en-US" sz="1400" dirty="0" err="1">
+                <a:latin typeface="Courier New" charset="0"/>
+                <a:cs typeface="+mn-cs"/>
+              </a:rPr>
+              <a:t>mln</a:t>
+            </a:r>
+            <a:r>
+              <a:rPr lang="en-US" sz="1400" dirty="0">
+                <a:latin typeface="Courier New" charset="0"/>
+                <a:cs typeface="+mn-cs"/>
+              </a:rPr>
+              <a:t>$ telnet </a:t>
+            </a:r>
+            <a:r>
+              <a:rPr lang="en-US" sz="1400" dirty="0" err="1">
+                <a:latin typeface="Courier New" charset="0"/>
+                <a:cs typeface="+mn-cs"/>
+              </a:rPr>
+              <a:t>www.cs.odu.edu</a:t>
+            </a:r>
+            <a:r>
+              <a:rPr lang="en-US" sz="1400" dirty="0">
+                <a:latin typeface="Courier New" charset="0"/>
+                <a:cs typeface="+mn-cs"/>
+              </a:rPr>
+              <a:t> 80</a:t>
             </a:r>
           </a:p>
           <a:p>
@@ -7252,7 +7364,7 @@
               <a:defRPr/>
             </a:pPr>
             <a:r>
-              <a:rPr lang="en-US" sz="1400">
+              <a:rPr lang="en-US" sz="1400" dirty="0">
                 <a:latin typeface="Courier New" charset="0"/>
                 <a:cs typeface="+mn-cs"/>
               </a:rPr>
@@ -7264,11 +7376,25 @@
               <a:defRPr/>
             </a:pPr>
             <a:r>
-              <a:rPr lang="en-US" sz="1400">
-                <a:latin typeface="Courier New" charset="0"/>
-                <a:cs typeface="+mn-cs"/>
-              </a:rPr>
-              <a:t>Connected to xenon.cs.odu.edu.</a:t>
+              <a:rPr lang="en-US" sz="1400" dirty="0">
+                <a:latin typeface="Courier New" charset="0"/>
+                <a:cs typeface="+mn-cs"/>
+              </a:rPr>
+              <a:t>Connected to </a:t>
+            </a:r>
+            <a:r>
+              <a:rPr lang="en-US" sz="1400" dirty="0" err="1">
+                <a:latin typeface="Courier New" charset="0"/>
+                <a:cs typeface="+mn-cs"/>
+              </a:rPr>
+              <a:t>xenon.cs.odu.edu</a:t>
+            </a:r>
+            <a:r>
+              <a:rPr lang="en-US" sz="1400" dirty="0">
+                <a:latin typeface="Courier New" charset="0"/>
+                <a:cs typeface="+mn-cs"/>
+              </a:rPr>
+              <a:t>.</a:t>
             </a:r>
           </a:p>
           <a:p>
@@ -7276,7 +7402,7 @@
               <a:defRPr/>
             </a:pPr>
             <a:r>
-              <a:rPr lang="en-US" sz="1400">
+              <a:rPr lang="en-US" sz="1400" dirty="0">
                 <a:latin typeface="Courier New" charset="0"/>
                 <a:cs typeface="+mn-cs"/>
               </a:rPr>
@@ -7288,11 +7414,39 @@
               <a:defRPr/>
             </a:pPr>
             <a:r>
-              <a:rPr lang="en-US" sz="1400">
-                <a:latin typeface="Courier New" charset="0"/>
-                <a:cs typeface="+mn-cs"/>
-              </a:rPr>
-              <a:t>HEAD /~mln/index.html HTTP/1.1</a:t>
+              <a:rPr lang="en-US" sz="1400" dirty="0">
+                <a:latin typeface="Courier New" charset="0"/>
+                <a:cs typeface="+mn-cs"/>
+              </a:rPr>
+              <a:t>HEAD /~</a:t>
+            </a:r>
+            <a:r>
+              <a:rPr lang="en-US" sz="1400" dirty="0" err="1">
+                <a:latin typeface="Courier New" charset="0"/>
+                <a:cs typeface="+mn-cs"/>
+              </a:rPr>
+              <a:t>mln</a:t>
+            </a:r>
+            <a:r>
+              <a:rPr lang="en-US" sz="1400" dirty="0">
+                <a:latin typeface="Courier New" charset="0"/>
+                <a:cs typeface="+mn-cs"/>
+              </a:rPr>
+              <a:t>/</a:t>
+            </a:r>
+            <a:r>
+              <a:rPr lang="en-US" sz="1400" dirty="0" err="1">
+                <a:latin typeface="Courier New" charset="0"/>
+                <a:cs typeface="+mn-cs"/>
+              </a:rPr>
+              <a:t>index.html</a:t>
+            </a:r>
+            <a:r>
+              <a:rPr lang="en-US" sz="1400" dirty="0">
+                <a:latin typeface="Courier New" charset="0"/>
+                <a:cs typeface="+mn-cs"/>
+              </a:rPr>
+              <a:t> HTTP/1.1</a:t>
             </a:r>
           </a:p>
           <a:p>
@@ -7300,7 +7454,7 @@
               <a:defRPr/>
             </a:pPr>
             <a:r>
-              <a:rPr lang="en-US" sz="1400">
+              <a:rPr lang="en-US" sz="1400" dirty="0">
                 <a:latin typeface="Courier New" charset="0"/>
                 <a:cs typeface="+mn-cs"/>
               </a:rPr>
@@ -7312,18 +7466,20 @@
               <a:defRPr/>
             </a:pPr>
             <a:r>
-              <a:rPr lang="en-US" sz="1400">
-                <a:latin typeface="Courier New" charset="0"/>
-                <a:cs typeface="+mn-cs"/>
-              </a:rPr>
-              <a:t>Host: www.cs.odu.edu</a:t>
-            </a:r>
-          </a:p>
-          <a:p>
-            <a:pPr>
-              <a:defRPr/>
-            </a:pPr>
-            <a:endParaRPr lang="en-US" sz="1400">
+              <a:rPr lang="en-US" sz="1400" dirty="0">
+                <a:latin typeface="Courier New" charset="0"/>
+                <a:cs typeface="+mn-cs"/>
+              </a:rPr>
+              <a:t>Host: </a:t>
+            </a:r>
+            <a:r>
+              <a:rPr lang="en-US" sz="1400" dirty="0" err="1">
+                <a:latin typeface="Courier New" charset="0"/>
+                <a:cs typeface="+mn-cs"/>
+              </a:rPr>
+              <a:t>www.cs.odu.edu</a:t>
+            </a:r>
+            <a:endParaRPr lang="en-US" sz="1400" dirty="0">
               <a:latin typeface="Courier New" charset="0"/>
               <a:cs typeface="+mn-cs"/>
             </a:endParaRPr>
@@ -7332,115 +7488,7 @@
             <a:pPr>
               <a:defRPr/>
             </a:pPr>
-            <a:r>
-              <a:rPr lang="en-US" sz="1400">
-                <a:latin typeface="Courier New" charset="0"/>
-                <a:cs typeface="+mn-cs"/>
-              </a:rPr>
-              <a:t>HTTP/1.1 200 OK</a:t>
-            </a:r>
-          </a:p>
-          <a:p>
-            <a:pPr>
-              <a:defRPr/>
-            </a:pPr>
-            <a:r>
-              <a:rPr lang="en-US" sz="1400">
-                <a:latin typeface="Courier New" charset="0"/>
-                <a:cs typeface="+mn-cs"/>
-              </a:rPr>
-              <a:t>Date: Mon, 09 Jan 2006 17:14:39 GMT</a:t>
-            </a:r>
-          </a:p>
-          <a:p>
-            <a:pPr>
-              <a:defRPr/>
-            </a:pPr>
-            <a:r>
-              <a:rPr lang="en-US" sz="1400">
-                <a:latin typeface="Courier New" charset="0"/>
-                <a:cs typeface="+mn-cs"/>
-              </a:rPr>
-              <a:t>Server: Apache/1.3.26 (Unix) ApacheJServ/1.1.2 PHP/4.3.4</a:t>
-            </a:r>
-          </a:p>
-          <a:p>
-            <a:pPr>
-              <a:defRPr/>
-            </a:pPr>
-            <a:r>
-              <a:rPr lang="en-US" sz="1400">
-                <a:latin typeface="Courier New" charset="0"/>
-                <a:cs typeface="+mn-cs"/>
-              </a:rPr>
-              <a:t>Last-Modified: Sun, 29 May 2005 02:46:53 GMT</a:t>
-            </a:r>
-          </a:p>
-          <a:p>
-            <a:pPr>
-              <a:defRPr/>
-            </a:pPr>
-            <a:r>
-              <a:rPr lang="en-US" sz="1400">
-                <a:latin typeface="Courier New" charset="0"/>
-                <a:cs typeface="+mn-cs"/>
-              </a:rPr>
-              <a:t>ETag: "1c52-14ed-42992d1d"</a:t>
-            </a:r>
-          </a:p>
-          <a:p>
-            <a:pPr>
-              <a:defRPr/>
-            </a:pPr>
-            <a:r>
-              <a:rPr lang="en-US" sz="1400">
-                <a:latin typeface="Courier New" charset="0"/>
-                <a:cs typeface="+mn-cs"/>
-              </a:rPr>
-              <a:t>Accept-Ranges: bytes</a:t>
-            </a:r>
-          </a:p>
-          <a:p>
-            <a:pPr>
-              <a:defRPr/>
-            </a:pPr>
-            <a:r>
-              <a:rPr lang="en-US" sz="1400">
-                <a:latin typeface="Courier New" charset="0"/>
-                <a:cs typeface="+mn-cs"/>
-              </a:rPr>
-              <a:t>Content-Length: 5357</a:t>
-            </a:r>
-          </a:p>
-          <a:p>
-            <a:pPr>
-              <a:defRPr/>
-            </a:pPr>
-            <a:r>
-              <a:rPr lang="en-US" sz="1400">
-                <a:latin typeface="Courier New" charset="0"/>
-                <a:cs typeface="+mn-cs"/>
-              </a:rPr>
-              <a:t>Connection: close</a:t>
-            </a:r>
-          </a:p>
-          <a:p>
-            <a:pPr>
-              <a:defRPr/>
-            </a:pPr>
-            <a:r>
-              <a:rPr lang="en-US" sz="1400">
-                <a:latin typeface="Courier New" charset="0"/>
-                <a:cs typeface="+mn-cs"/>
-              </a:rPr>
-              <a:t>Content-Type: text/html</a:t>
-            </a:r>
-          </a:p>
-          <a:p>
-            <a:pPr>
-              <a:defRPr/>
-            </a:pPr>
-            <a:endParaRPr lang="en-US" sz="1400">
+            <a:endParaRPr lang="en-US" sz="1400" dirty="0">
               <a:latin typeface="Courier New" charset="0"/>
               <a:cs typeface="+mn-cs"/>
             </a:endParaRPr>
@@ -7450,7 +7498,145 @@
               <a:defRPr/>
             </a:pPr>
             <a:r>
-              <a:rPr lang="en-US" sz="1400">
+              <a:rPr lang="en-US" sz="1400" dirty="0">
+                <a:latin typeface="Courier New" charset="0"/>
+                <a:cs typeface="+mn-cs"/>
+              </a:rPr>
+              <a:t>HTTP/1.1 200 OK</a:t>
+            </a:r>
+          </a:p>
+          <a:p>
+            <a:pPr>
+              <a:defRPr/>
+            </a:pPr>
+            <a:r>
+              <a:rPr lang="en-US" sz="1400" dirty="0">
+                <a:latin typeface="Courier New" charset="0"/>
+                <a:cs typeface="+mn-cs"/>
+              </a:rPr>
+              <a:t>Date: Mon, 09 Jan 2006 17:14:39 GMT</a:t>
+            </a:r>
+          </a:p>
+          <a:p>
+            <a:pPr>
+              <a:defRPr/>
+            </a:pPr>
+            <a:r>
+              <a:rPr lang="en-US" sz="1400" dirty="0">
+                <a:latin typeface="Courier New" charset="0"/>
+                <a:cs typeface="+mn-cs"/>
+              </a:rPr>
+              <a:t>Server: Apache/1.3.26 (Unix) </a:t>
+            </a:r>
+            <a:r>
+              <a:rPr lang="en-US" sz="1400" dirty="0" err="1">
+                <a:latin typeface="Courier New" charset="0"/>
+                <a:cs typeface="+mn-cs"/>
+              </a:rPr>
+              <a:t>ApacheJServ</a:t>
+            </a:r>
+            <a:r>
+              <a:rPr lang="en-US" sz="1400" dirty="0">
+                <a:latin typeface="Courier New" charset="0"/>
+                <a:cs typeface="+mn-cs"/>
+              </a:rPr>
+              <a:t>/1.1.2 PHP/4.3.4</a:t>
+            </a:r>
+          </a:p>
+          <a:p>
+            <a:pPr>
+              <a:defRPr/>
+            </a:pPr>
+            <a:r>
+              <a:rPr lang="en-US" sz="1400" dirty="0">
+                <a:latin typeface="Courier New" charset="0"/>
+                <a:cs typeface="+mn-cs"/>
+              </a:rPr>
+              <a:t>Last-Modified: Sun, 29 May 2005 02:46:53 GMT</a:t>
+            </a:r>
+          </a:p>
+          <a:p>
+            <a:pPr>
+              <a:defRPr/>
+            </a:pPr>
+            <a:r>
+              <a:rPr lang="en-US" sz="1400" dirty="0" err="1">
+                <a:latin typeface="Courier New" charset="0"/>
+                <a:cs typeface="+mn-cs"/>
+              </a:rPr>
+              <a:t>ETag</a:t>
+            </a:r>
+            <a:r>
+              <a:rPr lang="en-US" sz="1400" dirty="0">
+                <a:latin typeface="Courier New" charset="0"/>
+                <a:cs typeface="+mn-cs"/>
+              </a:rPr>
+              <a:t>: "1c52-14ed-42992d1d"</a:t>
+            </a:r>
+          </a:p>
+          <a:p>
+            <a:pPr>
+              <a:defRPr/>
+            </a:pPr>
+            <a:r>
+              <a:rPr lang="en-US" sz="1400" dirty="0">
+                <a:latin typeface="Courier New" charset="0"/>
+                <a:cs typeface="+mn-cs"/>
+              </a:rPr>
+              <a:t>Accept-Ranges: bytes</a:t>
+            </a:r>
+          </a:p>
+          <a:p>
+            <a:pPr>
+              <a:defRPr/>
+            </a:pPr>
+            <a:r>
+              <a:rPr lang="en-US" sz="1400" dirty="0">
+                <a:latin typeface="Courier New" charset="0"/>
+                <a:cs typeface="+mn-cs"/>
+              </a:rPr>
+              <a:t>Content-Length: 5357</a:t>
+            </a:r>
+          </a:p>
+          <a:p>
+            <a:pPr>
+              <a:defRPr/>
+            </a:pPr>
+            <a:r>
+              <a:rPr lang="en-US" sz="1400" dirty="0">
+                <a:latin typeface="Courier New" charset="0"/>
+                <a:cs typeface="+mn-cs"/>
+              </a:rPr>
+              <a:t>Connection: close</a:t>
+            </a:r>
+          </a:p>
+          <a:p>
+            <a:pPr>
+              <a:defRPr/>
+            </a:pPr>
+            <a:r>
+              <a:rPr lang="en-US" sz="1400" dirty="0">
+                <a:latin typeface="Courier New" charset="0"/>
+                <a:cs typeface="+mn-cs"/>
+              </a:rPr>
+              <a:t>Content-Type: text/html</a:t>
+            </a:r>
+          </a:p>
+          <a:p>
+            <a:pPr>
+              <a:defRPr/>
+            </a:pPr>
+            <a:endParaRPr lang="en-US" sz="1400" dirty="0">
+              <a:latin typeface="Courier New" charset="0"/>
+              <a:cs typeface="+mn-cs"/>
+            </a:endParaRPr>
+          </a:p>
+          <a:p>
+            <a:pPr>
+              <a:defRPr/>
+            </a:pPr>
+            <a:r>
+              <a:rPr lang="en-US" sz="1400" dirty="0">
                 <a:latin typeface="Courier New" charset="0"/>
                 <a:cs typeface="+mn-cs"/>
               </a:rPr>
@@ -7461,7 +7647,7 @@
             <a:pPr>
               <a:defRPr/>
             </a:pPr>
-            <a:endParaRPr lang="en-US" sz="1400">
+            <a:endParaRPr lang="en-US" sz="1400" dirty="0">
               <a:latin typeface="Courier New" charset="0"/>
               <a:cs typeface="+mn-cs"/>
             </a:endParaRPr>
@@ -7489,6 +7675,605 @@
 </file>
 
 <file path=ppt/slides/slide18.xml><?xml version="1.0" encoding="utf-8"?>
+<p:sld xmlns:a="http://schemas.openxmlformats.org/drawingml/2006/main" xmlns:r="http://schemas.openxmlformats.org/officeDocument/2006/relationships" xmlns:p="http://schemas.openxmlformats.org/presentationml/2006/main">
+  <p:cSld>
+    <p:spTree>
+      <p:nvGrpSpPr>
+        <p:cNvPr id="1" name=""/>
+        <p:cNvGrpSpPr/>
+        <p:nvPr/>
+      </p:nvGrpSpPr>
+      <p:grpSpPr>
+        <a:xfrm>
+          <a:off x="0" y="0"/>
+          <a:ext cx="0" cy="0"/>
+          <a:chOff x="0" y="0"/>
+          <a:chExt cx="0" cy="0"/>
+        </a:xfrm>
+      </p:grpSpPr>
+      <p:sp>
+        <p:nvSpPr>
+          <p:cNvPr id="146434" name="Rectangle 2"/>
+          <p:cNvSpPr>
+            <a:spLocks noGrp="1" noChangeArrowheads="1"/>
+          </p:cNvSpPr>
+          <p:nvPr>
+            <p:ph type="title"/>
+          </p:nvPr>
+        </p:nvSpPr>
+        <p:spPr>
+          <a:ln>
+            <a:solidFill>
+              <a:srgbClr val="DF1B16"/>
+            </a:solidFill>
+          </a:ln>
+        </p:spPr>
+        <p:txBody>
+          <a:bodyPr/>
+          <a:lstStyle/>
+          <a:p>
+            <a:pPr>
+              <a:defRPr/>
+            </a:pPr>
+            <a:r>
+              <a:rPr lang="en-US" dirty="0" smtClean="0">
+                <a:cs typeface="+mj-cs"/>
+              </a:rPr>
+              <a:t>Not every response has </a:t>
+            </a:r>
+            <a:br>
+              <a:rPr lang="en-US" dirty="0" smtClean="0">
+                <a:cs typeface="+mj-cs"/>
+              </a:rPr>
+            </a:br>
+            <a:r>
+              <a:rPr lang="en-US" dirty="0" smtClean="0">
+                <a:cs typeface="+mj-cs"/>
+              </a:rPr>
+              <a:t>“Content-length”</a:t>
+            </a:r>
+            <a:endParaRPr lang="en-US" dirty="0" smtClean="0">
+              <a:cs typeface="+mj-cs"/>
+            </a:endParaRPr>
+          </a:p>
+        </p:txBody>
+      </p:sp>
+      <p:sp>
+        <p:nvSpPr>
+          <p:cNvPr id="146435" name="Text Box 3"/>
+          <p:cNvSpPr txBox="1">
+            <a:spLocks noChangeArrowheads="1"/>
+          </p:cNvSpPr>
+          <p:nvPr/>
+        </p:nvSpPr>
+        <p:spPr bwMode="auto">
+          <a:xfrm>
+            <a:off x="14412" y="1556792"/>
+            <a:ext cx="10096684" cy="5478422"/>
+          </a:xfrm>
+          <a:prstGeom prst="rect">
+            <a:avLst/>
+          </a:prstGeom>
+          <a:noFill/>
+          <a:ln>
+            <a:noFill/>
+          </a:ln>
+          <a:effectLst/>
+          <a:extLst>
+            <a:ext uri="{909E8E84-426E-40dd-AFC4-6F175D3DCCD1}">
+              <a14:hiddenFill xmlns:a14="http://schemas.microsoft.com/office/drawing/2010/main">
+                <a:solidFill>
+                  <a:schemeClr val="accent1"/>
+                </a:solidFill>
+              </a14:hiddenFill>
+            </a:ext>
+            <a:ext uri="{91240B29-F687-4f45-9708-019B960494DF}">
+              <a14:hiddenLine xmlns:a14="http://schemas.microsoft.com/office/drawing/2010/main" w="9525">
+                <a:solidFill>
+                  <a:schemeClr val="tx1"/>
+                </a:solidFill>
+                <a:miter lim="800000"/>
+                <a:headEnd/>
+                <a:tailEnd/>
+              </a14:hiddenLine>
+            </a:ext>
+            <a:ext uri="{AF507438-7753-43e0-B8FC-AC1667EBCBE1}">
+              <a14:hiddenEffects xmlns:a14="http://schemas.microsoft.com/office/drawing/2010/main">
+                <a:effectLst>
+                  <a:outerShdw blurRad="63500" dist="38099" dir="2700000" algn="ctr" rotWithShape="0">
+                    <a:schemeClr val="bg2">
+                      <a:alpha val="74998"/>
+                    </a:schemeClr>
+                  </a:outerShdw>
+                </a:effectLst>
+              </a14:hiddenEffects>
+            </a:ext>
+          </a:extLst>
+        </p:spPr>
+        <p:txBody>
+          <a:bodyPr wrap="none">
+            <a:spAutoFit/>
+          </a:bodyPr>
+          <a:lstStyle/>
+          <a:p>
+            <a:r>
+              <a:rPr lang="en-US" sz="1400" dirty="0">
+                <a:latin typeface="Courier New"/>
+                <a:cs typeface="Courier New"/>
+              </a:rPr>
+              <a:t>$ curl -</a:t>
+            </a:r>
+            <a:r>
+              <a:rPr lang="en-US" sz="1400" dirty="0" err="1">
+                <a:latin typeface="Courier New"/>
+                <a:cs typeface="Courier New"/>
+              </a:rPr>
+              <a:t>i</a:t>
+            </a:r>
+            <a:r>
+              <a:rPr lang="en-US" sz="1400" dirty="0">
+                <a:latin typeface="Courier New"/>
+                <a:cs typeface="Courier New"/>
+              </a:rPr>
+              <a:t> --silent "http://</a:t>
+            </a:r>
+            <a:r>
+              <a:rPr lang="en-US" sz="1400" dirty="0" err="1">
+                <a:latin typeface="Courier New"/>
+                <a:cs typeface="Courier New"/>
+              </a:rPr>
+              <a:t>www.nhc.noaa.gov</a:t>
+            </a:r>
+            <a:r>
+              <a:rPr lang="en-US" sz="1400" dirty="0">
+                <a:latin typeface="Courier New"/>
+                <a:cs typeface="Courier New"/>
+              </a:rPr>
+              <a:t>/graphics_at1.shtml?cone" | less</a:t>
+            </a:r>
+          </a:p>
+          <a:p>
+            <a:endParaRPr lang="en-US" sz="1400" dirty="0">
+              <a:latin typeface="Courier New"/>
+              <a:cs typeface="Courier New"/>
+            </a:endParaRPr>
+          </a:p>
+          <a:p>
+            <a:r>
+              <a:rPr lang="en-US" sz="1400" dirty="0">
+                <a:latin typeface="Courier New"/>
+                <a:cs typeface="Courier New"/>
+              </a:rPr>
+              <a:t>HTTP/1.1 200 OK</a:t>
+            </a:r>
+          </a:p>
+          <a:p>
+            <a:r>
+              <a:rPr lang="en-US" sz="1400" dirty="0">
+                <a:latin typeface="Courier New"/>
+                <a:cs typeface="Courier New"/>
+              </a:rPr>
+              <a:t>Content-Type: text/html</a:t>
+            </a:r>
+          </a:p>
+          <a:p>
+            <a:r>
+              <a:rPr lang="en-US" sz="1400" dirty="0">
+                <a:solidFill>
+                  <a:srgbClr val="FF0000"/>
+                </a:solidFill>
+                <a:latin typeface="Courier New"/>
+                <a:cs typeface="Courier New"/>
+              </a:rPr>
+              <a:t>Transfer-Encoding: chunked</a:t>
+            </a:r>
+          </a:p>
+          <a:p>
+            <a:r>
+              <a:rPr lang="en-US" sz="1400" dirty="0">
+                <a:latin typeface="Courier New"/>
+                <a:cs typeface="Courier New"/>
+              </a:rPr>
+              <a:t>Connection: keep-alive</a:t>
+            </a:r>
+          </a:p>
+          <a:p>
+            <a:r>
+              <a:rPr lang="en-US" sz="1400" dirty="0">
+                <a:latin typeface="Courier New"/>
+                <a:cs typeface="Courier New"/>
+              </a:rPr>
+              <a:t>Date: Thu, 07 Sep 2017 20:08:51 GMT</a:t>
+            </a:r>
+          </a:p>
+          <a:p>
+            <a:r>
+              <a:rPr lang="en-US" sz="1400" dirty="0">
+                <a:latin typeface="Courier New"/>
+                <a:cs typeface="Courier New"/>
+              </a:rPr>
+              <a:t>Server: Apache</a:t>
+            </a:r>
+          </a:p>
+          <a:p>
+            <a:r>
+              <a:rPr lang="en-US" sz="1400" dirty="0">
+                <a:latin typeface="Courier New"/>
+                <a:cs typeface="Courier New"/>
+              </a:rPr>
+              <a:t>Accept-Ranges: bytes</a:t>
+            </a:r>
+          </a:p>
+          <a:p>
+            <a:r>
+              <a:rPr lang="en-US" sz="1400" dirty="0">
+                <a:latin typeface="Courier New"/>
+                <a:cs typeface="Courier New"/>
+              </a:rPr>
+              <a:t>Cache-Control: max-age=60</a:t>
+            </a:r>
+          </a:p>
+          <a:p>
+            <a:r>
+              <a:rPr lang="fr-FR" sz="1400" dirty="0">
+                <a:latin typeface="Courier New"/>
+                <a:cs typeface="Courier New"/>
+              </a:rPr>
+              <a:t>Expires: Thu, 07 Sep 2017 20:09:51 GMT</a:t>
+            </a:r>
+          </a:p>
+          <a:p>
+            <a:r>
+              <a:rPr lang="fr-FR" sz="1400" dirty="0">
+                <a:latin typeface="Courier New"/>
+                <a:cs typeface="Courier New"/>
+              </a:rPr>
+              <a:t>Via: 1.0 c7.w3.woc (</a:t>
+            </a:r>
+            <a:r>
+              <a:rPr lang="fr-FR" sz="1400" dirty="0" err="1">
+                <a:latin typeface="Courier New"/>
+                <a:cs typeface="Courier New"/>
+              </a:rPr>
+              <a:t>squid</a:t>
+            </a:r>
+            <a:r>
+              <a:rPr lang="fr-FR" sz="1400" dirty="0">
+                <a:latin typeface="Courier New"/>
+                <a:cs typeface="Courier New"/>
+              </a:rPr>
+              <a:t>), 1.1 a159febffcf57c34f04c221aa4db939c.cloudfront.net (</a:t>
+            </a:r>
+            <a:r>
+              <a:rPr lang="fr-FR" sz="1400" dirty="0" err="1">
+                <a:latin typeface="Courier New"/>
+                <a:cs typeface="Courier New"/>
+              </a:rPr>
+              <a:t>CloudFront</a:t>
+            </a:r>
+            <a:r>
+              <a:rPr lang="fr-FR" sz="1400" dirty="0">
+                <a:latin typeface="Courier New"/>
+                <a:cs typeface="Courier New"/>
+              </a:rPr>
+              <a:t>)</a:t>
+            </a:r>
+          </a:p>
+          <a:p>
+            <a:r>
+              <a:rPr lang="fr-FR" sz="1400" dirty="0" err="1">
+                <a:latin typeface="Courier New"/>
+                <a:cs typeface="Courier New"/>
+              </a:rPr>
+              <a:t>Vary</a:t>
+            </a:r>
+            <a:r>
+              <a:rPr lang="fr-FR" sz="1400" dirty="0">
+                <a:latin typeface="Courier New"/>
+                <a:cs typeface="Courier New"/>
+              </a:rPr>
+              <a:t>: </a:t>
+            </a:r>
+            <a:r>
+              <a:rPr lang="fr-FR" sz="1400" dirty="0" err="1">
+                <a:latin typeface="Courier New"/>
+                <a:cs typeface="Courier New"/>
+              </a:rPr>
+              <a:t>Accept-Encoding</a:t>
+            </a:r>
+            <a:endParaRPr lang="fr-FR" sz="1400" dirty="0">
+              <a:latin typeface="Courier New"/>
+              <a:cs typeface="Courier New"/>
+            </a:endParaRPr>
+          </a:p>
+          <a:p>
+            <a:r>
+              <a:rPr lang="fr-FR" sz="1400" dirty="0">
+                <a:latin typeface="Courier New"/>
+                <a:cs typeface="Courier New"/>
+              </a:rPr>
+              <a:t>Age: 43</a:t>
+            </a:r>
+          </a:p>
+          <a:p>
+            <a:r>
+              <a:rPr lang="fr-FR" sz="1400" dirty="0">
+                <a:latin typeface="Courier New"/>
+                <a:cs typeface="Courier New"/>
+              </a:rPr>
+              <a:t>X-Cache: Hit </a:t>
+            </a:r>
+            <a:r>
+              <a:rPr lang="fr-FR" sz="1400" dirty="0" err="1">
+                <a:latin typeface="Courier New"/>
+                <a:cs typeface="Courier New"/>
+              </a:rPr>
+              <a:t>from</a:t>
+            </a:r>
+            <a:r>
+              <a:rPr lang="fr-FR" sz="1400" dirty="0">
+                <a:latin typeface="Courier New"/>
+                <a:cs typeface="Courier New"/>
+              </a:rPr>
+              <a:t> </a:t>
+            </a:r>
+            <a:r>
+              <a:rPr lang="fr-FR" sz="1400" dirty="0" err="1">
+                <a:latin typeface="Courier New"/>
+                <a:cs typeface="Courier New"/>
+              </a:rPr>
+              <a:t>cloudfront</a:t>
+            </a:r>
+            <a:endParaRPr lang="fr-FR" sz="1400" dirty="0">
+              <a:latin typeface="Courier New"/>
+              <a:cs typeface="Courier New"/>
+            </a:endParaRPr>
+          </a:p>
+          <a:p>
+            <a:r>
+              <a:rPr lang="fr-FR" sz="1400" dirty="0">
+                <a:latin typeface="Courier New"/>
+                <a:cs typeface="Courier New"/>
+              </a:rPr>
+              <a:t>X-</a:t>
+            </a:r>
+            <a:r>
+              <a:rPr lang="fr-FR" sz="1400" dirty="0" err="1">
+                <a:latin typeface="Courier New"/>
+                <a:cs typeface="Courier New"/>
+              </a:rPr>
+              <a:t>Amz</a:t>
+            </a:r>
+            <a:r>
+              <a:rPr lang="fr-FR" sz="1400" dirty="0">
+                <a:latin typeface="Courier New"/>
+                <a:cs typeface="Courier New"/>
+              </a:rPr>
+              <a:t>-</a:t>
+            </a:r>
+            <a:r>
+              <a:rPr lang="fr-FR" sz="1400" dirty="0" err="1">
+                <a:latin typeface="Courier New"/>
+                <a:cs typeface="Courier New"/>
+              </a:rPr>
+              <a:t>Cf</a:t>
+            </a:r>
+            <a:r>
+              <a:rPr lang="fr-FR" sz="1400" dirty="0">
+                <a:latin typeface="Courier New"/>
+                <a:cs typeface="Courier New"/>
+              </a:rPr>
+              <a:t>-Id: RCoZ3hckSZV01ELb7B4jCAzCz6x0Tma41UKqIrtcNWIPKFJDHy0f6w=</a:t>
+            </a:r>
+            <a:r>
+              <a:rPr lang="fr-FR" sz="1400" dirty="0" smtClean="0">
+                <a:latin typeface="Courier New"/>
+                <a:cs typeface="Courier New"/>
+              </a:rPr>
+              <a:t>=  </a:t>
+            </a:r>
+            <a:endParaRPr lang="fr-FR" sz="1400" dirty="0">
+              <a:latin typeface="Courier New"/>
+              <a:cs typeface="Courier New"/>
+            </a:endParaRPr>
+          </a:p>
+          <a:p>
+            <a:endParaRPr lang="fr-FR" sz="1400" dirty="0" smtClean="0">
+              <a:latin typeface="Courier New"/>
+              <a:cs typeface="Courier New"/>
+            </a:endParaRPr>
+          </a:p>
+          <a:p>
+            <a:r>
+              <a:rPr lang="fr-FR" sz="1400" dirty="0" smtClean="0">
+                <a:latin typeface="Courier New"/>
+                <a:cs typeface="Courier New"/>
+              </a:rPr>
+              <a:t>&lt;</a:t>
+            </a:r>
+            <a:r>
+              <a:rPr lang="fr-FR" sz="1400" dirty="0">
+                <a:latin typeface="Courier New"/>
+                <a:cs typeface="Courier New"/>
+              </a:rPr>
+              <a:t>!DOCTYPE HTML PUBLIC "-//W3C//DTD HTML 4.01 </a:t>
+            </a:r>
+            <a:r>
+              <a:rPr lang="fr-FR" sz="1400" dirty="0" err="1">
+                <a:latin typeface="Courier New"/>
+                <a:cs typeface="Courier New"/>
+              </a:rPr>
+              <a:t>Transitional</a:t>
+            </a:r>
+            <a:r>
+              <a:rPr lang="fr-FR" sz="1400" dirty="0">
+                <a:latin typeface="Courier New"/>
+                <a:cs typeface="Courier New"/>
+              </a:rPr>
+              <a:t>//EN"&gt;</a:t>
+            </a:r>
+          </a:p>
+          <a:p>
+            <a:r>
+              <a:rPr lang="fr-FR" sz="1400" dirty="0">
+                <a:latin typeface="Courier New"/>
+                <a:cs typeface="Courier New"/>
+              </a:rPr>
+              <a:t>&lt;html&gt;</a:t>
+            </a:r>
+          </a:p>
+          <a:p>
+            <a:r>
+              <a:rPr lang="fr-FR" sz="1400" dirty="0">
+                <a:latin typeface="Courier New"/>
+                <a:cs typeface="Courier New"/>
+              </a:rPr>
+              <a:t>&lt;</a:t>
+            </a:r>
+            <a:r>
+              <a:rPr lang="fr-FR" sz="1400" dirty="0" err="1">
+                <a:latin typeface="Courier New"/>
+                <a:cs typeface="Courier New"/>
+              </a:rPr>
+              <a:t>head</a:t>
+            </a:r>
+            <a:r>
+              <a:rPr lang="fr-FR" sz="1400" dirty="0">
+                <a:latin typeface="Courier New"/>
+                <a:cs typeface="Courier New"/>
+              </a:rPr>
+              <a:t>&gt;</a:t>
+            </a:r>
+          </a:p>
+          <a:p>
+            <a:r>
+              <a:rPr lang="fr-FR" sz="1400" dirty="0">
+                <a:latin typeface="Courier New"/>
+                <a:cs typeface="Courier New"/>
+              </a:rPr>
+              <a:t>  &lt;</a:t>
+            </a:r>
+            <a:r>
+              <a:rPr lang="fr-FR" sz="1400" dirty="0" err="1">
+                <a:latin typeface="Courier New"/>
+                <a:cs typeface="Courier New"/>
+              </a:rPr>
+              <a:t>meta</a:t>
+            </a:r>
+            <a:r>
+              <a:rPr lang="fr-FR" sz="1400" dirty="0">
+                <a:latin typeface="Courier New"/>
+                <a:cs typeface="Courier New"/>
+              </a:rPr>
+              <a:t> http-</a:t>
+            </a:r>
+            <a:r>
+              <a:rPr lang="fr-FR" sz="1400" dirty="0" err="1">
+                <a:latin typeface="Courier New"/>
+                <a:cs typeface="Courier New"/>
+              </a:rPr>
+              <a:t>equiv</a:t>
+            </a:r>
+            <a:r>
+              <a:rPr lang="fr-FR" sz="1400" dirty="0">
+                <a:latin typeface="Courier New"/>
+                <a:cs typeface="Courier New"/>
+              </a:rPr>
+              <a:t>="X-UA-Compatible" content="IE=</a:t>
+            </a:r>
+            <a:r>
+              <a:rPr lang="fr-FR" sz="1400" dirty="0" err="1">
+                <a:latin typeface="Courier New"/>
+                <a:cs typeface="Courier New"/>
+              </a:rPr>
+              <a:t>Edge</a:t>
+            </a:r>
+            <a:r>
+              <a:rPr lang="fr-FR" sz="1400" dirty="0">
+                <a:latin typeface="Courier New"/>
+                <a:cs typeface="Courier New"/>
+              </a:rPr>
+              <a:t>"&gt;</a:t>
+            </a:r>
+          </a:p>
+          <a:p>
+            <a:endParaRPr lang="fr-FR" sz="1400" dirty="0">
+              <a:latin typeface="Courier New"/>
+              <a:cs typeface="Courier New"/>
+            </a:endParaRPr>
+          </a:p>
+          <a:p>
+            <a:endParaRPr lang="fr-FR" sz="1400" dirty="0">
+              <a:latin typeface="Courier New"/>
+              <a:cs typeface="Courier New"/>
+            </a:endParaRPr>
+          </a:p>
+          <a:p>
+            <a:r>
+              <a:rPr lang="fr-FR" sz="1400" dirty="0">
+                <a:latin typeface="Courier New"/>
+                <a:cs typeface="Courier New"/>
+              </a:rPr>
+              <a:t>  &lt;</a:t>
+            </a:r>
+            <a:r>
+              <a:rPr lang="fr-FR" sz="1400" dirty="0" err="1">
+                <a:latin typeface="Courier New"/>
+                <a:cs typeface="Courier New"/>
+              </a:rPr>
+              <a:t>title</a:t>
+            </a:r>
+            <a:r>
+              <a:rPr lang="fr-FR" sz="1400" dirty="0">
+                <a:latin typeface="Courier New"/>
+                <a:cs typeface="Courier New"/>
+              </a:rPr>
+              <a:t>&gt;HURRICANE IRMA&lt;/</a:t>
+            </a:r>
+            <a:r>
+              <a:rPr lang="fr-FR" sz="1400" dirty="0" err="1">
+                <a:latin typeface="Courier New"/>
+                <a:cs typeface="Courier New"/>
+              </a:rPr>
+              <a:t>title</a:t>
+            </a:r>
+            <a:r>
+              <a:rPr lang="fr-FR" sz="1400" dirty="0">
+                <a:latin typeface="Courier New"/>
+                <a:cs typeface="Courier New"/>
+              </a:rPr>
+              <a:t>&gt;</a:t>
+            </a:r>
+          </a:p>
+          <a:p>
+            <a:endParaRPr lang="fr-FR" sz="1400" dirty="0">
+              <a:latin typeface="Courier New"/>
+              <a:cs typeface="Courier New"/>
+            </a:endParaRPr>
+          </a:p>
+        </p:txBody>
+      </p:sp>
+    </p:spTree>
+    <p:extLst>
+      <p:ext uri="{BB962C8B-B14F-4D97-AF65-F5344CB8AC3E}">
+        <p14:creationId xmlns:p14="http://schemas.microsoft.com/office/powerpoint/2010/main" val="1356691994"/>
+      </p:ext>
+    </p:extLst>
+  </p:cSld>
+  <p:clrMapOvr>
+    <a:masterClrMapping/>
+  </p:clrMapOvr>
+  <p:timing>
+    <p:tnLst>
+      <p:par>
+        <p:cTn xmlns:p14="http://schemas.microsoft.com/office/powerpoint/2010/main" id="1" dur="indefinite" restart="never" nodeType="tmRoot"/>
+      </p:par>
+    </p:tnLst>
+  </p:timing>
+</p:sld>
+</file>
+
+<file path=ppt/slides/slide19.xml><?xml version="1.0" encoding="utf-8"?>
 <p:sld xmlns:a="http://schemas.openxmlformats.org/drawingml/2006/main" xmlns:r="http://schemas.openxmlformats.org/officeDocument/2006/relationships" xmlns:p="http://schemas.openxmlformats.org/presentationml/2006/main">
   <p:cSld>
     <p:spTree>
@@ -7861,7 +8646,113 @@
 </p:sld>
 </file>
 
-<file path=ppt/slides/slide19.xml><?xml version="1.0" encoding="utf-8"?>
+<file path=ppt/slides/slide2.xml><?xml version="1.0" encoding="utf-8"?>
+<p:sld xmlns:a="http://schemas.openxmlformats.org/drawingml/2006/main" xmlns:r="http://schemas.openxmlformats.org/officeDocument/2006/relationships" xmlns:p="http://schemas.openxmlformats.org/presentationml/2006/main">
+  <p:cSld>
+    <p:spTree>
+      <p:nvGrpSpPr>
+        <p:cNvPr id="1" name=""/>
+        <p:cNvGrpSpPr/>
+        <p:nvPr/>
+      </p:nvGrpSpPr>
+      <p:grpSpPr>
+        <a:xfrm>
+          <a:off x="0" y="0"/>
+          <a:ext cx="0" cy="0"/>
+          <a:chOff x="0" y="0"/>
+          <a:chExt cx="0" cy="0"/>
+        </a:xfrm>
+      </p:grpSpPr>
+      <p:sp>
+        <p:nvSpPr>
+          <p:cNvPr id="14337" name="Title 1"/>
+          <p:cNvSpPr>
+            <a:spLocks noGrp="1"/>
+          </p:cNvSpPr>
+          <p:nvPr>
+            <p:ph type="title"/>
+          </p:nvPr>
+        </p:nvSpPr>
+        <p:spPr/>
+        <p:txBody>
+          <a:bodyPr/>
+          <a:lstStyle/>
+          <a:p>
+            <a:pPr eaLnBrk="1" hangingPunct="1"/>
+            <a:r>
+              <a:rPr lang="en-US" smtClean="0"/>
+              <a:t>Web Crawler</a:t>
+            </a:r>
+          </a:p>
+        </p:txBody>
+      </p:sp>
+      <p:sp>
+        <p:nvSpPr>
+          <p:cNvPr id="14338" name="Content Placeholder 2"/>
+          <p:cNvSpPr>
+            <a:spLocks noGrp="1"/>
+          </p:cNvSpPr>
+          <p:nvPr>
+            <p:ph idx="1"/>
+          </p:nvPr>
+        </p:nvSpPr>
+        <p:spPr/>
+        <p:txBody>
+          <a:bodyPr/>
+          <a:lstStyle/>
+          <a:p>
+            <a:pPr eaLnBrk="1" hangingPunct="1"/>
+            <a:r>
+              <a:rPr lang="en-US" smtClean="0"/>
+              <a:t>Finds and downloads web pages automatically</a:t>
+            </a:r>
+          </a:p>
+          <a:p>
+            <a:pPr lvl="1" eaLnBrk="1" hangingPunct="1"/>
+            <a:r>
+              <a:rPr lang="en-US" smtClean="0"/>
+              <a:t>provides the collection for searching</a:t>
+            </a:r>
+          </a:p>
+          <a:p>
+            <a:pPr eaLnBrk="1" hangingPunct="1"/>
+            <a:r>
+              <a:rPr lang="en-US" smtClean="0"/>
+              <a:t>Web is huge and constantly growing</a:t>
+            </a:r>
+          </a:p>
+          <a:p>
+            <a:pPr eaLnBrk="1" hangingPunct="1"/>
+            <a:r>
+              <a:rPr lang="en-US" smtClean="0"/>
+              <a:t>Web is not under the control of search engine providers</a:t>
+            </a:r>
+          </a:p>
+          <a:p>
+            <a:pPr eaLnBrk="1" hangingPunct="1"/>
+            <a:r>
+              <a:rPr lang="en-US" smtClean="0"/>
+              <a:t>Web pages are constantly changing</a:t>
+            </a:r>
+          </a:p>
+          <a:p>
+            <a:pPr eaLnBrk="1" hangingPunct="1"/>
+            <a:r>
+              <a:rPr lang="en-US" smtClean="0"/>
+              <a:t>Crawlers also used for other types of data</a:t>
+            </a:r>
+          </a:p>
+        </p:txBody>
+      </p:sp>
+    </p:spTree>
+  </p:cSld>
+  <p:clrMapOvr>
+    <a:masterClrMapping/>
+  </p:clrMapOvr>
+</p:sld>
+</file>
+
+<file path=ppt/slides/slide20.xml><?xml version="1.0" encoding="utf-8"?>
 <p:sld xmlns:a="http://schemas.openxmlformats.org/drawingml/2006/main" xmlns:r="http://schemas.openxmlformats.org/officeDocument/2006/relationships" xmlns:p="http://schemas.openxmlformats.org/presentationml/2006/main">
   <p:cSld>
     <p:spTree>
@@ -8319,7 +9210,7 @@
 </p:sld>
 </file>
 
-<file path=ppt/slides/slide2.xml><?xml version="1.0" encoding="utf-8"?>
+<file path=ppt/slides/slide21.xml><?xml version="1.0" encoding="utf-8"?>
 <p:sld xmlns:a="http://schemas.openxmlformats.org/drawingml/2006/main" xmlns:r="http://schemas.openxmlformats.org/officeDocument/2006/relationships" xmlns:p="http://schemas.openxmlformats.org/presentationml/2006/main">
   <p:cSld>
     <p:spTree>
@@ -8338,7 +9229,7 @@
       </p:grpSpPr>
       <p:sp>
         <p:nvSpPr>
-          <p:cNvPr id="14337" name="Title 1"/>
+          <p:cNvPr id="24577" name="Title 1"/>
           <p:cNvSpPr>
             <a:spLocks noGrp="1"/>
           </p:cNvSpPr>
@@ -8354,14 +9245,14 @@
             <a:pPr eaLnBrk="1" hangingPunct="1"/>
             <a:r>
               <a:rPr lang="en-US" smtClean="0"/>
-              <a:t>Web Crawler</a:t>
-            </a:r>
-          </a:p>
-        </p:txBody>
-      </p:sp>
-      <p:sp>
-        <p:nvSpPr>
-          <p:cNvPr id="14338" name="Content Placeholder 2"/>
+              <a:t>Freshness</a:t>
+            </a:r>
+          </a:p>
+        </p:txBody>
+      </p:sp>
+      <p:sp>
+        <p:nvSpPr>
+          <p:cNvPr id="24578" name="Content Placeholder 2"/>
           <p:cNvSpPr>
             <a:spLocks noGrp="1"/>
           </p:cNvSpPr>
@@ -8377,42 +9268,39 @@
             <a:pPr eaLnBrk="1" hangingPunct="1"/>
             <a:r>
               <a:rPr lang="en-US" smtClean="0"/>
-              <a:t>Finds and downloads web pages automatically</a:t>
+              <a:t>Not possible to constantly check all pages</a:t>
             </a:r>
           </a:p>
           <a:p>
             <a:pPr lvl="1" eaLnBrk="1" hangingPunct="1"/>
             <a:r>
               <a:rPr lang="en-US" smtClean="0"/>
-              <a:t>provides the collection for searching</a:t>
+              <a:t>must check important pages and pages that change frequently</a:t>
             </a:r>
           </a:p>
           <a:p>
             <a:pPr eaLnBrk="1" hangingPunct="1"/>
             <a:r>
               <a:rPr lang="en-US" smtClean="0"/>
-              <a:t>Web is huge and constantly growing</a:t>
+              <a:t>Freshness is the proportion of pages that are fresh</a:t>
             </a:r>
           </a:p>
           <a:p>
             <a:pPr eaLnBrk="1" hangingPunct="1"/>
             <a:r>
               <a:rPr lang="en-US" smtClean="0"/>
-              <a:t>Web is not under the control of search engine providers</a:t>
+              <a:t>Optimizing for this metric can lead to bad decisions, such as not crawling popular sites</a:t>
             </a:r>
           </a:p>
           <a:p>
             <a:pPr eaLnBrk="1" hangingPunct="1"/>
             <a:r>
-              <a:rPr lang="en-US" smtClean="0"/>
-              <a:t>Web pages are constantly changing</a:t>
-            </a:r>
-          </a:p>
-          <a:p>
-            <a:pPr eaLnBrk="1" hangingPunct="1"/>
-            <a:r>
-              <a:rPr lang="en-US" smtClean="0"/>
-              <a:t>Crawlers also used for other types of data</a:t>
+              <a:rPr lang="en-US" i="1" smtClean="0"/>
+              <a:t>Age</a:t>
+            </a:r>
+            <a:r>
+              <a:rPr lang="en-US" smtClean="0"/>
+              <a:t> is a better metric</a:t>
             </a:r>
           </a:p>
         </p:txBody>
@@ -8425,110 +9313,7 @@
 </p:sld>
 </file>
 
-<file path=ppt/slides/slide20.xml><?xml version="1.0" encoding="utf-8"?>
-<p:sld xmlns:a="http://schemas.openxmlformats.org/drawingml/2006/main" xmlns:r="http://schemas.openxmlformats.org/officeDocument/2006/relationships" xmlns:p="http://schemas.openxmlformats.org/presentationml/2006/main">
-  <p:cSld>
-    <p:spTree>
-      <p:nvGrpSpPr>
-        <p:cNvPr id="1" name=""/>
-        <p:cNvGrpSpPr/>
-        <p:nvPr/>
-      </p:nvGrpSpPr>
-      <p:grpSpPr>
-        <a:xfrm>
-          <a:off x="0" y="0"/>
-          <a:ext cx="0" cy="0"/>
-          <a:chOff x="0" y="0"/>
-          <a:chExt cx="0" cy="0"/>
-        </a:xfrm>
-      </p:grpSpPr>
-      <p:sp>
-        <p:nvSpPr>
-          <p:cNvPr id="24577" name="Title 1"/>
-          <p:cNvSpPr>
-            <a:spLocks noGrp="1"/>
-          </p:cNvSpPr>
-          <p:nvPr>
-            <p:ph type="title"/>
-          </p:nvPr>
-        </p:nvSpPr>
-        <p:spPr/>
-        <p:txBody>
-          <a:bodyPr/>
-          <a:lstStyle/>
-          <a:p>
-            <a:pPr eaLnBrk="1" hangingPunct="1"/>
-            <a:r>
-              <a:rPr lang="en-US" smtClean="0"/>
-              <a:t>Freshness</a:t>
-            </a:r>
-          </a:p>
-        </p:txBody>
-      </p:sp>
-      <p:sp>
-        <p:nvSpPr>
-          <p:cNvPr id="24578" name="Content Placeholder 2"/>
-          <p:cNvSpPr>
-            <a:spLocks noGrp="1"/>
-          </p:cNvSpPr>
-          <p:nvPr>
-            <p:ph idx="1"/>
-          </p:nvPr>
-        </p:nvSpPr>
-        <p:spPr/>
-        <p:txBody>
-          <a:bodyPr/>
-          <a:lstStyle/>
-          <a:p>
-            <a:pPr eaLnBrk="1" hangingPunct="1"/>
-            <a:r>
-              <a:rPr lang="en-US" smtClean="0"/>
-              <a:t>Not possible to constantly check all pages</a:t>
-            </a:r>
-          </a:p>
-          <a:p>
-            <a:pPr lvl="1" eaLnBrk="1" hangingPunct="1"/>
-            <a:r>
-              <a:rPr lang="en-US" smtClean="0"/>
-              <a:t>must check important pages and pages that change frequently</a:t>
-            </a:r>
-          </a:p>
-          <a:p>
-            <a:pPr eaLnBrk="1" hangingPunct="1"/>
-            <a:r>
-              <a:rPr lang="en-US" smtClean="0"/>
-              <a:t>Freshness is the proportion of pages that are fresh</a:t>
-            </a:r>
-          </a:p>
-          <a:p>
-            <a:pPr eaLnBrk="1" hangingPunct="1"/>
-            <a:r>
-              <a:rPr lang="en-US" smtClean="0"/>
-              <a:t>Optimizing for this metric can lead to bad decisions, such as not crawling popular sites</a:t>
-            </a:r>
-          </a:p>
-          <a:p>
-            <a:pPr eaLnBrk="1" hangingPunct="1"/>
-            <a:r>
-              <a:rPr lang="en-US" i="1" smtClean="0"/>
-              <a:t>Age</a:t>
-            </a:r>
-            <a:r>
-              <a:rPr lang="en-US" smtClean="0"/>
-              <a:t> is a better metric</a:t>
-            </a:r>
-          </a:p>
-        </p:txBody>
-      </p:sp>
-    </p:spTree>
-  </p:cSld>
-  <p:clrMapOvr>
-    <a:masterClrMapping/>
-  </p:clrMapOvr>
-</p:sld>
-</file>
-
-<file path=ppt/slides/slide21.xml><?xml version="1.0" encoding="utf-8"?>
+<file path=ppt/slides/slide22.xml><?xml version="1.0" encoding="utf-8"?>
 <p:sld xmlns:a="http://schemas.openxmlformats.org/drawingml/2006/main" xmlns:r="http://schemas.openxmlformats.org/officeDocument/2006/relationships" xmlns:p="http://schemas.openxmlformats.org/presentationml/2006/main">
   <p:cSld>
     <p:spTree>
@@ -8713,7 +9498,7 @@
 </p:sld>
 </file>
 
-<file path=ppt/slides/slide22.xml><?xml version="1.0" encoding="utf-8"?>
+<file path=ppt/slides/slide23.xml><?xml version="1.0" encoding="utf-8"?>
 <p:sld xmlns:a="http://schemas.openxmlformats.org/drawingml/2006/main" xmlns:r="http://schemas.openxmlformats.org/officeDocument/2006/relationships" xmlns:p="http://schemas.openxmlformats.org/presentationml/2006/main">
   <p:cSld>
     <p:spTree>
@@ -8886,7 +9671,7 @@
 </p:sld>
 </file>
 
-<file path=ppt/slides/slide23.xml><?xml version="1.0" encoding="utf-8"?>
+<file path=ppt/slides/slide24.xml><?xml version="1.0" encoding="utf-8"?>
 <p:sld xmlns:a="http://schemas.openxmlformats.org/drawingml/2006/main" xmlns:r="http://schemas.openxmlformats.org/officeDocument/2006/relationships" xmlns:p="http://schemas.openxmlformats.org/presentationml/2006/main">
   <p:cSld>
     <p:spTree>
@@ -9147,126 +9932,6 @@
 </p:sld>
 </file>
 
-<file path=ppt/slides/slide24.xml><?xml version="1.0" encoding="utf-8"?>
-<p:sld xmlns:a="http://schemas.openxmlformats.org/drawingml/2006/main" xmlns:r="http://schemas.openxmlformats.org/officeDocument/2006/relationships" xmlns:p="http://schemas.openxmlformats.org/presentationml/2006/main">
-  <p:cSld>
-    <p:spTree>
-      <p:nvGrpSpPr>
-        <p:cNvPr id="1" name=""/>
-        <p:cNvGrpSpPr/>
-        <p:nvPr/>
-      </p:nvGrpSpPr>
-      <p:grpSpPr>
-        <a:xfrm>
-          <a:off x="0" y="0"/>
-          <a:ext cx="0" cy="0"/>
-          <a:chOff x="0" y="0"/>
-          <a:chExt cx="0" cy="0"/>
-        </a:xfrm>
-      </p:grpSpPr>
-      <p:sp>
-        <p:nvSpPr>
-          <p:cNvPr id="28673" name="Title 1"/>
-          <p:cNvSpPr>
-            <a:spLocks noGrp="1"/>
-          </p:cNvSpPr>
-          <p:nvPr>
-            <p:ph type="title"/>
-          </p:nvPr>
-        </p:nvSpPr>
-        <p:spPr/>
-        <p:txBody>
-          <a:bodyPr/>
-          <a:lstStyle/>
-          <a:p>
-            <a:pPr eaLnBrk="1" hangingPunct="1"/>
-            <a:r>
-              <a:rPr lang="en-US" smtClean="0"/>
-              <a:t>Focused Crawling</a:t>
-            </a:r>
-          </a:p>
-        </p:txBody>
-      </p:sp>
-      <p:sp>
-        <p:nvSpPr>
-          <p:cNvPr id="28674" name="Content Placeholder 2"/>
-          <p:cNvSpPr>
-            <a:spLocks noGrp="1"/>
-          </p:cNvSpPr>
-          <p:nvPr>
-            <p:ph idx="1"/>
-          </p:nvPr>
-        </p:nvSpPr>
-        <p:spPr>
-          <a:xfrm>
-            <a:off x="457200" y="1600200"/>
-            <a:ext cx="8229600" cy="4724400"/>
-          </a:xfrm>
-        </p:spPr>
-        <p:txBody>
-          <a:bodyPr/>
-          <a:lstStyle/>
-          <a:p>
-            <a:pPr eaLnBrk="1" hangingPunct="1"/>
-            <a:r>
-              <a:rPr lang="en-US" smtClean="0"/>
-              <a:t>Attempts to download only those pages that are about a particular topic</a:t>
-            </a:r>
-          </a:p>
-          <a:p>
-            <a:pPr lvl="1" eaLnBrk="1" hangingPunct="1"/>
-            <a:r>
-              <a:rPr lang="en-US" smtClean="0"/>
-              <a:t>used by </a:t>
-            </a:r>
-            <a:r>
-              <a:rPr lang="en-US" i="1" smtClean="0"/>
-              <a:t>vertical search </a:t>
-            </a:r>
-            <a:r>
-              <a:rPr lang="en-US" smtClean="0"/>
-              <a:t>applications</a:t>
-            </a:r>
-          </a:p>
-          <a:p>
-            <a:pPr eaLnBrk="1" hangingPunct="1"/>
-            <a:r>
-              <a:rPr lang="en-US" smtClean="0"/>
-              <a:t>Rely on the fact that pages about a topic tend to have links to other pages on the same topic</a:t>
-            </a:r>
-          </a:p>
-          <a:p>
-            <a:pPr lvl="1" eaLnBrk="1" hangingPunct="1"/>
-            <a:r>
-              <a:rPr lang="en-US" smtClean="0"/>
-              <a:t>popular pages for a topic are typically used as seeds</a:t>
-            </a:r>
-          </a:p>
-          <a:p>
-            <a:pPr eaLnBrk="1" hangingPunct="1"/>
-            <a:r>
-              <a:rPr lang="en-US" smtClean="0"/>
-              <a:t>Crawler uses </a:t>
-            </a:r>
-            <a:r>
-              <a:rPr lang="en-US" i="1" smtClean="0"/>
-              <a:t>text classifier </a:t>
-            </a:r>
-            <a:r>
-              <a:rPr lang="en-US" smtClean="0"/>
-              <a:t>to decide whether a page is on topic</a:t>
-            </a:r>
-          </a:p>
-        </p:txBody>
-      </p:sp>
-    </p:spTree>
-  </p:cSld>
-  <p:clrMapOvr>
-    <a:masterClrMapping/>
-  </p:clrMapOvr>
-</p:sld>
-</file>
-
 <file path=ppt/slides/slide25.xml><?xml version="1.0" encoding="utf-8"?>
 <p:sld xmlns:a="http://schemas.openxmlformats.org/drawingml/2006/main" xmlns:r="http://schemas.openxmlformats.org/officeDocument/2006/relationships" xmlns:p="http://schemas.openxmlformats.org/presentationml/2006/main">
   <p:cSld>
@@ -9286,7 +9951,7 @@
       </p:grpSpPr>
       <p:sp>
         <p:nvSpPr>
-          <p:cNvPr id="29697" name="Title 1"/>
+          <p:cNvPr id="28673" name="Title 1"/>
           <p:cNvSpPr>
             <a:spLocks noGrp="1"/>
           </p:cNvSpPr>
@@ -9302,14 +9967,14 @@
             <a:pPr eaLnBrk="1" hangingPunct="1"/>
             <a:r>
               <a:rPr lang="en-US" smtClean="0"/>
-              <a:t>Deep Web</a:t>
-            </a:r>
-          </a:p>
-        </p:txBody>
-      </p:sp>
-      <p:sp>
-        <p:nvSpPr>
-          <p:cNvPr id="3" name="Content Placeholder 2"/>
+              <a:t>Focused Crawling</a:t>
+            </a:r>
+          </a:p>
+        </p:txBody>
+      </p:sp>
+      <p:sp>
+        <p:nvSpPr>
+          <p:cNvPr id="28674" name="Content Placeholder 2"/>
           <p:cNvSpPr>
             <a:spLocks noGrp="1"/>
           </p:cNvSpPr>
@@ -9319,274 +9984,63 @@
         </p:nvSpPr>
         <p:spPr>
           <a:xfrm>
-            <a:off x="457200" y="1484784"/>
-            <a:ext cx="8229600" cy="5181600"/>
+            <a:off x="457200" y="1600200"/>
+            <a:ext cx="8229600" cy="4724400"/>
           </a:xfrm>
         </p:spPr>
         <p:txBody>
-          <a:bodyPr rtlCol="0">
-            <a:normAutofit fontScale="92500" lnSpcReduction="20000"/>
-          </a:bodyPr>
+          <a:bodyPr/>
           <a:lstStyle/>
           <a:p>
-            <a:pPr eaLnBrk="1" fontAlgn="auto" hangingPunct="1">
-              <a:spcAft>
-                <a:spcPts val="0"/>
-              </a:spcAft>
-              <a:buFont typeface="Arial" pitchFamily="34" charset="0"/>
-              <a:buChar char="•"/>
-              <a:defRPr/>
-            </a:pPr>
-            <a:r>
-              <a:rPr lang="en-US" dirty="0" smtClean="0">
-                <a:ea typeface="+mn-ea"/>
-                <a:cs typeface="+mn-cs"/>
-              </a:rPr>
-              <a:t>Sites that are difficult for a crawler to find are collectively referred to as the </a:t>
-            </a:r>
-            <a:r>
-              <a:rPr lang="en-US" i="1" dirty="0" smtClean="0">
-                <a:ea typeface="+mn-ea"/>
-                <a:cs typeface="+mn-cs"/>
-              </a:rPr>
-              <a:t>deep </a:t>
-            </a:r>
-            <a:r>
-              <a:rPr lang="en-US" dirty="0" smtClean="0">
-                <a:ea typeface="+mn-ea"/>
-                <a:cs typeface="+mn-cs"/>
-              </a:rPr>
-              <a:t>(or </a:t>
-            </a:r>
-            <a:r>
-              <a:rPr lang="en-US" i="1" dirty="0" smtClean="0">
-                <a:ea typeface="+mn-ea"/>
-                <a:cs typeface="+mn-cs"/>
-              </a:rPr>
-              <a:t>hidden</a:t>
-            </a:r>
-            <a:r>
-              <a:rPr lang="en-US" dirty="0" smtClean="0">
-                <a:ea typeface="+mn-ea"/>
-                <a:cs typeface="+mn-cs"/>
-              </a:rPr>
-              <a:t>)</a:t>
-            </a:r>
-            <a:r>
-              <a:rPr lang="en-US" i="1" dirty="0" smtClean="0">
-                <a:ea typeface="+mn-ea"/>
-                <a:cs typeface="+mn-cs"/>
-              </a:rPr>
-              <a:t> Web</a:t>
-            </a:r>
-          </a:p>
-          <a:p>
-            <a:pPr lvl="1" eaLnBrk="1" fontAlgn="auto" hangingPunct="1">
-              <a:spcAft>
-                <a:spcPts val="0"/>
-              </a:spcAft>
-              <a:buFont typeface="Arial" pitchFamily="34" charset="0"/>
-              <a:buChar char="–"/>
-              <a:defRPr/>
-            </a:pPr>
-            <a:r>
-              <a:rPr lang="en-US" dirty="0" smtClean="0">
-                <a:ea typeface="+mn-ea"/>
-              </a:rPr>
-              <a:t>much larger than conventional Web</a:t>
-            </a:r>
-          </a:p>
-          <a:p>
-            <a:pPr eaLnBrk="1" fontAlgn="auto" hangingPunct="1">
-              <a:spcAft>
-                <a:spcPts val="0"/>
-              </a:spcAft>
-              <a:buFont typeface="Arial" pitchFamily="34" charset="0"/>
-              <a:buChar char="•"/>
-              <a:defRPr/>
-            </a:pPr>
-            <a:r>
-              <a:rPr lang="en-US" dirty="0" smtClean="0">
-                <a:ea typeface="+mn-ea"/>
-                <a:cs typeface="+mn-cs"/>
-              </a:rPr>
-              <a:t>Three broad categories:</a:t>
-            </a:r>
-          </a:p>
-          <a:p>
-            <a:pPr lvl="1" eaLnBrk="1" fontAlgn="auto" hangingPunct="1">
-              <a:spcAft>
-                <a:spcPts val="0"/>
-              </a:spcAft>
-              <a:buFont typeface="Arial" pitchFamily="34" charset="0"/>
-              <a:buChar char="–"/>
-              <a:defRPr/>
-            </a:pPr>
-            <a:r>
-              <a:rPr lang="en-US" dirty="0" smtClean="0">
-                <a:ea typeface="+mn-ea"/>
-              </a:rPr>
-              <a:t>private sites</a:t>
-            </a:r>
-          </a:p>
-          <a:p>
-            <a:pPr lvl="2" eaLnBrk="1" fontAlgn="auto" hangingPunct="1">
-              <a:spcAft>
-                <a:spcPts val="0"/>
-              </a:spcAft>
-              <a:buFont typeface="Arial" pitchFamily="34" charset="0"/>
-              <a:buChar char="•"/>
-              <a:defRPr/>
-            </a:pPr>
-            <a:r>
-              <a:rPr lang="en-US" dirty="0" smtClean="0">
-                <a:ea typeface="+mn-ea"/>
-              </a:rPr>
-              <a:t>no incoming links, or may require log in with a valid account</a:t>
-            </a:r>
-          </a:p>
-          <a:p>
-            <a:pPr lvl="1" eaLnBrk="1" fontAlgn="auto" hangingPunct="1">
-              <a:spcAft>
-                <a:spcPts val="0"/>
-              </a:spcAft>
-              <a:buFont typeface="Arial" pitchFamily="34" charset="0"/>
-              <a:buChar char="–"/>
-              <a:defRPr/>
-            </a:pPr>
-            <a:r>
-              <a:rPr lang="en-US" dirty="0" smtClean="0">
-                <a:ea typeface="+mn-ea"/>
-              </a:rPr>
-              <a:t>form results</a:t>
-            </a:r>
-          </a:p>
-          <a:p>
-            <a:pPr lvl="2" eaLnBrk="1" fontAlgn="auto" hangingPunct="1">
-              <a:spcAft>
-                <a:spcPts val="0"/>
-              </a:spcAft>
-              <a:buFont typeface="Arial" pitchFamily="34" charset="0"/>
-              <a:buChar char="•"/>
-              <a:defRPr/>
-            </a:pPr>
-            <a:r>
-              <a:rPr lang="en-US" dirty="0" smtClean="0">
-                <a:ea typeface="+mn-ea"/>
-              </a:rPr>
-              <a:t>sites that can be reached only after entering some data into a form</a:t>
-            </a:r>
-          </a:p>
-          <a:p>
-            <a:pPr lvl="1" eaLnBrk="1" fontAlgn="auto" hangingPunct="1">
-              <a:spcAft>
-                <a:spcPts val="0"/>
-              </a:spcAft>
-              <a:buFont typeface="Arial" pitchFamily="34" charset="0"/>
-              <a:buChar char="–"/>
-              <a:defRPr/>
-            </a:pPr>
-            <a:r>
-              <a:rPr lang="en-US" dirty="0" smtClean="0">
-                <a:ea typeface="+mn-ea"/>
-              </a:rPr>
-              <a:t>scripted pages</a:t>
-            </a:r>
-          </a:p>
-          <a:p>
-            <a:pPr lvl="2" eaLnBrk="1" fontAlgn="auto" hangingPunct="1">
-              <a:spcAft>
-                <a:spcPts val="0"/>
-              </a:spcAft>
-              <a:buFont typeface="Arial" pitchFamily="34" charset="0"/>
-              <a:buChar char="•"/>
-              <a:defRPr/>
-            </a:pPr>
-            <a:r>
-              <a:rPr lang="en-US" dirty="0" smtClean="0">
-                <a:ea typeface="+mn-ea"/>
-              </a:rPr>
-              <a:t>pages that use JavaScript, Flash, or another client-side language to generate links</a:t>
-            </a:r>
-            <a:endParaRPr lang="en-US" dirty="0">
-              <a:ea typeface="+mn-ea"/>
-            </a:endParaRPr>
-          </a:p>
-        </p:txBody>
-      </p:sp>
-      <p:sp>
-        <p:nvSpPr>
-          <p:cNvPr id="2" name="TextBox 1"/>
-          <p:cNvSpPr txBox="1"/>
-          <p:nvPr/>
-        </p:nvSpPr>
-        <p:spPr>
-          <a:xfrm>
-            <a:off x="2267744" y="6341258"/>
-            <a:ext cx="4497370" cy="400110"/>
-          </a:xfrm>
-          <a:prstGeom prst="rect">
-            <a:avLst/>
-          </a:prstGeom>
-          <a:noFill/>
-          <a:ln>
-            <a:solidFill>
-              <a:srgbClr val="DF1B16"/>
-            </a:solidFill>
-          </a:ln>
-        </p:spPr>
-        <p:txBody>
-          <a:bodyPr wrap="none" rtlCol="0">
-            <a:spAutoFit/>
-          </a:bodyPr>
-          <a:lstStyle/>
-          <a:p>
-            <a:r>
-              <a:rPr lang="en-US" sz="1000" dirty="0"/>
-              <a:t>R</a:t>
-            </a:r>
-            <a:r>
-              <a:rPr lang="en-US" sz="1000" dirty="0" smtClean="0"/>
-              <a:t>e: JavaScript See: </a:t>
-            </a:r>
-            <a:r>
-              <a:rPr lang="en-US" sz="1000" dirty="0" smtClean="0">
-                <a:hlinkClick r:id="rId2"/>
-              </a:rPr>
-              <a:t>http</a:t>
-            </a:r>
-            <a:r>
-              <a:rPr lang="en-US" sz="1000" dirty="0">
-                <a:hlinkClick r:id="rId2"/>
-              </a:rPr>
-              <a:t>://arxiv.org/abs/</a:t>
-            </a:r>
-            <a:r>
-              <a:rPr lang="en-US" sz="1000" dirty="0" smtClean="0">
-                <a:hlinkClick r:id="rId2"/>
-              </a:rPr>
-              <a:t>1508.02315</a:t>
-            </a:r>
-            <a:endParaRPr lang="en-US" sz="1000" dirty="0" smtClean="0"/>
-          </a:p>
-          <a:p>
-            <a:r>
-              <a:rPr lang="en-US" sz="1000" dirty="0">
-                <a:hlinkClick r:id="rId3"/>
-              </a:rPr>
-              <a:t>http://ws-dl.blogspot.com/2015/06/2015-06-26-phantomjsvisualevent-</a:t>
-            </a:r>
-            <a:r>
-              <a:rPr lang="en-US" sz="1000" dirty="0" smtClean="0">
-                <a:hlinkClick r:id="rId3"/>
-              </a:rPr>
-              <a:t>or.html</a:t>
-            </a:r>
-            <a:r>
-              <a:rPr lang="en-US" sz="1000" dirty="0" smtClean="0"/>
-              <a:t> </a:t>
-            </a:r>
-            <a:endParaRPr lang="en-US" sz="1000" dirty="0"/>
+            <a:pPr eaLnBrk="1" hangingPunct="1"/>
+            <a:r>
+              <a:rPr lang="en-US" smtClean="0"/>
+              <a:t>Attempts to download only those pages that are about a particular topic</a:t>
+            </a:r>
+          </a:p>
+          <a:p>
+            <a:pPr lvl="1" eaLnBrk="1" hangingPunct="1"/>
+            <a:r>
+              <a:rPr lang="en-US" smtClean="0"/>
+              <a:t>used by </a:t>
+            </a:r>
+            <a:r>
+              <a:rPr lang="en-US" i="1" smtClean="0"/>
+              <a:t>vertical search </a:t>
+            </a:r>
+            <a:r>
+              <a:rPr lang="en-US" smtClean="0"/>
+              <a:t>applications</a:t>
+            </a:r>
+          </a:p>
+          <a:p>
+            <a:pPr eaLnBrk="1" hangingPunct="1"/>
+            <a:r>
+              <a:rPr lang="en-US" smtClean="0"/>
+              <a:t>Rely on the fact that pages about a topic tend to have links to other pages on the same topic</a:t>
+            </a:r>
+          </a:p>
+          <a:p>
+            <a:pPr lvl="1" eaLnBrk="1" hangingPunct="1"/>
+            <a:r>
+              <a:rPr lang="en-US" smtClean="0"/>
+              <a:t>popular pages for a topic are typically used as seeds</a:t>
+            </a:r>
+          </a:p>
+          <a:p>
+            <a:pPr eaLnBrk="1" hangingPunct="1"/>
+            <a:r>
+              <a:rPr lang="en-US" smtClean="0"/>
+              <a:t>Crawler uses </a:t>
+            </a:r>
+            <a:r>
+              <a:rPr lang="en-US" i="1" smtClean="0"/>
+              <a:t>text classifier </a:t>
+            </a:r>
+            <a:r>
+              <a:rPr lang="en-US" smtClean="0"/>
+              <a:t>to decide whether a page is on topic</a:t>
+            </a:r>
           </a:p>
         </p:txBody>
       </p:sp>
@@ -9617,7 +10071,7 @@
       </p:grpSpPr>
       <p:sp>
         <p:nvSpPr>
-          <p:cNvPr id="30721" name="Title 1"/>
+          <p:cNvPr id="29697" name="Title 1"/>
           <p:cNvSpPr>
             <a:spLocks noGrp="1"/>
           </p:cNvSpPr>
@@ -9633,14 +10087,14 @@
             <a:pPr eaLnBrk="1" hangingPunct="1"/>
             <a:r>
               <a:rPr lang="en-US" smtClean="0"/>
-              <a:t>Sitemaps</a:t>
-            </a:r>
-          </a:p>
-        </p:txBody>
-      </p:sp>
-      <p:sp>
-        <p:nvSpPr>
-          <p:cNvPr id="30722" name="Content Placeholder 2"/>
+              <a:t>Deep Web</a:t>
+            </a:r>
+          </a:p>
+        </p:txBody>
+      </p:sp>
+      <p:sp>
+        <p:nvSpPr>
+          <p:cNvPr id="3" name="Content Placeholder 2"/>
           <p:cNvSpPr>
             <a:spLocks noGrp="1"/>
           </p:cNvSpPr>
@@ -9648,37 +10102,276 @@
             <p:ph idx="1"/>
           </p:nvPr>
         </p:nvSpPr>
-        <p:spPr/>
-        <p:txBody>
-          <a:bodyPr/>
+        <p:spPr>
+          <a:xfrm>
+            <a:off x="457200" y="1484784"/>
+            <a:ext cx="8229600" cy="5181600"/>
+          </a:xfrm>
+        </p:spPr>
+        <p:txBody>
+          <a:bodyPr rtlCol="0">
+            <a:normAutofit fontScale="92500" lnSpcReduction="20000"/>
+          </a:bodyPr>
           <a:lstStyle/>
           <a:p>
-            <a:pPr eaLnBrk="1" hangingPunct="1"/>
-            <a:r>
-              <a:rPr lang="en-US" smtClean="0"/>
-              <a:t>Sitemaps contain lists of URLs and data about those URLs, such as modification time and modification frequency</a:t>
-            </a:r>
-          </a:p>
-          <a:p>
-            <a:pPr eaLnBrk="1" hangingPunct="1"/>
-            <a:r>
-              <a:rPr lang="en-US" smtClean="0"/>
-              <a:t>Generated by web server administrators</a:t>
-            </a:r>
-          </a:p>
-          <a:p>
-            <a:pPr eaLnBrk="1" hangingPunct="1"/>
-            <a:r>
-              <a:rPr lang="en-US" smtClean="0"/>
-              <a:t>Tells crawler about pages it might not otherwise find</a:t>
-            </a:r>
-          </a:p>
-          <a:p>
-            <a:pPr eaLnBrk="1" hangingPunct="1"/>
-            <a:r>
-              <a:rPr lang="en-US" smtClean="0"/>
-              <a:t>Gives crawler a hint about when to check a page for changes</a:t>
-            </a:r>
+            <a:pPr eaLnBrk="1" fontAlgn="auto" hangingPunct="1">
+              <a:spcAft>
+                <a:spcPts val="0"/>
+              </a:spcAft>
+              <a:buFont typeface="Arial" pitchFamily="34" charset="0"/>
+              <a:buChar char="•"/>
+              <a:defRPr/>
+            </a:pPr>
+            <a:r>
+              <a:rPr lang="en-US" dirty="0" smtClean="0">
+                <a:ea typeface="+mn-ea"/>
+                <a:cs typeface="+mn-cs"/>
+              </a:rPr>
+              <a:t>Sites that are difficult for a crawler to find are collectively referred to as the </a:t>
+            </a:r>
+            <a:r>
+              <a:rPr lang="en-US" i="1" dirty="0" smtClean="0">
+                <a:ea typeface="+mn-ea"/>
+                <a:cs typeface="+mn-cs"/>
+              </a:rPr>
+              <a:t>deep </a:t>
+            </a:r>
+            <a:r>
+              <a:rPr lang="en-US" dirty="0" smtClean="0">
+                <a:ea typeface="+mn-ea"/>
+                <a:cs typeface="+mn-cs"/>
+              </a:rPr>
+              <a:t>(or </a:t>
+            </a:r>
+            <a:r>
+              <a:rPr lang="en-US" i="1" dirty="0" smtClean="0">
+                <a:ea typeface="+mn-ea"/>
+                <a:cs typeface="+mn-cs"/>
+              </a:rPr>
+              <a:t>hidden</a:t>
+            </a:r>
+            <a:r>
+              <a:rPr lang="en-US" dirty="0" smtClean="0">
+                <a:ea typeface="+mn-ea"/>
+                <a:cs typeface="+mn-cs"/>
+              </a:rPr>
+              <a:t>)</a:t>
+            </a:r>
+            <a:r>
+              <a:rPr lang="en-US" i="1" dirty="0" smtClean="0">
+                <a:ea typeface="+mn-ea"/>
+                <a:cs typeface="+mn-cs"/>
+              </a:rPr>
+              <a:t> Web</a:t>
+            </a:r>
+          </a:p>
+          <a:p>
+            <a:pPr lvl="1" eaLnBrk="1" fontAlgn="auto" hangingPunct="1">
+              <a:spcAft>
+                <a:spcPts val="0"/>
+              </a:spcAft>
+              <a:buFont typeface="Arial" pitchFamily="34" charset="0"/>
+              <a:buChar char="–"/>
+              <a:defRPr/>
+            </a:pPr>
+            <a:r>
+              <a:rPr lang="en-US" dirty="0" smtClean="0">
+                <a:ea typeface="+mn-ea"/>
+              </a:rPr>
+              <a:t>much larger than conventional Web</a:t>
+            </a:r>
+          </a:p>
+          <a:p>
+            <a:pPr eaLnBrk="1" fontAlgn="auto" hangingPunct="1">
+              <a:spcAft>
+                <a:spcPts val="0"/>
+              </a:spcAft>
+              <a:buFont typeface="Arial" pitchFamily="34" charset="0"/>
+              <a:buChar char="•"/>
+              <a:defRPr/>
+            </a:pPr>
+            <a:r>
+              <a:rPr lang="en-US" dirty="0" smtClean="0">
+                <a:ea typeface="+mn-ea"/>
+                <a:cs typeface="+mn-cs"/>
+              </a:rPr>
+              <a:t>Three broad categories:</a:t>
+            </a:r>
+          </a:p>
+          <a:p>
+            <a:pPr lvl="1" eaLnBrk="1" fontAlgn="auto" hangingPunct="1">
+              <a:spcAft>
+                <a:spcPts val="0"/>
+              </a:spcAft>
+              <a:buFont typeface="Arial" pitchFamily="34" charset="0"/>
+              <a:buChar char="–"/>
+              <a:defRPr/>
+            </a:pPr>
+            <a:r>
+              <a:rPr lang="en-US" dirty="0" smtClean="0">
+                <a:ea typeface="+mn-ea"/>
+              </a:rPr>
+              <a:t>private sites</a:t>
+            </a:r>
+          </a:p>
+          <a:p>
+            <a:pPr lvl="2" eaLnBrk="1" fontAlgn="auto" hangingPunct="1">
+              <a:spcAft>
+                <a:spcPts val="0"/>
+              </a:spcAft>
+              <a:buFont typeface="Arial" pitchFamily="34" charset="0"/>
+              <a:buChar char="•"/>
+              <a:defRPr/>
+            </a:pPr>
+            <a:r>
+              <a:rPr lang="en-US" dirty="0" smtClean="0">
+                <a:ea typeface="+mn-ea"/>
+              </a:rPr>
+              <a:t>no incoming links, or may require log in with a valid account</a:t>
+            </a:r>
+          </a:p>
+          <a:p>
+            <a:pPr lvl="1" eaLnBrk="1" fontAlgn="auto" hangingPunct="1">
+              <a:spcAft>
+                <a:spcPts val="0"/>
+              </a:spcAft>
+              <a:buFont typeface="Arial" pitchFamily="34" charset="0"/>
+              <a:buChar char="–"/>
+              <a:defRPr/>
+            </a:pPr>
+            <a:r>
+              <a:rPr lang="en-US" dirty="0" smtClean="0">
+                <a:ea typeface="+mn-ea"/>
+              </a:rPr>
+              <a:t>form results</a:t>
+            </a:r>
+          </a:p>
+          <a:p>
+            <a:pPr lvl="2" eaLnBrk="1" fontAlgn="auto" hangingPunct="1">
+              <a:spcAft>
+                <a:spcPts val="0"/>
+              </a:spcAft>
+              <a:buFont typeface="Arial" pitchFamily="34" charset="0"/>
+              <a:buChar char="•"/>
+              <a:defRPr/>
+            </a:pPr>
+            <a:r>
+              <a:rPr lang="en-US" dirty="0" smtClean="0">
+                <a:ea typeface="+mn-ea"/>
+              </a:rPr>
+              <a:t>sites that can be reached only after entering some data into a form</a:t>
+            </a:r>
+          </a:p>
+          <a:p>
+            <a:pPr lvl="1" eaLnBrk="1" fontAlgn="auto" hangingPunct="1">
+              <a:spcAft>
+                <a:spcPts val="0"/>
+              </a:spcAft>
+              <a:buFont typeface="Arial" pitchFamily="34" charset="0"/>
+              <a:buChar char="–"/>
+              <a:defRPr/>
+            </a:pPr>
+            <a:r>
+              <a:rPr lang="en-US" dirty="0" smtClean="0">
+                <a:ea typeface="+mn-ea"/>
+              </a:rPr>
+              <a:t>scripted pages</a:t>
+            </a:r>
+          </a:p>
+          <a:p>
+            <a:pPr lvl="2" eaLnBrk="1" fontAlgn="auto" hangingPunct="1">
+              <a:spcAft>
+                <a:spcPts val="0"/>
+              </a:spcAft>
+              <a:buFont typeface="Arial" pitchFamily="34" charset="0"/>
+              <a:buChar char="•"/>
+              <a:defRPr/>
+            </a:pPr>
+            <a:r>
+              <a:rPr lang="en-US" dirty="0" smtClean="0">
+                <a:ea typeface="+mn-ea"/>
+              </a:rPr>
+              <a:t>pages that use JavaScript, Flash, or another client-side language to generate links</a:t>
+            </a:r>
+            <a:endParaRPr lang="en-US" dirty="0">
+              <a:ea typeface="+mn-ea"/>
+            </a:endParaRPr>
+          </a:p>
+        </p:txBody>
+      </p:sp>
+      <p:sp>
+        <p:nvSpPr>
+          <p:cNvPr id="2" name="TextBox 1"/>
+          <p:cNvSpPr txBox="1"/>
+          <p:nvPr/>
+        </p:nvSpPr>
+        <p:spPr>
+          <a:xfrm>
+            <a:off x="2267744" y="6341258"/>
+            <a:ext cx="4497370" cy="400110"/>
+          </a:xfrm>
+          <a:prstGeom prst="rect">
+            <a:avLst/>
+          </a:prstGeom>
+          <a:noFill/>
+          <a:ln>
+            <a:solidFill>
+              <a:srgbClr val="DF1B16"/>
+            </a:solidFill>
+          </a:ln>
+        </p:spPr>
+        <p:txBody>
+          <a:bodyPr wrap="none" rtlCol="0">
+            <a:spAutoFit/>
+          </a:bodyPr>
+          <a:lstStyle/>
+          <a:p>
+            <a:r>
+              <a:rPr lang="en-US" sz="1000" dirty="0"/>
+              <a:t>R</a:t>
+            </a:r>
+            <a:r>
+              <a:rPr lang="en-US" sz="1000" dirty="0" smtClean="0"/>
+              <a:t>e: JavaScript See: </a:t>
+            </a:r>
+            <a:r>
+              <a:rPr lang="en-US" sz="1000" dirty="0" smtClean="0">
+                <a:hlinkClick r:id="rId2"/>
+              </a:rPr>
+              <a:t>http</a:t>
+            </a:r>
+            <a:r>
+              <a:rPr lang="en-US" sz="1000" dirty="0">
+                <a:hlinkClick r:id="rId2"/>
+              </a:rPr>
+              <a:t>://arxiv.org/abs/</a:t>
+            </a:r>
+            <a:r>
+              <a:rPr lang="en-US" sz="1000" dirty="0" smtClean="0">
+                <a:hlinkClick r:id="rId2"/>
+              </a:rPr>
+              <a:t>1508.02315</a:t>
+            </a:r>
+            <a:endParaRPr lang="en-US" sz="1000" dirty="0" smtClean="0"/>
+          </a:p>
+          <a:p>
+            <a:r>
+              <a:rPr lang="en-US" sz="1000" dirty="0">
+                <a:hlinkClick r:id="rId3"/>
+              </a:rPr>
+              <a:t>http://ws-dl.blogspot.com/2015/06/2015-06-26-phantomjsvisualevent-</a:t>
+            </a:r>
+            <a:r>
+              <a:rPr lang="en-US" sz="1000" dirty="0" smtClean="0">
+                <a:hlinkClick r:id="rId3"/>
+              </a:rPr>
+              <a:t>or.html</a:t>
+            </a:r>
+            <a:r>
+              <a:rPr lang="en-US" sz="1000" dirty="0" smtClean="0"/>
+              <a:t> </a:t>
+            </a:r>
+            <a:endParaRPr lang="en-US" sz="1000" dirty="0"/>
           </a:p>
         </p:txBody>
       </p:sp>
@@ -9709,6 +10402,98 @@
       </p:grpSpPr>
       <p:sp>
         <p:nvSpPr>
+          <p:cNvPr id="30721" name="Title 1"/>
+          <p:cNvSpPr>
+            <a:spLocks noGrp="1"/>
+          </p:cNvSpPr>
+          <p:nvPr>
+            <p:ph type="title"/>
+          </p:nvPr>
+        </p:nvSpPr>
+        <p:spPr/>
+        <p:txBody>
+          <a:bodyPr/>
+          <a:lstStyle/>
+          <a:p>
+            <a:pPr eaLnBrk="1" hangingPunct="1"/>
+            <a:r>
+              <a:rPr lang="en-US" smtClean="0"/>
+              <a:t>Sitemaps</a:t>
+            </a:r>
+          </a:p>
+        </p:txBody>
+      </p:sp>
+      <p:sp>
+        <p:nvSpPr>
+          <p:cNvPr id="30722" name="Content Placeholder 2"/>
+          <p:cNvSpPr>
+            <a:spLocks noGrp="1"/>
+          </p:cNvSpPr>
+          <p:nvPr>
+            <p:ph idx="1"/>
+          </p:nvPr>
+        </p:nvSpPr>
+        <p:spPr/>
+        <p:txBody>
+          <a:bodyPr/>
+          <a:lstStyle/>
+          <a:p>
+            <a:pPr eaLnBrk="1" hangingPunct="1"/>
+            <a:r>
+              <a:rPr lang="en-US" smtClean="0"/>
+              <a:t>Sitemaps contain lists of URLs and data about those URLs, such as modification time and modification frequency</a:t>
+            </a:r>
+          </a:p>
+          <a:p>
+            <a:pPr eaLnBrk="1" hangingPunct="1"/>
+            <a:r>
+              <a:rPr lang="en-US" smtClean="0"/>
+              <a:t>Generated by web server administrators</a:t>
+            </a:r>
+          </a:p>
+          <a:p>
+            <a:pPr eaLnBrk="1" hangingPunct="1"/>
+            <a:r>
+              <a:rPr lang="en-US" smtClean="0"/>
+              <a:t>Tells crawler about pages it might not otherwise find</a:t>
+            </a:r>
+          </a:p>
+          <a:p>
+            <a:pPr eaLnBrk="1" hangingPunct="1"/>
+            <a:r>
+              <a:rPr lang="en-US" smtClean="0"/>
+              <a:t>Gives crawler a hint about when to check a page for changes</a:t>
+            </a:r>
+          </a:p>
+        </p:txBody>
+      </p:sp>
+    </p:spTree>
+  </p:cSld>
+  <p:clrMapOvr>
+    <a:masterClrMapping/>
+  </p:clrMapOvr>
+</p:sld>
+</file>
+
+<file path=ppt/slides/slide28.xml><?xml version="1.0" encoding="utf-8"?>
+<p:sld xmlns:a="http://schemas.openxmlformats.org/drawingml/2006/main" xmlns:r="http://schemas.openxmlformats.org/officeDocument/2006/relationships" xmlns:p="http://schemas.openxmlformats.org/presentationml/2006/main">
+  <p:cSld>
+    <p:spTree>
+      <p:nvGrpSpPr>
+        <p:cNvPr id="1" name=""/>
+        <p:cNvGrpSpPr/>
+        <p:nvPr/>
+      </p:nvGrpSpPr>
+      <p:grpSpPr>
+        <a:xfrm>
+          <a:off x="0" y="0"/>
+          <a:ext cx="0" cy="0"/>
+          <a:chOff x="0" y="0"/>
+          <a:chExt cx="0" cy="0"/>
+        </a:xfrm>
+      </p:grpSpPr>
+      <p:sp>
+        <p:nvSpPr>
           <p:cNvPr id="31745" name="Title 1"/>
           <p:cNvSpPr>
             <a:spLocks noGrp="1"/>
@@ -9841,178 +10626,6 @@
 </p:sld>
 </file>
 
-<file path=ppt/slides/slide28.xml><?xml version="1.0" encoding="utf-8"?>
-<p:sld xmlns:a="http://schemas.openxmlformats.org/drawingml/2006/main" xmlns:r="http://schemas.openxmlformats.org/officeDocument/2006/relationships" xmlns:p="http://schemas.openxmlformats.org/presentationml/2006/main">
-  <p:cSld>
-    <p:spTree>
-      <p:nvGrpSpPr>
-        <p:cNvPr id="1" name=""/>
-        <p:cNvGrpSpPr/>
-        <p:nvPr/>
-      </p:nvGrpSpPr>
-      <p:grpSpPr>
-        <a:xfrm>
-          <a:off x="0" y="0"/>
-          <a:ext cx="0" cy="0"/>
-          <a:chOff x="0" y="0"/>
-          <a:chExt cx="0" cy="0"/>
-        </a:xfrm>
-      </p:grpSpPr>
-      <p:sp>
-        <p:nvSpPr>
-          <p:cNvPr id="32769" name="Title 1"/>
-          <p:cNvSpPr>
-            <a:spLocks noGrp="1"/>
-          </p:cNvSpPr>
-          <p:nvPr>
-            <p:ph type="title"/>
-          </p:nvPr>
-        </p:nvSpPr>
-        <p:spPr/>
-        <p:txBody>
-          <a:bodyPr/>
-          <a:lstStyle/>
-          <a:p>
-            <a:pPr eaLnBrk="1" hangingPunct="1"/>
-            <a:r>
-              <a:rPr lang="en-US" smtClean="0"/>
-              <a:t>Distributed Crawling</a:t>
-            </a:r>
-          </a:p>
-        </p:txBody>
-      </p:sp>
-      <p:sp>
-        <p:nvSpPr>
-          <p:cNvPr id="3" name="Content Placeholder 2"/>
-          <p:cNvSpPr>
-            <a:spLocks noGrp="1"/>
-          </p:cNvSpPr>
-          <p:nvPr>
-            <p:ph idx="1"/>
-          </p:nvPr>
-        </p:nvSpPr>
-        <p:spPr>
-          <a:xfrm>
-            <a:off x="457200" y="1600200"/>
-            <a:ext cx="8229600" cy="4876800"/>
-          </a:xfrm>
-        </p:spPr>
-        <p:txBody>
-          <a:bodyPr rtlCol="0">
-            <a:normAutofit fontScale="92500"/>
-          </a:bodyPr>
-          <a:lstStyle/>
-          <a:p>
-            <a:pPr eaLnBrk="1" fontAlgn="auto" hangingPunct="1">
-              <a:spcAft>
-                <a:spcPts val="0"/>
-              </a:spcAft>
-              <a:buFont typeface="Arial" pitchFamily="34" charset="0"/>
-              <a:buChar char="•"/>
-              <a:defRPr/>
-            </a:pPr>
-            <a:r>
-              <a:rPr lang="en-US" dirty="0" smtClean="0">
-                <a:ea typeface="+mn-ea"/>
-                <a:cs typeface="+mn-cs"/>
-              </a:rPr>
-              <a:t>Three reasons to use multiple computers for crawling</a:t>
-            </a:r>
-          </a:p>
-          <a:p>
-            <a:pPr lvl="1" eaLnBrk="1" fontAlgn="auto" hangingPunct="1">
-              <a:spcAft>
-                <a:spcPts val="0"/>
-              </a:spcAft>
-              <a:buFont typeface="Arial" pitchFamily="34" charset="0"/>
-              <a:buChar char="–"/>
-              <a:defRPr/>
-            </a:pPr>
-            <a:r>
-              <a:rPr lang="en-US" dirty="0" smtClean="0">
-                <a:ea typeface="+mn-ea"/>
-              </a:rPr>
-              <a:t>Helps to put the crawler closer to the sites it crawls</a:t>
-            </a:r>
-          </a:p>
-          <a:p>
-            <a:pPr lvl="1" eaLnBrk="1" fontAlgn="auto" hangingPunct="1">
-              <a:spcAft>
-                <a:spcPts val="0"/>
-              </a:spcAft>
-              <a:buFont typeface="Arial" pitchFamily="34" charset="0"/>
-              <a:buChar char="–"/>
-              <a:defRPr/>
-            </a:pPr>
-            <a:r>
-              <a:rPr lang="en-US" dirty="0" smtClean="0">
-                <a:ea typeface="+mn-ea"/>
-              </a:rPr>
-              <a:t>Reduces the number of sites the crawler has to remember</a:t>
-            </a:r>
-          </a:p>
-          <a:p>
-            <a:pPr lvl="1" eaLnBrk="1" fontAlgn="auto" hangingPunct="1">
-              <a:spcAft>
-                <a:spcPts val="0"/>
-              </a:spcAft>
-              <a:buFont typeface="Arial" pitchFamily="34" charset="0"/>
-              <a:buChar char="–"/>
-              <a:defRPr/>
-            </a:pPr>
-            <a:r>
-              <a:rPr lang="en-US" dirty="0" smtClean="0">
-                <a:ea typeface="+mn-ea"/>
-              </a:rPr>
-              <a:t>Reduces computing resources required</a:t>
-            </a:r>
-          </a:p>
-          <a:p>
-            <a:pPr eaLnBrk="1" fontAlgn="auto" hangingPunct="1">
-              <a:spcAft>
-                <a:spcPts val="0"/>
-              </a:spcAft>
-              <a:buFont typeface="Arial" pitchFamily="34" charset="0"/>
-              <a:buChar char="•"/>
-              <a:defRPr/>
-            </a:pPr>
-            <a:r>
-              <a:rPr lang="en-US" dirty="0" smtClean="0">
-                <a:ea typeface="+mn-ea"/>
-                <a:cs typeface="+mn-cs"/>
-              </a:rPr>
-              <a:t>Distributed crawler uses a hash function to assign URLs to crawling computers</a:t>
-            </a:r>
-          </a:p>
-          <a:p>
-            <a:pPr lvl="1" eaLnBrk="1" fontAlgn="auto" hangingPunct="1">
-              <a:spcAft>
-                <a:spcPts val="0"/>
-              </a:spcAft>
-              <a:buFont typeface="Arial" pitchFamily="34" charset="0"/>
-              <a:buChar char="–"/>
-              <a:defRPr/>
-            </a:pPr>
-            <a:r>
-              <a:rPr lang="en-US" dirty="0" smtClean="0">
-                <a:ea typeface="+mn-ea"/>
-              </a:rPr>
-              <a:t>hash function should be computed on the host part of each URL</a:t>
-            </a:r>
-            <a:endParaRPr lang="en-US" dirty="0">
-              <a:ea typeface="+mn-ea"/>
-            </a:endParaRPr>
-          </a:p>
-        </p:txBody>
-      </p:sp>
-    </p:spTree>
-  </p:cSld>
-  <p:clrMapOvr>
-    <a:masterClrMapping/>
-  </p:clrMapOvr>
-</p:sld>
-</file>
-
 <file path=ppt/slides/slide29.xml><?xml version="1.0" encoding="utf-8"?>
 <p:sld xmlns:a="http://schemas.openxmlformats.org/drawingml/2006/main" xmlns:r="http://schemas.openxmlformats.org/officeDocument/2006/relationships" xmlns:p="http://schemas.openxmlformats.org/presentationml/2006/main">
   <p:cSld>
@@ -10032,7 +10645,7 @@
       </p:grpSpPr>
       <p:sp>
         <p:nvSpPr>
-          <p:cNvPr id="33793" name="Title 1"/>
+          <p:cNvPr id="32769" name="Title 1"/>
           <p:cNvSpPr>
             <a:spLocks noGrp="1"/>
           </p:cNvSpPr>
@@ -10048,14 +10661,14 @@
             <a:pPr eaLnBrk="1" hangingPunct="1"/>
             <a:r>
               <a:rPr lang="en-US" smtClean="0"/>
-              <a:t>Desktop Crawls</a:t>
-            </a:r>
-          </a:p>
-        </p:txBody>
-      </p:sp>
-      <p:sp>
-        <p:nvSpPr>
-          <p:cNvPr id="33794" name="Content Placeholder 2"/>
+              <a:t>Distributed Crawling</a:t>
+            </a:r>
+          </a:p>
+        </p:txBody>
+      </p:sp>
+      <p:sp>
+        <p:nvSpPr>
+          <p:cNvPr id="3" name="Content Placeholder 2"/>
           <p:cNvSpPr>
             <a:spLocks noGrp="1"/>
           </p:cNvSpPr>
@@ -10065,61 +10678,115 @@
         </p:nvSpPr>
         <p:spPr>
           <a:xfrm>
-            <a:off x="457200" y="1676400"/>
-            <a:ext cx="8229600" cy="4800600"/>
+            <a:off x="457200" y="1600200"/>
+            <a:ext cx="8229600" cy="4876800"/>
           </a:xfrm>
         </p:spPr>
         <p:txBody>
-          <a:bodyPr/>
+          <a:bodyPr rtlCol="0">
+            <a:normAutofit fontScale="92500"/>
+          </a:bodyPr>
           <a:lstStyle/>
           <a:p>
-            <a:pPr eaLnBrk="1" hangingPunct="1"/>
-            <a:r>
-              <a:rPr lang="en-US" smtClean="0"/>
-              <a:t>Used for desktop search and enterprise search</a:t>
-            </a:r>
-          </a:p>
-          <a:p>
-            <a:pPr eaLnBrk="1" hangingPunct="1"/>
-            <a:r>
-              <a:rPr lang="en-US" smtClean="0"/>
-              <a:t>Differences to web crawling:</a:t>
-            </a:r>
-          </a:p>
-          <a:p>
-            <a:pPr lvl="1" eaLnBrk="1" hangingPunct="1"/>
-            <a:r>
-              <a:rPr lang="en-US" smtClean="0"/>
-              <a:t>Much easier to find the data</a:t>
-            </a:r>
-          </a:p>
-          <a:p>
-            <a:pPr lvl="1" eaLnBrk="1" hangingPunct="1"/>
-            <a:r>
-              <a:rPr lang="en-US" smtClean="0"/>
-              <a:t>Responding quickly to updates is more important</a:t>
-            </a:r>
-          </a:p>
-          <a:p>
-            <a:pPr lvl="1" eaLnBrk="1" hangingPunct="1"/>
-            <a:r>
-              <a:rPr lang="en-US" smtClean="0"/>
-              <a:t>Must be conservative in terms of disk and CPU usage</a:t>
-            </a:r>
-          </a:p>
-          <a:p>
-            <a:pPr lvl="1" eaLnBrk="1" hangingPunct="1"/>
-            <a:r>
-              <a:rPr lang="en-US" smtClean="0"/>
-              <a:t>Many different document formats</a:t>
-            </a:r>
-          </a:p>
-          <a:p>
-            <a:pPr lvl="1" eaLnBrk="1" hangingPunct="1"/>
-            <a:r>
-              <a:rPr lang="en-US" smtClean="0"/>
-              <a:t>Data privacy very important</a:t>
-            </a:r>
+            <a:pPr eaLnBrk="1" fontAlgn="auto" hangingPunct="1">
+              <a:spcAft>
+                <a:spcPts val="0"/>
+              </a:spcAft>
+              <a:buFont typeface="Arial" pitchFamily="34" charset="0"/>
+              <a:buChar char="•"/>
+              <a:defRPr/>
+            </a:pPr>
+            <a:r>
+              <a:rPr lang="en-US" dirty="0" smtClean="0">
+                <a:ea typeface="+mn-ea"/>
+                <a:cs typeface="+mn-cs"/>
+              </a:rPr>
+              <a:t>Three reasons to use multiple computers for crawling</a:t>
+            </a:r>
+          </a:p>
+          <a:p>
+            <a:pPr lvl="1" eaLnBrk="1" fontAlgn="auto" hangingPunct="1">
+              <a:spcAft>
+                <a:spcPts val="0"/>
+              </a:spcAft>
+              <a:buFont typeface="Arial" pitchFamily="34" charset="0"/>
+              <a:buChar char="–"/>
+              <a:defRPr/>
+            </a:pPr>
+            <a:r>
+              <a:rPr lang="en-US" dirty="0" smtClean="0">
+                <a:ea typeface="+mn-ea"/>
+              </a:rPr>
+              <a:t>Helps to put the crawler closer to the sites it crawls</a:t>
+            </a:r>
+          </a:p>
+          <a:p>
+            <a:pPr lvl="1" eaLnBrk="1" fontAlgn="auto" hangingPunct="1">
+              <a:spcAft>
+                <a:spcPts val="0"/>
+              </a:spcAft>
+              <a:buFont typeface="Arial" pitchFamily="34" charset="0"/>
+              <a:buChar char="–"/>
+              <a:defRPr/>
+            </a:pPr>
+            <a:r>
+              <a:rPr lang="en-US" dirty="0" smtClean="0">
+                <a:ea typeface="+mn-ea"/>
+              </a:rPr>
+              <a:t>Reduces the number of sites the crawler has to remember</a:t>
+            </a:r>
+          </a:p>
+          <a:p>
+            <a:pPr lvl="1" eaLnBrk="1" fontAlgn="auto" hangingPunct="1">
+              <a:spcAft>
+                <a:spcPts val="0"/>
+              </a:spcAft>
+              <a:buFont typeface="Arial" pitchFamily="34" charset="0"/>
+              <a:buChar char="–"/>
+              <a:defRPr/>
+            </a:pPr>
+            <a:r>
+              <a:rPr lang="en-US" dirty="0" smtClean="0">
+                <a:ea typeface="+mn-ea"/>
+              </a:rPr>
+              <a:t>Reduces computing resources required</a:t>
+            </a:r>
+          </a:p>
+          <a:p>
+            <a:pPr eaLnBrk="1" fontAlgn="auto" hangingPunct="1">
+              <a:spcAft>
+                <a:spcPts val="0"/>
+              </a:spcAft>
+              <a:buFont typeface="Arial" pitchFamily="34" charset="0"/>
+              <a:buChar char="•"/>
+              <a:defRPr/>
+            </a:pPr>
+            <a:r>
+              <a:rPr lang="en-US" dirty="0" smtClean="0">
+                <a:ea typeface="+mn-ea"/>
+                <a:cs typeface="+mn-cs"/>
+              </a:rPr>
+              <a:t>Distributed crawler uses a hash function to assign URLs to crawling computers</a:t>
+            </a:r>
+          </a:p>
+          <a:p>
+            <a:pPr lvl="1" eaLnBrk="1" fontAlgn="auto" hangingPunct="1">
+              <a:spcAft>
+                <a:spcPts val="0"/>
+              </a:spcAft>
+              <a:buFont typeface="Arial" pitchFamily="34" charset="0"/>
+              <a:buChar char="–"/>
+              <a:defRPr/>
+            </a:pPr>
+            <a:r>
+              <a:rPr lang="en-US" dirty="0" smtClean="0">
+                <a:ea typeface="+mn-ea"/>
+              </a:rPr>
+              <a:t>hash function should be computed on the host part of each URL</a:t>
+            </a:r>
+            <a:endParaRPr lang="en-US" dirty="0">
+              <a:ea typeface="+mn-ea"/>
+            </a:endParaRPr>
           </a:p>
         </p:txBody>
       </p:sp>
@@ -10431,7 +11098,7 @@
       </p:grpSpPr>
       <p:sp>
         <p:nvSpPr>
-          <p:cNvPr id="34817" name="Title 1"/>
+          <p:cNvPr id="33793" name="Title 1"/>
           <p:cNvSpPr>
             <a:spLocks noGrp="1"/>
           </p:cNvSpPr>
@@ -10447,14 +11114,14 @@
             <a:pPr eaLnBrk="1" hangingPunct="1"/>
             <a:r>
               <a:rPr lang="en-US" smtClean="0"/>
-              <a:t>Document Feeds</a:t>
-            </a:r>
-          </a:p>
-        </p:txBody>
-      </p:sp>
-      <p:sp>
-        <p:nvSpPr>
-          <p:cNvPr id="34818" name="Content Placeholder 2"/>
+              <a:t>Desktop Crawls</a:t>
+            </a:r>
+          </a:p>
+        </p:txBody>
+      </p:sp>
+      <p:sp>
+        <p:nvSpPr>
+          <p:cNvPr id="33794" name="Content Placeholder 2"/>
           <p:cNvSpPr>
             <a:spLocks noGrp="1"/>
           </p:cNvSpPr>
@@ -10464,8 +11131,8 @@
         </p:nvSpPr>
         <p:spPr>
           <a:xfrm>
-            <a:off x="457200" y="1600200"/>
-            <a:ext cx="8229600" cy="4724400"/>
+            <a:off x="457200" y="1676400"/>
+            <a:ext cx="8229600" cy="4800600"/>
           </a:xfrm>
         </p:spPr>
         <p:txBody>
@@ -10475,43 +11142,49 @@
             <a:pPr eaLnBrk="1" hangingPunct="1"/>
             <a:r>
               <a:rPr lang="en-US" smtClean="0"/>
-              <a:t>Many documents are </a:t>
-            </a:r>
-            <a:r>
-              <a:rPr lang="en-US" i="1" smtClean="0"/>
-              <a:t>published</a:t>
+              <a:t>Used for desktop search and enterprise search</a:t>
+            </a:r>
+          </a:p>
+          <a:p>
+            <a:pPr eaLnBrk="1" hangingPunct="1"/>
+            <a:r>
+              <a:rPr lang="en-US" smtClean="0"/>
+              <a:t>Differences to web crawling:</a:t>
             </a:r>
           </a:p>
           <a:p>
             <a:pPr lvl="1" eaLnBrk="1" hangingPunct="1"/>
             <a:r>
               <a:rPr lang="en-US" smtClean="0"/>
-              <a:t>created at a fixed time and rarely updated again</a:t>
+              <a:t>Much easier to find the data</a:t>
             </a:r>
           </a:p>
           <a:p>
             <a:pPr lvl="1" eaLnBrk="1" hangingPunct="1"/>
             <a:r>
               <a:rPr lang="en-US" smtClean="0"/>
-              <a:t>e.g., news articles, blog posts, press releases, email</a:t>
-            </a:r>
-          </a:p>
-          <a:p>
-            <a:pPr eaLnBrk="1" hangingPunct="1"/>
-            <a:r>
-              <a:rPr lang="en-US" smtClean="0"/>
-              <a:t>Published documents from a single source can be ordered in a sequence called a </a:t>
-            </a:r>
-            <a:r>
-              <a:rPr lang="en-US" i="1" smtClean="0"/>
-              <a:t>document feed</a:t>
+              <a:t>Responding quickly to updates is more important</a:t>
             </a:r>
           </a:p>
           <a:p>
             <a:pPr lvl="1" eaLnBrk="1" hangingPunct="1"/>
             <a:r>
               <a:rPr lang="en-US" smtClean="0"/>
-              <a:t>new documents found by examining the end of the feed</a:t>
+              <a:t>Must be conservative in terms of disk and CPU usage</a:t>
+            </a:r>
+          </a:p>
+          <a:p>
+            <a:pPr lvl="1" eaLnBrk="1" hangingPunct="1"/>
+            <a:r>
+              <a:rPr lang="en-US" smtClean="0"/>
+              <a:t>Many different document formats</a:t>
+            </a:r>
+          </a:p>
+          <a:p>
+            <a:pPr lvl="1" eaLnBrk="1" hangingPunct="1"/>
+            <a:r>
+              <a:rPr lang="en-US" smtClean="0"/>
+              <a:t>Data privacy very important</a:t>
             </a:r>
           </a:p>
         </p:txBody>
@@ -10543,7 +11216,7 @@
       </p:grpSpPr>
       <p:sp>
         <p:nvSpPr>
-          <p:cNvPr id="35841" name="Title 1"/>
+          <p:cNvPr id="34817" name="Title 1"/>
           <p:cNvSpPr>
             <a:spLocks noGrp="1"/>
           </p:cNvSpPr>
@@ -10566,7 +11239,7 @@
       </p:sp>
       <p:sp>
         <p:nvSpPr>
-          <p:cNvPr id="35842" name="Content Placeholder 2"/>
+          <p:cNvPr id="34818" name="Content Placeholder 2"/>
           <p:cNvSpPr>
             <a:spLocks noGrp="1"/>
           </p:cNvSpPr>
@@ -10574,7 +11247,12 @@
             <p:ph idx="1"/>
           </p:nvPr>
         </p:nvSpPr>
-        <p:spPr/>
+        <p:spPr>
+          <a:xfrm>
+            <a:off x="457200" y="1600200"/>
+            <a:ext cx="8229600" cy="4724400"/>
+          </a:xfrm>
+        </p:spPr>
         <p:txBody>
           <a:bodyPr/>
           <a:lstStyle/>
@@ -10582,63 +11260,43 @@
             <a:pPr eaLnBrk="1" hangingPunct="1"/>
             <a:r>
               <a:rPr lang="en-US" smtClean="0"/>
-              <a:t>Two types:</a:t>
+              <a:t>Many documents are </a:t>
+            </a:r>
+            <a:r>
+              <a:rPr lang="en-US" i="1" smtClean="0"/>
+              <a:t>published</a:t>
             </a:r>
           </a:p>
           <a:p>
             <a:pPr lvl="1" eaLnBrk="1" hangingPunct="1"/>
             <a:r>
               <a:rPr lang="en-US" smtClean="0"/>
-              <a:t>A </a:t>
+              <a:t>created at a fixed time and rarely updated again</a:t>
+            </a:r>
+          </a:p>
+          <a:p>
+            <a:pPr lvl="1" eaLnBrk="1" hangingPunct="1"/>
+            <a:r>
+              <a:rPr lang="en-US" smtClean="0"/>
+              <a:t>e.g., news articles, blog posts, press releases, email</a:t>
+            </a:r>
+          </a:p>
+          <a:p>
+            <a:pPr eaLnBrk="1" hangingPunct="1"/>
+            <a:r>
+              <a:rPr lang="en-US" smtClean="0"/>
+              <a:t>Published documents from a single source can be ordered in a sequence called a </a:t>
             </a:r>
             <a:r>
               <a:rPr lang="en-US" i="1" smtClean="0"/>
-              <a:t>push feed </a:t>
-            </a:r>
-            <a:r>
-              <a:rPr lang="en-US" smtClean="0"/>
-              <a:t>alerts the subscriber to new documents</a:t>
+              <a:t>document feed</a:t>
             </a:r>
           </a:p>
           <a:p>
             <a:pPr lvl="1" eaLnBrk="1" hangingPunct="1"/>
             <a:r>
               <a:rPr lang="en-US" smtClean="0"/>
-              <a:t>A </a:t>
-            </a:r>
-            <a:r>
-              <a:rPr lang="en-US" i="1" smtClean="0"/>
-              <a:t>pull feed </a:t>
-            </a:r>
-            <a:r>
-              <a:rPr lang="en-US" smtClean="0"/>
-              <a:t>requires the subscriber to check periodically for</a:t>
-            </a:r>
-            <a:r>
-              <a:rPr lang="en-US" i="1" smtClean="0"/>
-              <a:t> </a:t>
-            </a:r>
-            <a:r>
-              <a:rPr lang="en-US" smtClean="0"/>
-              <a:t>new documents</a:t>
-            </a:r>
-          </a:p>
-          <a:p>
-            <a:pPr eaLnBrk="1" hangingPunct="1"/>
-            <a:r>
-              <a:rPr lang="en-US" smtClean="0"/>
-              <a:t>Most common format for pull feeds is called </a:t>
-            </a:r>
-            <a:r>
-              <a:rPr lang="en-US" i="1" smtClean="0"/>
-              <a:t>RSS</a:t>
-            </a:r>
-          </a:p>
-          <a:p>
-            <a:pPr lvl="1" eaLnBrk="1" hangingPunct="1"/>
-            <a:r>
-              <a:rPr lang="en-US" smtClean="0"/>
-              <a:t>Really Simple Syndication, RDF Site Summary, Rich Site Summary, or ...</a:t>
+              <a:t>new documents found by examining the end of the feed</a:t>
             </a:r>
           </a:p>
         </p:txBody>
@@ -10652,6 +11310,133 @@
 </file>
 
 <file path=ppt/slides/slide32.xml><?xml version="1.0" encoding="utf-8"?>
+<p:sld xmlns:a="http://schemas.openxmlformats.org/drawingml/2006/main" xmlns:r="http://schemas.openxmlformats.org/officeDocument/2006/relationships" xmlns:p="http://schemas.openxmlformats.org/presentationml/2006/main">
+  <p:cSld>
+    <p:spTree>
+      <p:nvGrpSpPr>
+        <p:cNvPr id="1" name=""/>
+        <p:cNvGrpSpPr/>
+        <p:nvPr/>
+      </p:nvGrpSpPr>
+      <p:grpSpPr>
+        <a:xfrm>
+          <a:off x="0" y="0"/>
+          <a:ext cx="0" cy="0"/>
+          <a:chOff x="0" y="0"/>
+          <a:chExt cx="0" cy="0"/>
+        </a:xfrm>
+      </p:grpSpPr>
+      <p:sp>
+        <p:nvSpPr>
+          <p:cNvPr id="35841" name="Title 1"/>
+          <p:cNvSpPr>
+            <a:spLocks noGrp="1"/>
+          </p:cNvSpPr>
+          <p:nvPr>
+            <p:ph type="title"/>
+          </p:nvPr>
+        </p:nvSpPr>
+        <p:spPr/>
+        <p:txBody>
+          <a:bodyPr/>
+          <a:lstStyle/>
+          <a:p>
+            <a:pPr eaLnBrk="1" hangingPunct="1"/>
+            <a:r>
+              <a:rPr lang="en-US" smtClean="0"/>
+              <a:t>Document Feeds</a:t>
+            </a:r>
+          </a:p>
+        </p:txBody>
+      </p:sp>
+      <p:sp>
+        <p:nvSpPr>
+          <p:cNvPr id="35842" name="Content Placeholder 2"/>
+          <p:cNvSpPr>
+            <a:spLocks noGrp="1"/>
+          </p:cNvSpPr>
+          <p:nvPr>
+            <p:ph idx="1"/>
+          </p:nvPr>
+        </p:nvSpPr>
+        <p:spPr/>
+        <p:txBody>
+          <a:bodyPr/>
+          <a:lstStyle/>
+          <a:p>
+            <a:pPr eaLnBrk="1" hangingPunct="1"/>
+            <a:r>
+              <a:rPr lang="en-US" smtClean="0"/>
+              <a:t>Two types:</a:t>
+            </a:r>
+          </a:p>
+          <a:p>
+            <a:pPr lvl="1" eaLnBrk="1" hangingPunct="1"/>
+            <a:r>
+              <a:rPr lang="en-US" smtClean="0"/>
+              <a:t>A </a:t>
+            </a:r>
+            <a:r>
+              <a:rPr lang="en-US" i="1" smtClean="0"/>
+              <a:t>push feed </a:t>
+            </a:r>
+            <a:r>
+              <a:rPr lang="en-US" smtClean="0"/>
+              <a:t>alerts the subscriber to new documents</a:t>
+            </a:r>
+          </a:p>
+          <a:p>
+            <a:pPr lvl="1" eaLnBrk="1" hangingPunct="1"/>
+            <a:r>
+              <a:rPr lang="en-US" smtClean="0"/>
+              <a:t>A </a:t>
+            </a:r>
+            <a:r>
+              <a:rPr lang="en-US" i="1" smtClean="0"/>
+              <a:t>pull feed </a:t>
+            </a:r>
+            <a:r>
+              <a:rPr lang="en-US" smtClean="0"/>
+              <a:t>requires the subscriber to check periodically for</a:t>
+            </a:r>
+            <a:r>
+              <a:rPr lang="en-US" i="1" smtClean="0"/>
+              <a:t> </a:t>
+            </a:r>
+            <a:r>
+              <a:rPr lang="en-US" smtClean="0"/>
+              <a:t>new documents</a:t>
+            </a:r>
+          </a:p>
+          <a:p>
+            <a:pPr eaLnBrk="1" hangingPunct="1"/>
+            <a:r>
+              <a:rPr lang="en-US" smtClean="0"/>
+              <a:t>Most common format for pull feeds is called </a:t>
+            </a:r>
+            <a:r>
+              <a:rPr lang="en-US" i="1" smtClean="0"/>
+              <a:t>RSS</a:t>
+            </a:r>
+          </a:p>
+          <a:p>
+            <a:pPr lvl="1" eaLnBrk="1" hangingPunct="1"/>
+            <a:r>
+              <a:rPr lang="en-US" smtClean="0"/>
+              <a:t>Really Simple Syndication, RDF Site Summary, Rich Site Summary, or ...</a:t>
+            </a:r>
+          </a:p>
+        </p:txBody>
+      </p:sp>
+    </p:spTree>
+  </p:cSld>
+  <p:clrMapOvr>
+    <a:masterClrMapping/>
+  </p:clrMapOvr>
+</p:sld>
+</file>
+
+<file path=ppt/slides/slide33.xml><?xml version="1.0" encoding="utf-8"?>
 <p:sld xmlns:a="http://schemas.openxmlformats.org/drawingml/2006/main" xmlns:r="http://schemas.openxmlformats.org/officeDocument/2006/relationships" xmlns:p="http://schemas.openxmlformats.org/presentationml/2006/main">
   <p:cSld>
     <p:spTree>
@@ -11044,7 +11829,7 @@
 </p:sld>
 </file>
 
-<file path=ppt/slides/slide33.xml><?xml version="1.0" encoding="utf-8"?>
+<file path=ppt/slides/slide34.xml><?xml version="1.0" encoding="utf-8"?>
 <p:sld xmlns:a="http://schemas.openxmlformats.org/drawingml/2006/main" xmlns:r="http://schemas.openxmlformats.org/officeDocument/2006/relationships" xmlns:p="http://schemas.openxmlformats.org/presentationml/2006/main">
   <p:cSld>
     <p:spTree>
@@ -11306,7 +12091,7 @@
 </p:sld>
 </file>
 
-<file path=ppt/slides/slide34.xml><?xml version="1.0" encoding="utf-8"?>
+<file path=ppt/slides/slide35.xml><?xml version="1.0" encoding="utf-8"?>
 <p:sld xmlns:a="http://schemas.openxmlformats.org/drawingml/2006/main" xmlns:r="http://schemas.openxmlformats.org/officeDocument/2006/relationships" xmlns:p="http://schemas.openxmlformats.org/presentationml/2006/main">
   <p:cSld>
     <p:spTree>
@@ -11664,7 +12449,7 @@
 </p:sld>
 </file>
 
-<file path=ppt/slides/slide35.xml><?xml version="1.0" encoding="utf-8"?>
+<file path=ppt/slides/slide36.xml><?xml version="1.0" encoding="utf-8"?>
 <p:sld xmlns:a="http://schemas.openxmlformats.org/drawingml/2006/main" xmlns:r="http://schemas.openxmlformats.org/officeDocument/2006/relationships" xmlns:p="http://schemas.openxmlformats.org/presentationml/2006/main">
   <p:cSld>
     <p:spTree>
@@ -12828,7 +13613,7 @@
 </p:sld>
 </file>
 
-<file path=ppt/slides/slide36.xml><?xml version="1.0" encoding="utf-8"?>
+<file path=ppt/slides/slide37.xml><?xml version="1.0" encoding="utf-8"?>
 <p:sld xmlns:a="http://schemas.openxmlformats.org/drawingml/2006/main" xmlns:r="http://schemas.openxmlformats.org/officeDocument/2006/relationships" xmlns:p="http://schemas.openxmlformats.org/presentationml/2006/main">
   <p:cSld>
     <p:spTree>
@@ -12912,7 +13697,7 @@
 </p:sld>
 </file>
 
-<file path=ppt/slides/slide37.xml><?xml version="1.0" encoding="utf-8"?>
+<file path=ppt/slides/slide38.xml><?xml version="1.0" encoding="utf-8"?>
 <p:sld xmlns:a="http://schemas.openxmlformats.org/drawingml/2006/main" xmlns:r="http://schemas.openxmlformats.org/officeDocument/2006/relationships" xmlns:p="http://schemas.openxmlformats.org/presentationml/2006/main">
   <p:cSld>
     <p:spTree>
@@ -13003,118 +13788,6 @@
 </p:sld>
 </file>
 
-<file path=ppt/slides/slide38.xml><?xml version="1.0" encoding="utf-8"?>
-<p:sld xmlns:a="http://schemas.openxmlformats.org/drawingml/2006/main" xmlns:r="http://schemas.openxmlformats.org/officeDocument/2006/relationships" xmlns:p="http://schemas.openxmlformats.org/presentationml/2006/main">
-  <p:cSld>
-    <p:spTree>
-      <p:nvGrpSpPr>
-        <p:cNvPr id="1" name=""/>
-        <p:cNvGrpSpPr/>
-        <p:nvPr/>
-      </p:nvGrpSpPr>
-      <p:grpSpPr>
-        <a:xfrm>
-          <a:off x="0" y="0"/>
-          <a:ext cx="0" cy="0"/>
-          <a:chOff x="0" y="0"/>
-          <a:chExt cx="0" cy="0"/>
-        </a:xfrm>
-      </p:grpSpPr>
-      <p:sp>
-        <p:nvSpPr>
-          <p:cNvPr id="38913" name="Title 1"/>
-          <p:cNvSpPr>
-            <a:spLocks noGrp="1"/>
-          </p:cNvSpPr>
-          <p:nvPr>
-            <p:ph type="title"/>
-          </p:nvPr>
-        </p:nvSpPr>
-        <p:spPr/>
-        <p:txBody>
-          <a:bodyPr/>
-          <a:lstStyle/>
-          <a:p>
-            <a:pPr eaLnBrk="1" hangingPunct="1"/>
-            <a:r>
-              <a:rPr lang="en-US" smtClean="0"/>
-              <a:t>RSS</a:t>
-            </a:r>
-          </a:p>
-        </p:txBody>
-      </p:sp>
-      <p:sp>
-        <p:nvSpPr>
-          <p:cNvPr id="38914" name="Content Placeholder 2"/>
-          <p:cNvSpPr>
-            <a:spLocks noGrp="1"/>
-          </p:cNvSpPr>
-          <p:nvPr>
-            <p:ph idx="1"/>
-          </p:nvPr>
-        </p:nvSpPr>
-        <p:spPr/>
-        <p:txBody>
-          <a:bodyPr/>
-          <a:lstStyle/>
-          <a:p>
-            <a:pPr eaLnBrk="1" hangingPunct="1"/>
-            <a:r>
-              <a:rPr lang="en-US" smtClean="0">
-                <a:latin typeface="Consolas" pitchFamily="-72" charset="0"/>
-              </a:rPr>
-              <a:t>ttl</a:t>
-            </a:r>
-            <a:r>
-              <a:rPr lang="en-US" smtClean="0"/>
-              <a:t> tag (time to live)</a:t>
-            </a:r>
-          </a:p>
-          <a:p>
-            <a:pPr lvl="1" eaLnBrk="1" hangingPunct="1"/>
-            <a:r>
-              <a:rPr lang="en-US" smtClean="0"/>
-              <a:t>amount of time (in minutes) contents should be cached</a:t>
-            </a:r>
-          </a:p>
-          <a:p>
-            <a:pPr eaLnBrk="1" hangingPunct="1"/>
-            <a:r>
-              <a:rPr lang="en-US" smtClean="0"/>
-              <a:t>RSS feeds are accessed like web pages</a:t>
-            </a:r>
-          </a:p>
-          <a:p>
-            <a:pPr lvl="1" eaLnBrk="1" hangingPunct="1"/>
-            <a:r>
-              <a:rPr lang="en-US" smtClean="0"/>
-              <a:t>using HTTP GET requests to web servers that host them</a:t>
-            </a:r>
-          </a:p>
-          <a:p>
-            <a:pPr eaLnBrk="1" hangingPunct="1"/>
-            <a:r>
-              <a:rPr lang="en-US" smtClean="0"/>
-              <a:t>Easy for crawlers to parse</a:t>
-            </a:r>
-          </a:p>
-          <a:p>
-            <a:pPr eaLnBrk="1" hangingPunct="1"/>
-            <a:r>
-              <a:rPr lang="en-US" smtClean="0"/>
-              <a:t>Easy to find new information</a:t>
-            </a:r>
-          </a:p>
-        </p:txBody>
-      </p:sp>
-    </p:spTree>
-  </p:cSld>
-  <p:clrMapOvr>
-    <a:masterClrMapping/>
-  </p:clrMapOvr>
-</p:sld>
-</file>
-
 <file path=ppt/slides/slide39.xml><?xml version="1.0" encoding="utf-8"?>
 <p:sld xmlns:a="http://schemas.openxmlformats.org/drawingml/2006/main" xmlns:r="http://schemas.openxmlformats.org/officeDocument/2006/relationships" xmlns:p="http://schemas.openxmlformats.org/presentationml/2006/main">
   <p:cSld>
@@ -13134,7 +13807,7 @@
       </p:grpSpPr>
       <p:sp>
         <p:nvSpPr>
-          <p:cNvPr id="39937" name="Title 1"/>
+          <p:cNvPr id="38913" name="Title 1"/>
           <p:cNvSpPr>
             <a:spLocks noGrp="1"/>
           </p:cNvSpPr>
@@ -13150,14 +13823,14 @@
             <a:pPr eaLnBrk="1" hangingPunct="1"/>
             <a:r>
               <a:rPr lang="en-US" smtClean="0"/>
-              <a:t>Conversion</a:t>
-            </a:r>
-          </a:p>
-        </p:txBody>
-      </p:sp>
-      <p:sp>
-        <p:nvSpPr>
-          <p:cNvPr id="3" name="Content Placeholder 2"/>
+              <a:t>RSS</a:t>
+            </a:r>
+          </a:p>
+        </p:txBody>
+      </p:sp>
+      <p:sp>
+        <p:nvSpPr>
+          <p:cNvPr id="38914" name="Content Placeholder 2"/>
           <p:cNvSpPr>
             <a:spLocks noGrp="1"/>
           </p:cNvSpPr>
@@ -13165,134 +13838,57 @@
             <p:ph idx="1"/>
           </p:nvPr>
         </p:nvSpPr>
-        <p:spPr>
-          <a:xfrm>
-            <a:off x="457200" y="1600200"/>
-            <a:ext cx="8229600" cy="4800600"/>
-          </a:xfrm>
-        </p:spPr>
-        <p:txBody>
-          <a:bodyPr rtlCol="0">
-            <a:normAutofit fontScale="92500"/>
-          </a:bodyPr>
+        <p:spPr/>
+        <p:txBody>
+          <a:bodyPr/>
           <a:lstStyle/>
           <a:p>
-            <a:pPr eaLnBrk="1" fontAlgn="auto" hangingPunct="1">
-              <a:spcAft>
-                <a:spcPts val="0"/>
-              </a:spcAft>
-              <a:buFont typeface="Arial" pitchFamily="34" charset="0"/>
-              <a:buChar char="•"/>
-              <a:defRPr/>
-            </a:pPr>
-            <a:r>
-              <a:rPr lang="en-US" dirty="0" smtClean="0">
-                <a:ea typeface="+mn-ea"/>
-                <a:cs typeface="+mn-cs"/>
-              </a:rPr>
-              <a:t>Text is stored in hundreds of incompatible file formats</a:t>
-            </a:r>
-          </a:p>
-          <a:p>
-            <a:pPr lvl="1" eaLnBrk="1" fontAlgn="auto" hangingPunct="1">
-              <a:spcAft>
-                <a:spcPts val="0"/>
-              </a:spcAft>
-              <a:buFont typeface="Arial" pitchFamily="34" charset="0"/>
-              <a:buChar char="–"/>
-              <a:defRPr/>
-            </a:pPr>
-            <a:r>
-              <a:rPr lang="en-US" dirty="0" smtClean="0">
-                <a:ea typeface="+mn-ea"/>
-              </a:rPr>
-              <a:t>e.g., raw text, RTF, HTML, XML, Microsoft Word, ODF, PDF</a:t>
-            </a:r>
-          </a:p>
-          <a:p>
-            <a:pPr eaLnBrk="1" fontAlgn="auto" hangingPunct="1">
-              <a:spcAft>
-                <a:spcPts val="0"/>
-              </a:spcAft>
-              <a:buFont typeface="Arial" pitchFamily="34" charset="0"/>
-              <a:buChar char="•"/>
-              <a:defRPr/>
-            </a:pPr>
-            <a:r>
-              <a:rPr lang="en-US" dirty="0" smtClean="0">
-                <a:ea typeface="+mn-ea"/>
-                <a:cs typeface="+mn-cs"/>
-              </a:rPr>
-              <a:t>Other types of files also important</a:t>
-            </a:r>
-          </a:p>
-          <a:p>
-            <a:pPr lvl="1" eaLnBrk="1" fontAlgn="auto" hangingPunct="1">
-              <a:spcAft>
-                <a:spcPts val="0"/>
-              </a:spcAft>
-              <a:buFont typeface="Arial" pitchFamily="34" charset="0"/>
-              <a:buChar char="–"/>
-              <a:defRPr/>
-            </a:pPr>
-            <a:r>
-              <a:rPr lang="en-US" dirty="0" smtClean="0">
-                <a:ea typeface="+mn-ea"/>
-              </a:rPr>
-              <a:t>e.g., PowerPoint, Excel</a:t>
-            </a:r>
-          </a:p>
-          <a:p>
-            <a:pPr eaLnBrk="1" fontAlgn="auto" hangingPunct="1">
-              <a:spcAft>
-                <a:spcPts val="0"/>
-              </a:spcAft>
-              <a:buFont typeface="Arial" pitchFamily="34" charset="0"/>
-              <a:buChar char="•"/>
-              <a:defRPr/>
-            </a:pPr>
-            <a:r>
-              <a:rPr lang="en-US" dirty="0" smtClean="0">
-                <a:ea typeface="+mn-ea"/>
-                <a:cs typeface="+mn-cs"/>
-              </a:rPr>
-              <a:t>Typically use a conversion tool</a:t>
-            </a:r>
-          </a:p>
-          <a:p>
-            <a:pPr lvl="1" eaLnBrk="1" fontAlgn="auto" hangingPunct="1">
-              <a:spcAft>
-                <a:spcPts val="0"/>
-              </a:spcAft>
-              <a:buFont typeface="Arial" pitchFamily="34" charset="0"/>
-              <a:buChar char="–"/>
-              <a:defRPr/>
-            </a:pPr>
-            <a:r>
-              <a:rPr lang="en-US" dirty="0" smtClean="0">
-                <a:ea typeface="+mn-ea"/>
-              </a:rPr>
-              <a:t>converts the document content into a tagged text format such as HTML or XML</a:t>
-            </a:r>
-          </a:p>
-          <a:p>
-            <a:pPr lvl="1" eaLnBrk="1" fontAlgn="auto" hangingPunct="1">
-              <a:spcAft>
-                <a:spcPts val="0"/>
-              </a:spcAft>
-              <a:buFont typeface="Arial" pitchFamily="34" charset="0"/>
-              <a:buChar char="–"/>
-              <a:defRPr/>
-            </a:pPr>
-            <a:r>
-              <a:rPr lang="en-US" dirty="0" smtClean="0">
-                <a:ea typeface="+mn-ea"/>
-              </a:rPr>
-              <a:t>retains some of the important formatting information</a:t>
-            </a:r>
-            <a:endParaRPr lang="en-US" dirty="0">
-              <a:ea typeface="+mn-ea"/>
-            </a:endParaRPr>
+            <a:pPr eaLnBrk="1" hangingPunct="1"/>
+            <a:r>
+              <a:rPr lang="en-US" smtClean="0">
+                <a:latin typeface="Consolas" pitchFamily="-72" charset="0"/>
+              </a:rPr>
+              <a:t>ttl</a:t>
+            </a:r>
+            <a:r>
+              <a:rPr lang="en-US" smtClean="0"/>
+              <a:t> tag (time to live)</a:t>
+            </a:r>
+          </a:p>
+          <a:p>
+            <a:pPr lvl="1" eaLnBrk="1" hangingPunct="1"/>
+            <a:r>
+              <a:rPr lang="en-US" smtClean="0"/>
+              <a:t>amount of time (in minutes) contents should be cached</a:t>
+            </a:r>
+          </a:p>
+          <a:p>
+            <a:pPr eaLnBrk="1" hangingPunct="1"/>
+            <a:r>
+              <a:rPr lang="en-US" smtClean="0"/>
+              <a:t>RSS feeds are accessed like web pages</a:t>
+            </a:r>
+          </a:p>
+          <a:p>
+            <a:pPr lvl="1" eaLnBrk="1" hangingPunct="1"/>
+            <a:r>
+              <a:rPr lang="en-US" smtClean="0"/>
+              <a:t>using HTTP GET requests to web servers that host them</a:t>
+            </a:r>
+          </a:p>
+          <a:p>
+            <a:pPr eaLnBrk="1" hangingPunct="1"/>
+            <a:r>
+              <a:rPr lang="en-US" smtClean="0"/>
+              <a:t>Easy for crawlers to parse</a:t>
+            </a:r>
+          </a:p>
+          <a:p>
+            <a:pPr eaLnBrk="1" hangingPunct="1"/>
+            <a:r>
+              <a:rPr lang="en-US" smtClean="0"/>
+              <a:t>Easy to find new information</a:t>
+            </a:r>
           </a:p>
         </p:txBody>
       </p:sp>
@@ -13465,7 +14061,7 @@
       </p:grpSpPr>
       <p:sp>
         <p:nvSpPr>
-          <p:cNvPr id="40961" name="Title 1"/>
+          <p:cNvPr id="39937" name="Title 1"/>
           <p:cNvSpPr>
             <a:spLocks noGrp="1"/>
           </p:cNvSpPr>
@@ -13481,7 +14077,7 @@
             <a:pPr eaLnBrk="1" hangingPunct="1"/>
             <a:r>
               <a:rPr lang="en-US" smtClean="0"/>
-              <a:t>Character Encoding</a:t>
+              <a:t>Conversion</a:t>
             </a:r>
           </a:p>
         </p:txBody>
@@ -13496,10 +14092,15 @@
             <p:ph idx="1"/>
           </p:nvPr>
         </p:nvSpPr>
-        <p:spPr/>
+        <p:spPr>
+          <a:xfrm>
+            <a:off x="457200" y="1600200"/>
+            <a:ext cx="8229600" cy="4800600"/>
+          </a:xfrm>
+        </p:spPr>
         <p:txBody>
           <a:bodyPr rtlCol="0">
-            <a:normAutofit lnSpcReduction="10000"/>
+            <a:normAutofit fontScale="92500"/>
           </a:bodyPr>
           <a:lstStyle/>
           <a:p>
@@ -13516,7 +14117,7 @@
                 <a:ea typeface="+mn-ea"/>
                 <a:cs typeface="+mn-cs"/>
               </a:rPr>
-              <a:t>A character encoding is a mapping between bits and glyphs</a:t>
+              <a:t>Text is stored in hundreds of incompatible file formats</a:t>
             </a:r>
           </a:p>
           <a:p>
@@ -13532,7 +14133,24 @@
               <a:rPr lang="en-US" dirty="0" smtClean="0">
                 <a:ea typeface="+mn-ea"/>
               </a:rPr>
-              <a:t>i.e., getting from bits in a file to characters on a screen</a:t>
+              <a:t>e.g., raw text, RTF, HTML, XML, Microsoft Word, ODF, PDF</a:t>
+            </a:r>
+          </a:p>
+          <a:p>
+            <a:pPr eaLnBrk="1" fontAlgn="auto" hangingPunct="1">
+              <a:spcAft>
+                <a:spcPts val="0"/>
+              </a:spcAft>
+              <a:buFont typeface="Arial" pitchFamily="34" charset="0"/>
+              <a:buChar char="•"/>
+              <a:defRPr/>
+            </a:pPr>
+            <a:r>
+              <a:rPr lang="en-US" dirty="0" smtClean="0">
+                <a:ea typeface="+mn-ea"/>
+                <a:cs typeface="+mn-cs"/>
+              </a:rPr>
+              <a:t>Other types of files also important</a:t>
             </a:r>
           </a:p>
           <a:p>
@@ -13548,7 +14166,7 @@
               <a:rPr lang="en-US" dirty="0" smtClean="0">
                 <a:ea typeface="+mn-ea"/>
               </a:rPr>
-              <a:t>Can be a major source of incompatibility</a:t>
+              <a:t>e.g., PowerPoint, Excel</a:t>
             </a:r>
           </a:p>
           <a:p>
@@ -13565,7 +14183,7 @@
                 <a:ea typeface="+mn-ea"/>
                 <a:cs typeface="+mn-cs"/>
               </a:rPr>
-              <a:t>ASCII is basic character encoding scheme for English</a:t>
+              <a:t>Typically use a conversion tool</a:t>
             </a:r>
           </a:p>
           <a:p>
@@ -13581,7 +14199,23 @@
               <a:rPr lang="en-US" dirty="0" smtClean="0">
                 <a:ea typeface="+mn-ea"/>
               </a:rPr>
-              <a:t>encodes 128 letters, numbers, special characters, and control characters in 7 bits, extended with an extra bit for storage in bytes</a:t>
+              <a:t>converts the document content into a tagged text format such as HTML or XML</a:t>
+            </a:r>
+          </a:p>
+          <a:p>
+            <a:pPr lvl="1" eaLnBrk="1" fontAlgn="auto" hangingPunct="1">
+              <a:spcAft>
+                <a:spcPts val="0"/>
+              </a:spcAft>
+              <a:buFont typeface="Arial" pitchFamily="34" charset="0"/>
+              <a:buChar char="–"/>
+              <a:defRPr/>
+            </a:pPr>
+            <a:r>
+              <a:rPr lang="en-US" dirty="0" smtClean="0">
+                <a:ea typeface="+mn-ea"/>
+              </a:rPr>
+              <a:t>retains some of the important formatting information</a:t>
             </a:r>
             <a:endParaRPr lang="en-US" dirty="0">
               <a:ea typeface="+mn-ea"/>
@@ -13616,7 +14250,7 @@
       </p:grpSpPr>
       <p:sp>
         <p:nvSpPr>
-          <p:cNvPr id="41985" name="Title 1"/>
+          <p:cNvPr id="40961" name="Title 1"/>
           <p:cNvSpPr>
             <a:spLocks noGrp="1"/>
           </p:cNvSpPr>
@@ -13647,15 +14281,10 @@
             <p:ph idx="1"/>
           </p:nvPr>
         </p:nvSpPr>
-        <p:spPr>
-          <a:xfrm>
-            <a:off x="457200" y="1600200"/>
-            <a:ext cx="8229600" cy="4953000"/>
-          </a:xfrm>
-        </p:spPr>
+        <p:spPr/>
         <p:txBody>
           <a:bodyPr rtlCol="0">
-            <a:normAutofit fontScale="92500"/>
+            <a:normAutofit lnSpcReduction="10000"/>
           </a:bodyPr>
           <a:lstStyle/>
           <a:p>
@@ -13672,7 +14301,7 @@
                 <a:ea typeface="+mn-ea"/>
                 <a:cs typeface="+mn-cs"/>
               </a:rPr>
-              <a:t>Other languages can have many more glyphs</a:t>
+              <a:t>A character encoding is a mapping between bits and glyphs</a:t>
             </a:r>
           </a:p>
           <a:p>
@@ -13688,7 +14317,23 @@
               <a:rPr lang="en-US" dirty="0" smtClean="0">
                 <a:ea typeface="+mn-ea"/>
               </a:rPr>
-              <a:t>e.g., Chinese has more than 40,000 characters, with over 3,000 in common use</a:t>
+              <a:t>i.e., getting from bits in a file to characters on a screen</a:t>
+            </a:r>
+          </a:p>
+          <a:p>
+            <a:pPr lvl="1" eaLnBrk="1" fontAlgn="auto" hangingPunct="1">
+              <a:spcAft>
+                <a:spcPts val="0"/>
+              </a:spcAft>
+              <a:buFont typeface="Arial" pitchFamily="34" charset="0"/>
+              <a:buChar char="–"/>
+              <a:defRPr/>
+            </a:pPr>
+            <a:r>
+              <a:rPr lang="en-US" dirty="0" smtClean="0">
+                <a:ea typeface="+mn-ea"/>
+              </a:rPr>
+              <a:t>Can be a major source of incompatibility</a:t>
             </a:r>
           </a:p>
           <a:p>
@@ -13705,7 +14350,7 @@
                 <a:ea typeface="+mn-ea"/>
                 <a:cs typeface="+mn-cs"/>
               </a:rPr>
-              <a:t>Many languages have multiple encoding schemes</a:t>
+              <a:t>ASCII is basic character encoding scheme for English</a:t>
             </a:r>
           </a:p>
           <a:p>
@@ -13721,60 +14366,10 @@
               <a:rPr lang="en-US" dirty="0" smtClean="0">
                 <a:ea typeface="+mn-ea"/>
               </a:rPr>
-              <a:t>e.g., CJK (Chinese-Japanese-Korean) family of East Asian languages, Hindi, Arabic</a:t>
-            </a:r>
-          </a:p>
-          <a:p>
-            <a:pPr lvl="1" eaLnBrk="1" fontAlgn="auto" hangingPunct="1">
-              <a:spcAft>
-                <a:spcPts val="0"/>
-              </a:spcAft>
-              <a:buFont typeface="Arial" pitchFamily="34" charset="0"/>
-              <a:buChar char="–"/>
-              <a:defRPr/>
-            </a:pPr>
-            <a:r>
-              <a:rPr lang="en-US" dirty="0" smtClean="0">
-                <a:ea typeface="+mn-ea"/>
-              </a:rPr>
-              <a:t>must specify encoding</a:t>
-            </a:r>
-          </a:p>
-          <a:p>
-            <a:pPr lvl="1" eaLnBrk="1" fontAlgn="auto" hangingPunct="1">
-              <a:spcAft>
-                <a:spcPts val="0"/>
-              </a:spcAft>
-              <a:buFont typeface="Arial" pitchFamily="34" charset="0"/>
-              <a:buChar char="–"/>
-              <a:defRPr/>
-            </a:pPr>
-            <a:r>
-              <a:rPr lang="en-US" dirty="0" smtClean="0">
-                <a:ea typeface="+mn-ea"/>
-              </a:rPr>
-              <a:t>can’t have multiple languages in one file</a:t>
-            </a:r>
-          </a:p>
-          <a:p>
-            <a:pPr eaLnBrk="1" fontAlgn="auto" hangingPunct="1">
-              <a:spcAft>
-                <a:spcPts val="0"/>
-              </a:spcAft>
-              <a:buFont typeface="Arial" pitchFamily="34" charset="0"/>
-              <a:buChar char="•"/>
-              <a:defRPr/>
-            </a:pPr>
-            <a:r>
-              <a:rPr lang="en-US" dirty="0" smtClean="0">
-                <a:ea typeface="+mn-ea"/>
-                <a:cs typeface="+mn-cs"/>
-              </a:rPr>
-              <a:t>Unicode developed to address encoding problems</a:t>
+              <a:t>encodes 128 letters, numbers, special characters, and control characters in 7 bits, extended with an extra bit for storage in bytes</a:t>
             </a:r>
             <a:endParaRPr lang="en-US" dirty="0">
               <a:ea typeface="+mn-ea"/>
-              <a:cs typeface="+mn-cs"/>
             </a:endParaRPr>
           </a:p>
         </p:txBody>
@@ -13806,7 +14401,7 @@
       </p:grpSpPr>
       <p:sp>
         <p:nvSpPr>
-          <p:cNvPr id="43009" name="Title 1"/>
+          <p:cNvPr id="41985" name="Title 1"/>
           <p:cNvSpPr>
             <a:spLocks noGrp="1"/>
           </p:cNvSpPr>
@@ -13822,14 +14417,14 @@
             <a:pPr eaLnBrk="1" hangingPunct="1"/>
             <a:r>
               <a:rPr lang="en-US" smtClean="0"/>
-              <a:t>Unicode</a:t>
-            </a:r>
-          </a:p>
-        </p:txBody>
-      </p:sp>
-      <p:sp>
-        <p:nvSpPr>
-          <p:cNvPr id="43010" name="Content Placeholder 2"/>
+              <a:t>Character Encoding</a:t>
+            </a:r>
+          </a:p>
+        </p:txBody>
+      </p:sp>
+      <p:sp>
+        <p:nvSpPr>
+          <p:cNvPr id="3" name="Content Placeholder 2"/>
           <p:cNvSpPr>
             <a:spLocks noGrp="1"/>
           </p:cNvSpPr>
@@ -13837,37 +14432,135 @@
             <p:ph idx="1"/>
           </p:nvPr>
         </p:nvSpPr>
-        <p:spPr/>
-        <p:txBody>
-          <a:bodyPr/>
+        <p:spPr>
+          <a:xfrm>
+            <a:off x="457200" y="1600200"/>
+            <a:ext cx="8229600" cy="4953000"/>
+          </a:xfrm>
+        </p:spPr>
+        <p:txBody>
+          <a:bodyPr rtlCol="0">
+            <a:normAutofit fontScale="92500"/>
+          </a:bodyPr>
           <a:lstStyle/>
           <a:p>
-            <a:pPr eaLnBrk="1" hangingPunct="1"/>
-            <a:r>
-              <a:rPr lang="en-US" smtClean="0"/>
-              <a:t>Single mapping from numbers to glyphs that attempts to include all glyphs in common use in all known languages</a:t>
-            </a:r>
-          </a:p>
-          <a:p>
-            <a:pPr eaLnBrk="1" hangingPunct="1"/>
-            <a:r>
-              <a:rPr lang="en-US" smtClean="0"/>
-              <a:t>Unicode is a mapping between numbers and glyphs</a:t>
-            </a:r>
-          </a:p>
-          <a:p>
-            <a:pPr lvl="1" eaLnBrk="1" hangingPunct="1"/>
-            <a:r>
-              <a:rPr lang="en-US" smtClean="0"/>
-              <a:t>does not uniquely specify bits to glyph mapping!</a:t>
-            </a:r>
-          </a:p>
-          <a:p>
-            <a:pPr lvl="1" eaLnBrk="1" hangingPunct="1"/>
-            <a:r>
-              <a:rPr lang="en-US" smtClean="0"/>
-              <a:t>e.g., UTF-8, UTF-16, UTF-32</a:t>
-            </a:r>
+            <a:pPr eaLnBrk="1" fontAlgn="auto" hangingPunct="1">
+              <a:spcAft>
+                <a:spcPts val="0"/>
+              </a:spcAft>
+              <a:buFont typeface="Arial" pitchFamily="34" charset="0"/>
+              <a:buChar char="•"/>
+              <a:defRPr/>
+            </a:pPr>
+            <a:r>
+              <a:rPr lang="en-US" dirty="0" smtClean="0">
+                <a:ea typeface="+mn-ea"/>
+                <a:cs typeface="+mn-cs"/>
+              </a:rPr>
+              <a:t>Other languages can have many more glyphs</a:t>
+            </a:r>
+          </a:p>
+          <a:p>
+            <a:pPr lvl="1" eaLnBrk="1" fontAlgn="auto" hangingPunct="1">
+              <a:spcAft>
+                <a:spcPts val="0"/>
+              </a:spcAft>
+              <a:buFont typeface="Arial" pitchFamily="34" charset="0"/>
+              <a:buChar char="–"/>
+              <a:defRPr/>
+            </a:pPr>
+            <a:r>
+              <a:rPr lang="en-US" dirty="0" smtClean="0">
+                <a:ea typeface="+mn-ea"/>
+              </a:rPr>
+              <a:t>e.g., Chinese has more than 40,000 characters, with over 3,000 in common use</a:t>
+            </a:r>
+          </a:p>
+          <a:p>
+            <a:pPr eaLnBrk="1" fontAlgn="auto" hangingPunct="1">
+              <a:spcAft>
+                <a:spcPts val="0"/>
+              </a:spcAft>
+              <a:buFont typeface="Arial" pitchFamily="34" charset="0"/>
+              <a:buChar char="•"/>
+              <a:defRPr/>
+            </a:pPr>
+            <a:r>
+              <a:rPr lang="en-US" dirty="0" smtClean="0">
+                <a:ea typeface="+mn-ea"/>
+                <a:cs typeface="+mn-cs"/>
+              </a:rPr>
+              <a:t>Many languages have multiple encoding schemes</a:t>
+            </a:r>
+          </a:p>
+          <a:p>
+            <a:pPr lvl="1" eaLnBrk="1" fontAlgn="auto" hangingPunct="1">
+              <a:spcAft>
+                <a:spcPts val="0"/>
+              </a:spcAft>
+              <a:buFont typeface="Arial" pitchFamily="34" charset="0"/>
+              <a:buChar char="–"/>
+              <a:defRPr/>
+            </a:pPr>
+            <a:r>
+              <a:rPr lang="en-US" dirty="0" smtClean="0">
+                <a:ea typeface="+mn-ea"/>
+              </a:rPr>
+              <a:t>e.g., CJK (Chinese-Japanese-Korean) family of East Asian languages, Hindi, Arabic</a:t>
+            </a:r>
+          </a:p>
+          <a:p>
+            <a:pPr lvl="1" eaLnBrk="1" fontAlgn="auto" hangingPunct="1">
+              <a:spcAft>
+                <a:spcPts val="0"/>
+              </a:spcAft>
+              <a:buFont typeface="Arial" pitchFamily="34" charset="0"/>
+              <a:buChar char="–"/>
+              <a:defRPr/>
+            </a:pPr>
+            <a:r>
+              <a:rPr lang="en-US" dirty="0" smtClean="0">
+                <a:ea typeface="+mn-ea"/>
+              </a:rPr>
+              <a:t>must specify encoding</a:t>
+            </a:r>
+          </a:p>
+          <a:p>
+            <a:pPr lvl="1" eaLnBrk="1" fontAlgn="auto" hangingPunct="1">
+              <a:spcAft>
+                <a:spcPts val="0"/>
+              </a:spcAft>
+              <a:buFont typeface="Arial" pitchFamily="34" charset="0"/>
+              <a:buChar char="–"/>
+              <a:defRPr/>
+            </a:pPr>
+            <a:r>
+              <a:rPr lang="en-US" dirty="0" smtClean="0">
+                <a:ea typeface="+mn-ea"/>
+              </a:rPr>
+              <a:t>can’t have multiple languages in one file</a:t>
+            </a:r>
+          </a:p>
+          <a:p>
+            <a:pPr eaLnBrk="1" fontAlgn="auto" hangingPunct="1">
+              <a:spcAft>
+                <a:spcPts val="0"/>
+              </a:spcAft>
+              <a:buFont typeface="Arial" pitchFamily="34" charset="0"/>
+              <a:buChar char="•"/>
+              <a:defRPr/>
+            </a:pPr>
+            <a:r>
+              <a:rPr lang="en-US" dirty="0" smtClean="0">
+                <a:ea typeface="+mn-ea"/>
+                <a:cs typeface="+mn-cs"/>
+              </a:rPr>
+              <a:t>Unicode developed to address encoding problems</a:t>
+            </a:r>
+            <a:endParaRPr lang="en-US" dirty="0">
+              <a:ea typeface="+mn-ea"/>
+              <a:cs typeface="+mn-cs"/>
+            </a:endParaRPr>
           </a:p>
         </p:txBody>
       </p:sp>
@@ -13898,7 +14591,7 @@
       </p:grpSpPr>
       <p:sp>
         <p:nvSpPr>
-          <p:cNvPr id="44033" name="Title 1"/>
+          <p:cNvPr id="43009" name="Title 1"/>
           <p:cNvSpPr>
             <a:spLocks noGrp="1"/>
           </p:cNvSpPr>
@@ -13921,7 +14614,7 @@
       </p:sp>
       <p:sp>
         <p:nvSpPr>
-          <p:cNvPr id="3" name="Content Placeholder 2"/>
+          <p:cNvPr id="43010" name="Content Placeholder 2"/>
           <p:cNvSpPr>
             <a:spLocks noGrp="1"/>
           </p:cNvSpPr>
@@ -13929,102 +14622,37 @@
             <p:ph idx="1"/>
           </p:nvPr>
         </p:nvSpPr>
-        <p:spPr>
-          <a:xfrm>
-            <a:off x="457200" y="1600200"/>
-            <a:ext cx="8229600" cy="4800600"/>
-          </a:xfrm>
-        </p:spPr>
-        <p:txBody>
-          <a:bodyPr rtlCol="0">
-            <a:normAutofit lnSpcReduction="10000"/>
-          </a:bodyPr>
+        <p:spPr/>
+        <p:txBody>
+          <a:bodyPr/>
           <a:lstStyle/>
           <a:p>
-            <a:pPr eaLnBrk="1" fontAlgn="auto" hangingPunct="1">
-              <a:spcAft>
-                <a:spcPts val="0"/>
-              </a:spcAft>
-              <a:buFont typeface="Arial" pitchFamily="34" charset="0"/>
-              <a:buChar char="•"/>
-              <a:defRPr/>
-            </a:pPr>
-            <a:r>
-              <a:rPr lang="en-US" dirty="0" smtClean="0">
-                <a:ea typeface="+mn-ea"/>
-                <a:cs typeface="+mn-cs"/>
-              </a:rPr>
-              <a:t>Proliferation of encodings comes from a need for compatibility and to save space</a:t>
-            </a:r>
-          </a:p>
-          <a:p>
-            <a:pPr lvl="1" eaLnBrk="1" fontAlgn="auto" hangingPunct="1">
-              <a:spcAft>
-                <a:spcPts val="0"/>
-              </a:spcAft>
-              <a:buFont typeface="Arial" pitchFamily="34" charset="0"/>
-              <a:buChar char="–"/>
-              <a:defRPr/>
-            </a:pPr>
-            <a:r>
-              <a:rPr lang="en-US" dirty="0" smtClean="0">
-                <a:ea typeface="+mn-ea"/>
-              </a:rPr>
-              <a:t>UTF-8 uses one byte for English (ASCII), as many as 4 bytes for some traditional Chinese characters</a:t>
-            </a:r>
-          </a:p>
-          <a:p>
-            <a:pPr lvl="1" eaLnBrk="1" fontAlgn="auto" hangingPunct="1">
-              <a:spcAft>
-                <a:spcPts val="0"/>
-              </a:spcAft>
-              <a:buFont typeface="Arial" pitchFamily="34" charset="0"/>
-              <a:buChar char="–"/>
-              <a:defRPr/>
-            </a:pPr>
-            <a:r>
-              <a:rPr lang="en-US" dirty="0" smtClean="0">
-                <a:ea typeface="+mn-ea"/>
-              </a:rPr>
-              <a:t>variable length encoding, more difficult to do string operations</a:t>
-            </a:r>
-          </a:p>
-          <a:p>
-            <a:pPr lvl="1" eaLnBrk="1" fontAlgn="auto" hangingPunct="1">
-              <a:spcAft>
-                <a:spcPts val="0"/>
-              </a:spcAft>
-              <a:buFont typeface="Arial" pitchFamily="34" charset="0"/>
-              <a:buChar char="–"/>
-              <a:defRPr/>
-            </a:pPr>
-            <a:r>
-              <a:rPr lang="en-US" dirty="0" smtClean="0">
-                <a:ea typeface="+mn-ea"/>
-              </a:rPr>
-              <a:t>UTF-32 uses 4 bytes for every character</a:t>
-            </a:r>
-          </a:p>
-          <a:p>
-            <a:pPr eaLnBrk="1" fontAlgn="auto" hangingPunct="1">
-              <a:spcAft>
-                <a:spcPts val="0"/>
-              </a:spcAft>
-              <a:buFont typeface="Arial" pitchFamily="34" charset="0"/>
-              <a:buChar char="•"/>
-              <a:defRPr/>
-            </a:pPr>
-            <a:r>
-              <a:rPr lang="en-US" dirty="0" smtClean="0">
-                <a:ea typeface="+mn-ea"/>
-                <a:cs typeface="+mn-cs"/>
-              </a:rPr>
-              <a:t>Many applications use UTF-32 for internal text encoding (fast random lookup) and UTF-8 for disk storage (less space)</a:t>
-            </a:r>
-            <a:endParaRPr lang="en-US" dirty="0">
-              <a:ea typeface="+mn-ea"/>
-              <a:cs typeface="+mn-cs"/>
-            </a:endParaRPr>
+            <a:pPr eaLnBrk="1" hangingPunct="1"/>
+            <a:r>
+              <a:rPr lang="en-US" smtClean="0"/>
+              <a:t>Single mapping from numbers to glyphs that attempts to include all glyphs in common use in all known languages</a:t>
+            </a:r>
+          </a:p>
+          <a:p>
+            <a:pPr eaLnBrk="1" hangingPunct="1"/>
+            <a:r>
+              <a:rPr lang="en-US" smtClean="0"/>
+              <a:t>Unicode is a mapping between numbers and glyphs</a:t>
+            </a:r>
+          </a:p>
+          <a:p>
+            <a:pPr lvl="1" eaLnBrk="1" hangingPunct="1"/>
+            <a:r>
+              <a:rPr lang="en-US" smtClean="0"/>
+              <a:t>does not uniquely specify bits to glyph mapping!</a:t>
+            </a:r>
+          </a:p>
+          <a:p>
+            <a:pPr lvl="1" eaLnBrk="1" hangingPunct="1"/>
+            <a:r>
+              <a:rPr lang="en-US" smtClean="0"/>
+              <a:t>e.g., UTF-8, UTF-16, UTF-32</a:t>
+            </a:r>
           </a:p>
         </p:txBody>
       </p:sp>
@@ -14037,6 +14665,163 @@
 </file>
 
 <file path=ppt/slides/slide44.xml><?xml version="1.0" encoding="utf-8"?>
+<p:sld xmlns:a="http://schemas.openxmlformats.org/drawingml/2006/main" xmlns:r="http://schemas.openxmlformats.org/officeDocument/2006/relationships" xmlns:p="http://schemas.openxmlformats.org/presentationml/2006/main">
+  <p:cSld>
+    <p:spTree>
+      <p:nvGrpSpPr>
+        <p:cNvPr id="1" name=""/>
+        <p:cNvGrpSpPr/>
+        <p:nvPr/>
+      </p:nvGrpSpPr>
+      <p:grpSpPr>
+        <a:xfrm>
+          <a:off x="0" y="0"/>
+          <a:ext cx="0" cy="0"/>
+          <a:chOff x="0" y="0"/>
+          <a:chExt cx="0" cy="0"/>
+        </a:xfrm>
+      </p:grpSpPr>
+      <p:sp>
+        <p:nvSpPr>
+          <p:cNvPr id="44033" name="Title 1"/>
+          <p:cNvSpPr>
+            <a:spLocks noGrp="1"/>
+          </p:cNvSpPr>
+          <p:nvPr>
+            <p:ph type="title"/>
+          </p:nvPr>
+        </p:nvSpPr>
+        <p:spPr/>
+        <p:txBody>
+          <a:bodyPr/>
+          <a:lstStyle/>
+          <a:p>
+            <a:pPr eaLnBrk="1" hangingPunct="1"/>
+            <a:r>
+              <a:rPr lang="en-US" smtClean="0"/>
+              <a:t>Unicode</a:t>
+            </a:r>
+          </a:p>
+        </p:txBody>
+      </p:sp>
+      <p:sp>
+        <p:nvSpPr>
+          <p:cNvPr id="3" name="Content Placeholder 2"/>
+          <p:cNvSpPr>
+            <a:spLocks noGrp="1"/>
+          </p:cNvSpPr>
+          <p:nvPr>
+            <p:ph idx="1"/>
+          </p:nvPr>
+        </p:nvSpPr>
+        <p:spPr>
+          <a:xfrm>
+            <a:off x="457200" y="1600200"/>
+            <a:ext cx="8229600" cy="4800600"/>
+          </a:xfrm>
+        </p:spPr>
+        <p:txBody>
+          <a:bodyPr rtlCol="0">
+            <a:normAutofit lnSpcReduction="10000"/>
+          </a:bodyPr>
+          <a:lstStyle/>
+          <a:p>
+            <a:pPr eaLnBrk="1" fontAlgn="auto" hangingPunct="1">
+              <a:spcAft>
+                <a:spcPts val="0"/>
+              </a:spcAft>
+              <a:buFont typeface="Arial" pitchFamily="34" charset="0"/>
+              <a:buChar char="•"/>
+              <a:defRPr/>
+            </a:pPr>
+            <a:r>
+              <a:rPr lang="en-US" dirty="0" smtClean="0">
+                <a:ea typeface="+mn-ea"/>
+                <a:cs typeface="+mn-cs"/>
+              </a:rPr>
+              <a:t>Proliferation of encodings comes from a need for compatibility and to save space</a:t>
+            </a:r>
+          </a:p>
+          <a:p>
+            <a:pPr lvl="1" eaLnBrk="1" fontAlgn="auto" hangingPunct="1">
+              <a:spcAft>
+                <a:spcPts val="0"/>
+              </a:spcAft>
+              <a:buFont typeface="Arial" pitchFamily="34" charset="0"/>
+              <a:buChar char="–"/>
+              <a:defRPr/>
+            </a:pPr>
+            <a:r>
+              <a:rPr lang="en-US" dirty="0" smtClean="0">
+                <a:ea typeface="+mn-ea"/>
+              </a:rPr>
+              <a:t>UTF-8 uses one byte for English (ASCII), as many as 4 bytes for some traditional Chinese characters</a:t>
+            </a:r>
+          </a:p>
+          <a:p>
+            <a:pPr lvl="1" eaLnBrk="1" fontAlgn="auto" hangingPunct="1">
+              <a:spcAft>
+                <a:spcPts val="0"/>
+              </a:spcAft>
+              <a:buFont typeface="Arial" pitchFamily="34" charset="0"/>
+              <a:buChar char="–"/>
+              <a:defRPr/>
+            </a:pPr>
+            <a:r>
+              <a:rPr lang="en-US" dirty="0" smtClean="0">
+                <a:ea typeface="+mn-ea"/>
+              </a:rPr>
+              <a:t>variable length encoding, more difficult to do string operations</a:t>
+            </a:r>
+          </a:p>
+          <a:p>
+            <a:pPr lvl="1" eaLnBrk="1" fontAlgn="auto" hangingPunct="1">
+              <a:spcAft>
+                <a:spcPts val="0"/>
+              </a:spcAft>
+              <a:buFont typeface="Arial" pitchFamily="34" charset="0"/>
+              <a:buChar char="–"/>
+              <a:defRPr/>
+            </a:pPr>
+            <a:r>
+              <a:rPr lang="en-US" dirty="0" smtClean="0">
+                <a:ea typeface="+mn-ea"/>
+              </a:rPr>
+              <a:t>UTF-32 uses 4 bytes for every character</a:t>
+            </a:r>
+          </a:p>
+          <a:p>
+            <a:pPr eaLnBrk="1" fontAlgn="auto" hangingPunct="1">
+              <a:spcAft>
+                <a:spcPts val="0"/>
+              </a:spcAft>
+              <a:buFont typeface="Arial" pitchFamily="34" charset="0"/>
+              <a:buChar char="•"/>
+              <a:defRPr/>
+            </a:pPr>
+            <a:r>
+              <a:rPr lang="en-US" dirty="0" smtClean="0">
+                <a:ea typeface="+mn-ea"/>
+                <a:cs typeface="+mn-cs"/>
+              </a:rPr>
+              <a:t>Many applications use UTF-32 for internal text encoding (fast random lookup) and UTF-8 for disk storage (less space)</a:t>
+            </a:r>
+            <a:endParaRPr lang="en-US" dirty="0">
+              <a:ea typeface="+mn-ea"/>
+              <a:cs typeface="+mn-cs"/>
+            </a:endParaRPr>
+          </a:p>
+        </p:txBody>
+      </p:sp>
+    </p:spTree>
+  </p:cSld>
+  <p:clrMapOvr>
+    <a:masterClrMapping/>
+  </p:clrMapOvr>
+</p:sld>
+</file>
+
+<file path=ppt/slides/slide45.xml><?xml version="1.0" encoding="utf-8"?>
 <p:sld xmlns:a="http://schemas.openxmlformats.org/drawingml/2006/main" xmlns:r="http://schemas.openxmlformats.org/officeDocument/2006/relationships" xmlns:p="http://schemas.openxmlformats.org/presentationml/2006/main">
   <p:cSld>
     <p:spTree>
@@ -14253,110 +15038,6 @@
 </p:sld>
 </file>
 
-<file path=ppt/slides/slide45.xml><?xml version="1.0" encoding="utf-8"?>
-<p:sld xmlns:a="http://schemas.openxmlformats.org/drawingml/2006/main" xmlns:r="http://schemas.openxmlformats.org/officeDocument/2006/relationships" xmlns:p="http://schemas.openxmlformats.org/presentationml/2006/main">
-  <p:cSld>
-    <p:spTree>
-      <p:nvGrpSpPr>
-        <p:cNvPr id="1" name=""/>
-        <p:cNvGrpSpPr/>
-        <p:nvPr/>
-      </p:nvGrpSpPr>
-      <p:grpSpPr>
-        <a:xfrm>
-          <a:off x="0" y="0"/>
-          <a:ext cx="0" cy="0"/>
-          <a:chOff x="0" y="0"/>
-          <a:chExt cx="0" cy="0"/>
-        </a:xfrm>
-      </p:grpSpPr>
-      <p:sp>
-        <p:nvSpPr>
-          <p:cNvPr id="46081" name="Title 1"/>
-          <p:cNvSpPr>
-            <a:spLocks noGrp="1"/>
-          </p:cNvSpPr>
-          <p:nvPr>
-            <p:ph type="title"/>
-          </p:nvPr>
-        </p:nvSpPr>
-        <p:spPr/>
-        <p:txBody>
-          <a:bodyPr/>
-          <a:lstStyle/>
-          <a:p>
-            <a:pPr eaLnBrk="1" hangingPunct="1"/>
-            <a:r>
-              <a:rPr lang="en-US" smtClean="0"/>
-              <a:t>Storing the Documents</a:t>
-            </a:r>
-          </a:p>
-        </p:txBody>
-      </p:sp>
-      <p:sp>
-        <p:nvSpPr>
-          <p:cNvPr id="46082" name="Content Placeholder 2"/>
-          <p:cNvSpPr>
-            <a:spLocks noGrp="1"/>
-          </p:cNvSpPr>
-          <p:nvPr>
-            <p:ph idx="1"/>
-          </p:nvPr>
-        </p:nvSpPr>
-        <p:spPr>
-          <a:xfrm>
-            <a:off x="457200" y="1600200"/>
-            <a:ext cx="8229600" cy="4724400"/>
-          </a:xfrm>
-        </p:spPr>
-        <p:txBody>
-          <a:bodyPr/>
-          <a:lstStyle/>
-          <a:p>
-            <a:pPr eaLnBrk="1" hangingPunct="1"/>
-            <a:r>
-              <a:rPr lang="en-US" smtClean="0"/>
-              <a:t>Many reasons to store converted document text</a:t>
-            </a:r>
-          </a:p>
-          <a:p>
-            <a:pPr lvl="1" eaLnBrk="1" hangingPunct="1"/>
-            <a:r>
-              <a:rPr lang="en-US" smtClean="0"/>
-              <a:t>saves crawling time when page is not updated</a:t>
-            </a:r>
-          </a:p>
-          <a:p>
-            <a:pPr lvl="1" eaLnBrk="1" hangingPunct="1"/>
-            <a:r>
-              <a:rPr lang="en-US" smtClean="0"/>
-              <a:t>provides efficient access to text for snippet generation, information extraction, etc.</a:t>
-            </a:r>
-          </a:p>
-          <a:p>
-            <a:pPr eaLnBrk="1" hangingPunct="1"/>
-            <a:r>
-              <a:rPr lang="en-US" smtClean="0"/>
-              <a:t>Database systems can provide document storage for some applications</a:t>
-            </a:r>
-          </a:p>
-          <a:p>
-            <a:pPr lvl="1" eaLnBrk="1" hangingPunct="1"/>
-            <a:r>
-              <a:rPr lang="en-US" smtClean="0"/>
-              <a:t>web search engines use customized document storage systems</a:t>
-            </a:r>
-          </a:p>
-        </p:txBody>
-      </p:sp>
-    </p:spTree>
-  </p:cSld>
-  <p:clrMapOvr>
-    <a:masterClrMapping/>
-  </p:clrMapOvr>
-</p:sld>
-</file>
-
 <file path=ppt/slides/slide46.xml><?xml version="1.0" encoding="utf-8"?>
 <p:sld xmlns:a="http://schemas.openxmlformats.org/drawingml/2006/main" xmlns:r="http://schemas.openxmlformats.org/officeDocument/2006/relationships" xmlns:p="http://schemas.openxmlformats.org/presentationml/2006/main">
   <p:cSld>
@@ -14376,7 +15057,7 @@
       </p:grpSpPr>
       <p:sp>
         <p:nvSpPr>
-          <p:cNvPr id="47105" name="Title 1"/>
+          <p:cNvPr id="46081" name="Title 1"/>
           <p:cNvSpPr>
             <a:spLocks noGrp="1"/>
           </p:cNvSpPr>
@@ -14399,7 +15080,7 @@
       </p:sp>
       <p:sp>
         <p:nvSpPr>
-          <p:cNvPr id="47106" name="Content Placeholder 2"/>
+          <p:cNvPr id="46082" name="Content Placeholder 2"/>
           <p:cNvSpPr>
             <a:spLocks noGrp="1"/>
           </p:cNvSpPr>
@@ -14410,7 +15091,7 @@
         <p:spPr>
           <a:xfrm>
             <a:off x="457200" y="1600200"/>
-            <a:ext cx="8229600" cy="4876800"/>
+            <a:ext cx="8229600" cy="4724400"/>
           </a:xfrm>
         </p:spPr>
         <p:txBody>
@@ -14420,63 +15101,35 @@
             <a:pPr eaLnBrk="1" hangingPunct="1"/>
             <a:r>
               <a:rPr lang="en-US" smtClean="0"/>
-              <a:t>Requirements for document storage system:</a:t>
+              <a:t>Many reasons to store converted document text</a:t>
             </a:r>
           </a:p>
           <a:p>
             <a:pPr lvl="1" eaLnBrk="1" hangingPunct="1"/>
             <a:r>
               <a:rPr lang="en-US" smtClean="0"/>
-              <a:t>Random access</a:t>
-            </a:r>
-          </a:p>
-          <a:p>
-            <a:pPr lvl="2" eaLnBrk="1" hangingPunct="1"/>
-            <a:r>
-              <a:rPr lang="en-US" smtClean="0"/>
-              <a:t>request the content of a document based on its URL</a:t>
-            </a:r>
-          </a:p>
-          <a:p>
-            <a:pPr lvl="2" eaLnBrk="1" hangingPunct="1"/>
-            <a:r>
-              <a:rPr lang="en-US" smtClean="0"/>
-              <a:t>hash function based on URL is typical</a:t>
+              <a:t>saves crawling time when page is not updated</a:t>
             </a:r>
           </a:p>
           <a:p>
             <a:pPr lvl="1" eaLnBrk="1" hangingPunct="1"/>
             <a:r>
               <a:rPr lang="en-US" smtClean="0"/>
-              <a:t>Compression and large files</a:t>
-            </a:r>
-          </a:p>
-          <a:p>
-            <a:pPr lvl="2" eaLnBrk="1" hangingPunct="1"/>
-            <a:r>
-              <a:rPr lang="en-US" smtClean="0"/>
-              <a:t>reducing storage requirements and efficient access</a:t>
+              <a:t>provides efficient access to text for snippet generation, information extraction, etc.</a:t>
+            </a:r>
+          </a:p>
+          <a:p>
+            <a:pPr eaLnBrk="1" hangingPunct="1"/>
+            <a:r>
+              <a:rPr lang="en-US" smtClean="0"/>
+              <a:t>Database systems can provide document storage for some applications</a:t>
             </a:r>
           </a:p>
           <a:p>
             <a:pPr lvl="1" eaLnBrk="1" hangingPunct="1"/>
             <a:r>
               <a:rPr lang="en-US" smtClean="0"/>
-              <a:t>Update</a:t>
-            </a:r>
-          </a:p>
-          <a:p>
-            <a:pPr lvl="2" eaLnBrk="1" hangingPunct="1"/>
-            <a:r>
-              <a:rPr lang="en-US" smtClean="0"/>
-              <a:t>handling large volumes of new and modified documents</a:t>
-            </a:r>
-          </a:p>
-          <a:p>
-            <a:pPr lvl="2" eaLnBrk="1" hangingPunct="1"/>
-            <a:r>
-              <a:rPr lang="en-US" smtClean="0"/>
-              <a:t>adding new anchor text</a:t>
+              <a:t>web search engines use customized document storage systems</a:t>
             </a:r>
           </a:p>
         </p:txBody>
@@ -14508,7 +15161,7 @@
       </p:grpSpPr>
       <p:sp>
         <p:nvSpPr>
-          <p:cNvPr id="48129" name="Title 1"/>
+          <p:cNvPr id="47105" name="Title 1"/>
           <p:cNvSpPr>
             <a:spLocks noGrp="1"/>
           </p:cNvSpPr>
@@ -14524,14 +15177,14 @@
             <a:pPr eaLnBrk="1" hangingPunct="1"/>
             <a:r>
               <a:rPr lang="en-US" smtClean="0"/>
-              <a:t>Large Files</a:t>
-            </a:r>
-          </a:p>
-        </p:txBody>
-      </p:sp>
-      <p:sp>
-        <p:nvSpPr>
-          <p:cNvPr id="48130" name="Content Placeholder 2"/>
+              <a:t>Storing the Documents</a:t>
+            </a:r>
+          </a:p>
+        </p:txBody>
+      </p:sp>
+      <p:sp>
+        <p:nvSpPr>
+          <p:cNvPr id="47106" name="Content Placeholder 2"/>
           <p:cNvSpPr>
             <a:spLocks noGrp="1"/>
           </p:cNvSpPr>
@@ -14539,7 +15192,12 @@
             <p:ph idx="1"/>
           </p:nvPr>
         </p:nvSpPr>
-        <p:spPr/>
+        <p:spPr>
+          <a:xfrm>
+            <a:off x="457200" y="1600200"/>
+            <a:ext cx="8229600" cy="4876800"/>
+          </a:xfrm>
+        </p:spPr>
         <p:txBody>
           <a:bodyPr/>
           <a:lstStyle/>
@@ -14547,47 +15205,64 @@
             <a:pPr eaLnBrk="1" hangingPunct="1"/>
             <a:r>
               <a:rPr lang="en-US" smtClean="0"/>
-              <a:t>Store many documents in large files, rather than each document in a file</a:t>
+              <a:t>Requirements for document storage system:</a:t>
             </a:r>
           </a:p>
           <a:p>
             <a:pPr lvl="1" eaLnBrk="1" hangingPunct="1"/>
             <a:r>
               <a:rPr lang="en-US" smtClean="0"/>
-              <a:t>avoids overhead in opening and closing files</a:t>
+              <a:t>Random access</a:t>
+            </a:r>
+          </a:p>
+          <a:p>
+            <a:pPr lvl="2" eaLnBrk="1" hangingPunct="1"/>
+            <a:r>
+              <a:rPr lang="en-US" smtClean="0"/>
+              <a:t>request the content of a document based on its URL</a:t>
+            </a:r>
+          </a:p>
+          <a:p>
+            <a:pPr lvl="2" eaLnBrk="1" hangingPunct="1"/>
+            <a:r>
+              <a:rPr lang="en-US" smtClean="0"/>
+              <a:t>hash function based on URL is typical</a:t>
             </a:r>
           </a:p>
           <a:p>
             <a:pPr lvl="1" eaLnBrk="1" hangingPunct="1"/>
             <a:r>
               <a:rPr lang="en-US" smtClean="0"/>
-              <a:t>reduces seek time relative to read time</a:t>
-            </a:r>
-          </a:p>
-          <a:p>
-            <a:pPr eaLnBrk="1" hangingPunct="1"/>
-            <a:r>
-              <a:rPr lang="en-US" smtClean="0"/>
-              <a:t>Compound documents formats</a:t>
+              <a:t>Compression and large files</a:t>
+            </a:r>
+          </a:p>
+          <a:p>
+            <a:pPr lvl="2" eaLnBrk="1" hangingPunct="1"/>
+            <a:r>
+              <a:rPr lang="en-US" smtClean="0"/>
+              <a:t>reducing storage requirements and efficient access</a:t>
             </a:r>
           </a:p>
           <a:p>
             <a:pPr lvl="1" eaLnBrk="1" hangingPunct="1"/>
             <a:r>
               <a:rPr lang="en-US" smtClean="0"/>
-              <a:t>used to store multiple documents in a file</a:t>
-            </a:r>
-          </a:p>
-          <a:p>
-            <a:pPr lvl="1" eaLnBrk="1" hangingPunct="1"/>
-            <a:r>
-              <a:rPr lang="en-US" smtClean="0"/>
-              <a:t>e.g., TREC Web</a:t>
-            </a:r>
-          </a:p>
-          <a:p>
-            <a:pPr eaLnBrk="1" hangingPunct="1"/>
-            <a:endParaRPr lang="en-US" smtClean="0"/>
+              <a:t>Update</a:t>
+            </a:r>
+          </a:p>
+          <a:p>
+            <a:pPr lvl="2" eaLnBrk="1" hangingPunct="1"/>
+            <a:r>
+              <a:rPr lang="en-US" smtClean="0"/>
+              <a:t>handling large volumes of new and modified documents</a:t>
+            </a:r>
+          </a:p>
+          <a:p>
+            <a:pPr lvl="2" eaLnBrk="1" hangingPunct="1"/>
+            <a:r>
+              <a:rPr lang="en-US" smtClean="0"/>
+              <a:t>adding new anchor text</a:t>
+            </a:r>
           </a:p>
         </p:txBody>
       </p:sp>
@@ -14618,6 +15293,116 @@
       </p:grpSpPr>
       <p:sp>
         <p:nvSpPr>
+          <p:cNvPr id="48129" name="Title 1"/>
+          <p:cNvSpPr>
+            <a:spLocks noGrp="1"/>
+          </p:cNvSpPr>
+          <p:nvPr>
+            <p:ph type="title"/>
+          </p:nvPr>
+        </p:nvSpPr>
+        <p:spPr/>
+        <p:txBody>
+          <a:bodyPr/>
+          <a:lstStyle/>
+          <a:p>
+            <a:pPr eaLnBrk="1" hangingPunct="1"/>
+            <a:r>
+              <a:rPr lang="en-US" smtClean="0"/>
+              <a:t>Large Files</a:t>
+            </a:r>
+          </a:p>
+        </p:txBody>
+      </p:sp>
+      <p:sp>
+        <p:nvSpPr>
+          <p:cNvPr id="48130" name="Content Placeholder 2"/>
+          <p:cNvSpPr>
+            <a:spLocks noGrp="1"/>
+          </p:cNvSpPr>
+          <p:nvPr>
+            <p:ph idx="1"/>
+          </p:nvPr>
+        </p:nvSpPr>
+        <p:spPr/>
+        <p:txBody>
+          <a:bodyPr/>
+          <a:lstStyle/>
+          <a:p>
+            <a:pPr eaLnBrk="1" hangingPunct="1"/>
+            <a:r>
+              <a:rPr lang="en-US" smtClean="0"/>
+              <a:t>Store many documents in large files, rather than each document in a file</a:t>
+            </a:r>
+          </a:p>
+          <a:p>
+            <a:pPr lvl="1" eaLnBrk="1" hangingPunct="1"/>
+            <a:r>
+              <a:rPr lang="en-US" smtClean="0"/>
+              <a:t>avoids overhead in opening and closing files</a:t>
+            </a:r>
+          </a:p>
+          <a:p>
+            <a:pPr lvl="1" eaLnBrk="1" hangingPunct="1"/>
+            <a:r>
+              <a:rPr lang="en-US" smtClean="0"/>
+              <a:t>reduces seek time relative to read time</a:t>
+            </a:r>
+          </a:p>
+          <a:p>
+            <a:pPr eaLnBrk="1" hangingPunct="1"/>
+            <a:r>
+              <a:rPr lang="en-US" smtClean="0"/>
+              <a:t>Compound documents formats</a:t>
+            </a:r>
+          </a:p>
+          <a:p>
+            <a:pPr lvl="1" eaLnBrk="1" hangingPunct="1"/>
+            <a:r>
+              <a:rPr lang="en-US" smtClean="0"/>
+              <a:t>used to store multiple documents in a file</a:t>
+            </a:r>
+          </a:p>
+          <a:p>
+            <a:pPr lvl="1" eaLnBrk="1" hangingPunct="1"/>
+            <a:r>
+              <a:rPr lang="en-US" smtClean="0"/>
+              <a:t>e.g., TREC Web</a:t>
+            </a:r>
+          </a:p>
+          <a:p>
+            <a:pPr eaLnBrk="1" hangingPunct="1"/>
+            <a:endParaRPr lang="en-US" smtClean="0"/>
+          </a:p>
+        </p:txBody>
+      </p:sp>
+    </p:spTree>
+  </p:cSld>
+  <p:clrMapOvr>
+    <a:masterClrMapping/>
+  </p:clrMapOvr>
+</p:sld>
+</file>
+
+<file path=ppt/slides/slide49.xml><?xml version="1.0" encoding="utf-8"?>
+<p:sld xmlns:a="http://schemas.openxmlformats.org/drawingml/2006/main" xmlns:r="http://schemas.openxmlformats.org/officeDocument/2006/relationships" xmlns:p="http://schemas.openxmlformats.org/presentationml/2006/main">
+  <p:cSld>
+    <p:spTree>
+      <p:nvGrpSpPr>
+        <p:cNvPr id="1" name=""/>
+        <p:cNvGrpSpPr/>
+        <p:nvPr/>
+      </p:nvGrpSpPr>
+      <p:grpSpPr>
+        <a:xfrm>
+          <a:off x="0" y="0"/>
+          <a:ext cx="0" cy="0"/>
+          <a:chOff x="0" y="0"/>
+          <a:chExt cx="0" cy="0"/>
+        </a:xfrm>
+      </p:grpSpPr>
+      <p:sp>
+        <p:nvSpPr>
           <p:cNvPr id="49153" name="Title 1"/>
           <p:cNvSpPr>
             <a:spLocks noGrp="1"/>
@@ -14675,206 +15460,6 @@
           </a:ln>
         </p:spPr>
       </p:pic>
-    </p:spTree>
-  </p:cSld>
-  <p:clrMapOvr>
-    <a:masterClrMapping/>
-  </p:clrMapOvr>
-</p:sld>
-</file>
-
-<file path=ppt/slides/slide49.xml><?xml version="1.0" encoding="utf-8"?>
-<p:sld xmlns:a="http://schemas.openxmlformats.org/drawingml/2006/main" xmlns:r="http://schemas.openxmlformats.org/officeDocument/2006/relationships" xmlns:p="http://schemas.openxmlformats.org/presentationml/2006/main">
-  <p:cSld>
-    <p:spTree>
-      <p:nvGrpSpPr>
-        <p:cNvPr id="1" name=""/>
-        <p:cNvGrpSpPr/>
-        <p:nvPr/>
-      </p:nvGrpSpPr>
-      <p:grpSpPr>
-        <a:xfrm>
-          <a:off x="0" y="0"/>
-          <a:ext cx="0" cy="0"/>
-          <a:chOff x="0" y="0"/>
-          <a:chExt cx="0" cy="0"/>
-        </a:xfrm>
-      </p:grpSpPr>
-      <p:sp>
-        <p:nvSpPr>
-          <p:cNvPr id="50177" name="Title 1"/>
-          <p:cNvSpPr>
-            <a:spLocks noGrp="1"/>
-          </p:cNvSpPr>
-          <p:nvPr>
-            <p:ph type="title"/>
-          </p:nvPr>
-        </p:nvSpPr>
-        <p:spPr/>
-        <p:txBody>
-          <a:bodyPr/>
-          <a:lstStyle/>
-          <a:p>
-            <a:pPr eaLnBrk="1" hangingPunct="1"/>
-            <a:r>
-              <a:rPr lang="en-US" smtClean="0"/>
-              <a:t>Compression</a:t>
-            </a:r>
-          </a:p>
-        </p:txBody>
-      </p:sp>
-      <p:sp>
-        <p:nvSpPr>
-          <p:cNvPr id="3" name="Content Placeholder 2"/>
-          <p:cNvSpPr>
-            <a:spLocks noGrp="1"/>
-          </p:cNvSpPr>
-          <p:nvPr>
-            <p:ph idx="1"/>
-          </p:nvPr>
-        </p:nvSpPr>
-        <p:spPr>
-          <a:xfrm>
-            <a:off x="457200" y="1600200"/>
-            <a:ext cx="8229600" cy="5105400"/>
-          </a:xfrm>
-        </p:spPr>
-        <p:txBody>
-          <a:bodyPr rtlCol="0">
-            <a:normAutofit fontScale="92500" lnSpcReduction="10000"/>
-          </a:bodyPr>
-          <a:lstStyle/>
-          <a:p>
-            <a:pPr eaLnBrk="1" fontAlgn="auto" hangingPunct="1">
-              <a:spcAft>
-                <a:spcPts val="0"/>
-              </a:spcAft>
-              <a:buFont typeface="Arial" pitchFamily="34" charset="0"/>
-              <a:buChar char="•"/>
-              <a:defRPr/>
-            </a:pPr>
-            <a:r>
-              <a:rPr lang="en-US" dirty="0" smtClean="0">
-                <a:ea typeface="+mn-ea"/>
-                <a:cs typeface="+mn-cs"/>
-              </a:rPr>
-              <a:t>Text is highly redundant (or predictable)</a:t>
-            </a:r>
-          </a:p>
-          <a:p>
-            <a:pPr eaLnBrk="1" fontAlgn="auto" hangingPunct="1">
-              <a:spcAft>
-                <a:spcPts val="0"/>
-              </a:spcAft>
-              <a:buFont typeface="Arial" pitchFamily="34" charset="0"/>
-              <a:buChar char="•"/>
-              <a:defRPr/>
-            </a:pPr>
-            <a:r>
-              <a:rPr lang="en-US" dirty="0" smtClean="0">
-                <a:ea typeface="+mn-ea"/>
-                <a:cs typeface="+mn-cs"/>
-              </a:rPr>
-              <a:t>Compression techniques exploit this redundancy to make files smaller without</a:t>
-            </a:r>
-            <a:r>
-              <a:rPr lang="en-US" i="1" dirty="0" smtClean="0">
-                <a:ea typeface="+mn-ea"/>
-                <a:cs typeface="+mn-cs"/>
-              </a:rPr>
-              <a:t> </a:t>
-            </a:r>
-            <a:r>
-              <a:rPr lang="en-US" dirty="0" smtClean="0">
-                <a:ea typeface="+mn-ea"/>
-                <a:cs typeface="+mn-cs"/>
-              </a:rPr>
-              <a:t>losing any of the content</a:t>
-            </a:r>
-          </a:p>
-          <a:p>
-            <a:pPr eaLnBrk="1" fontAlgn="auto" hangingPunct="1">
-              <a:spcAft>
-                <a:spcPts val="0"/>
-              </a:spcAft>
-              <a:buFont typeface="Arial" pitchFamily="34" charset="0"/>
-              <a:buChar char="•"/>
-              <a:defRPr/>
-            </a:pPr>
-            <a:r>
-              <a:rPr lang="en-US" dirty="0" smtClean="0">
-                <a:ea typeface="+mn-ea"/>
-                <a:cs typeface="+mn-cs"/>
-              </a:rPr>
-              <a:t>Compression of indexes covered later</a:t>
-            </a:r>
-          </a:p>
-          <a:p>
-            <a:pPr eaLnBrk="1" fontAlgn="auto" hangingPunct="1">
-              <a:spcAft>
-                <a:spcPts val="0"/>
-              </a:spcAft>
-              <a:buFont typeface="Arial" pitchFamily="34" charset="0"/>
-              <a:buChar char="•"/>
-              <a:defRPr/>
-            </a:pPr>
-            <a:r>
-              <a:rPr lang="en-US" dirty="0" smtClean="0">
-                <a:ea typeface="+mn-ea"/>
-                <a:cs typeface="+mn-cs"/>
-              </a:rPr>
-              <a:t>Popular algorithms can compress HTML and XML text by 80%</a:t>
-            </a:r>
-          </a:p>
-          <a:p>
-            <a:pPr lvl="1" eaLnBrk="1" fontAlgn="auto" hangingPunct="1">
-              <a:spcAft>
-                <a:spcPts val="0"/>
-              </a:spcAft>
-              <a:buFont typeface="Arial" pitchFamily="34" charset="0"/>
-              <a:buChar char="–"/>
-              <a:defRPr/>
-            </a:pPr>
-            <a:r>
-              <a:rPr lang="en-US" dirty="0" smtClean="0">
-                <a:ea typeface="+mn-ea"/>
-              </a:rPr>
-              <a:t>e.g., DEFLATE (zip, </a:t>
-            </a:r>
-            <a:r>
-              <a:rPr lang="en-US" dirty="0" err="1" smtClean="0">
-                <a:ea typeface="+mn-ea"/>
-              </a:rPr>
-              <a:t>gzip</a:t>
-            </a:r>
-            <a:r>
-              <a:rPr lang="en-US" dirty="0" smtClean="0">
-                <a:ea typeface="+mn-ea"/>
-              </a:rPr>
-              <a:t>) and LZW (UNIX compress, PDF)</a:t>
-            </a:r>
-          </a:p>
-          <a:p>
-            <a:pPr lvl="1" eaLnBrk="1" fontAlgn="auto" hangingPunct="1">
-              <a:spcAft>
-                <a:spcPts val="0"/>
-              </a:spcAft>
-              <a:buFont typeface="Arial" pitchFamily="34" charset="0"/>
-              <a:buChar char="–"/>
-              <a:defRPr/>
-            </a:pPr>
-            <a:r>
-              <a:rPr lang="en-US" dirty="0" smtClean="0">
-                <a:ea typeface="+mn-ea"/>
-              </a:rPr>
-              <a:t>may compress large files in blocks to make access faster</a:t>
-            </a:r>
-            <a:endParaRPr lang="en-US" dirty="0">
-              <a:ea typeface="+mn-ea"/>
-            </a:endParaRPr>
-          </a:p>
-        </p:txBody>
-      </p:sp>
     </p:spTree>
   </p:cSld>
   <p:clrMapOvr>
@@ -15783,6 +16368,206 @@
       </p:grpSpPr>
       <p:sp>
         <p:nvSpPr>
+          <p:cNvPr id="50177" name="Title 1"/>
+          <p:cNvSpPr>
+            <a:spLocks noGrp="1"/>
+          </p:cNvSpPr>
+          <p:nvPr>
+            <p:ph type="title"/>
+          </p:nvPr>
+        </p:nvSpPr>
+        <p:spPr/>
+        <p:txBody>
+          <a:bodyPr/>
+          <a:lstStyle/>
+          <a:p>
+            <a:pPr eaLnBrk="1" hangingPunct="1"/>
+            <a:r>
+              <a:rPr lang="en-US" smtClean="0"/>
+              <a:t>Compression</a:t>
+            </a:r>
+          </a:p>
+        </p:txBody>
+      </p:sp>
+      <p:sp>
+        <p:nvSpPr>
+          <p:cNvPr id="3" name="Content Placeholder 2"/>
+          <p:cNvSpPr>
+            <a:spLocks noGrp="1"/>
+          </p:cNvSpPr>
+          <p:nvPr>
+            <p:ph idx="1"/>
+          </p:nvPr>
+        </p:nvSpPr>
+        <p:spPr>
+          <a:xfrm>
+            <a:off x="457200" y="1600200"/>
+            <a:ext cx="8229600" cy="5105400"/>
+          </a:xfrm>
+        </p:spPr>
+        <p:txBody>
+          <a:bodyPr rtlCol="0">
+            <a:normAutofit fontScale="92500" lnSpcReduction="10000"/>
+          </a:bodyPr>
+          <a:lstStyle/>
+          <a:p>
+            <a:pPr eaLnBrk="1" fontAlgn="auto" hangingPunct="1">
+              <a:spcAft>
+                <a:spcPts val="0"/>
+              </a:spcAft>
+              <a:buFont typeface="Arial" pitchFamily="34" charset="0"/>
+              <a:buChar char="•"/>
+              <a:defRPr/>
+            </a:pPr>
+            <a:r>
+              <a:rPr lang="en-US" dirty="0" smtClean="0">
+                <a:ea typeface="+mn-ea"/>
+                <a:cs typeface="+mn-cs"/>
+              </a:rPr>
+              <a:t>Text is highly redundant (or predictable)</a:t>
+            </a:r>
+          </a:p>
+          <a:p>
+            <a:pPr eaLnBrk="1" fontAlgn="auto" hangingPunct="1">
+              <a:spcAft>
+                <a:spcPts val="0"/>
+              </a:spcAft>
+              <a:buFont typeface="Arial" pitchFamily="34" charset="0"/>
+              <a:buChar char="•"/>
+              <a:defRPr/>
+            </a:pPr>
+            <a:r>
+              <a:rPr lang="en-US" dirty="0" smtClean="0">
+                <a:ea typeface="+mn-ea"/>
+                <a:cs typeface="+mn-cs"/>
+              </a:rPr>
+              <a:t>Compression techniques exploit this redundancy to make files smaller without</a:t>
+            </a:r>
+            <a:r>
+              <a:rPr lang="en-US" i="1" dirty="0" smtClean="0">
+                <a:ea typeface="+mn-ea"/>
+                <a:cs typeface="+mn-cs"/>
+              </a:rPr>
+              <a:t> </a:t>
+            </a:r>
+            <a:r>
+              <a:rPr lang="en-US" dirty="0" smtClean="0">
+                <a:ea typeface="+mn-ea"/>
+                <a:cs typeface="+mn-cs"/>
+              </a:rPr>
+              <a:t>losing any of the content</a:t>
+            </a:r>
+          </a:p>
+          <a:p>
+            <a:pPr eaLnBrk="1" fontAlgn="auto" hangingPunct="1">
+              <a:spcAft>
+                <a:spcPts val="0"/>
+              </a:spcAft>
+              <a:buFont typeface="Arial" pitchFamily="34" charset="0"/>
+              <a:buChar char="•"/>
+              <a:defRPr/>
+            </a:pPr>
+            <a:r>
+              <a:rPr lang="en-US" dirty="0" smtClean="0">
+                <a:ea typeface="+mn-ea"/>
+                <a:cs typeface="+mn-cs"/>
+              </a:rPr>
+              <a:t>Compression of indexes covered later</a:t>
+            </a:r>
+          </a:p>
+          <a:p>
+            <a:pPr eaLnBrk="1" fontAlgn="auto" hangingPunct="1">
+              <a:spcAft>
+                <a:spcPts val="0"/>
+              </a:spcAft>
+              <a:buFont typeface="Arial" pitchFamily="34" charset="0"/>
+              <a:buChar char="•"/>
+              <a:defRPr/>
+            </a:pPr>
+            <a:r>
+              <a:rPr lang="en-US" dirty="0" smtClean="0">
+                <a:ea typeface="+mn-ea"/>
+                <a:cs typeface="+mn-cs"/>
+              </a:rPr>
+              <a:t>Popular algorithms can compress HTML and XML text by 80%</a:t>
+            </a:r>
+          </a:p>
+          <a:p>
+            <a:pPr lvl="1" eaLnBrk="1" fontAlgn="auto" hangingPunct="1">
+              <a:spcAft>
+                <a:spcPts val="0"/>
+              </a:spcAft>
+              <a:buFont typeface="Arial" pitchFamily="34" charset="0"/>
+              <a:buChar char="–"/>
+              <a:defRPr/>
+            </a:pPr>
+            <a:r>
+              <a:rPr lang="en-US" dirty="0" smtClean="0">
+                <a:ea typeface="+mn-ea"/>
+              </a:rPr>
+              <a:t>e.g., DEFLATE (zip, </a:t>
+            </a:r>
+            <a:r>
+              <a:rPr lang="en-US" dirty="0" err="1" smtClean="0">
+                <a:ea typeface="+mn-ea"/>
+              </a:rPr>
+              <a:t>gzip</a:t>
+            </a:r>
+            <a:r>
+              <a:rPr lang="en-US" dirty="0" smtClean="0">
+                <a:ea typeface="+mn-ea"/>
+              </a:rPr>
+              <a:t>) and LZW (UNIX compress, PDF)</a:t>
+            </a:r>
+          </a:p>
+          <a:p>
+            <a:pPr lvl="1" eaLnBrk="1" fontAlgn="auto" hangingPunct="1">
+              <a:spcAft>
+                <a:spcPts val="0"/>
+              </a:spcAft>
+              <a:buFont typeface="Arial" pitchFamily="34" charset="0"/>
+              <a:buChar char="–"/>
+              <a:defRPr/>
+            </a:pPr>
+            <a:r>
+              <a:rPr lang="en-US" dirty="0" smtClean="0">
+                <a:ea typeface="+mn-ea"/>
+              </a:rPr>
+              <a:t>may compress large files in blocks to make access faster</a:t>
+            </a:r>
+            <a:endParaRPr lang="en-US" dirty="0">
+              <a:ea typeface="+mn-ea"/>
+            </a:endParaRPr>
+          </a:p>
+        </p:txBody>
+      </p:sp>
+    </p:spTree>
+  </p:cSld>
+  <p:clrMapOvr>
+    <a:masterClrMapping/>
+  </p:clrMapOvr>
+</p:sld>
+</file>
+
+<file path=ppt/slides/slide51.xml><?xml version="1.0" encoding="utf-8"?>
+<p:sld xmlns:a="http://schemas.openxmlformats.org/drawingml/2006/main" xmlns:r="http://schemas.openxmlformats.org/officeDocument/2006/relationships" xmlns:p="http://schemas.openxmlformats.org/presentationml/2006/main">
+  <p:cSld>
+    <p:spTree>
+      <p:nvGrpSpPr>
+        <p:cNvPr id="1" name=""/>
+        <p:cNvGrpSpPr/>
+        <p:nvPr/>
+      </p:nvGrpSpPr>
+      <p:grpSpPr>
+        <a:xfrm>
+          <a:off x="0" y="0"/>
+          <a:ext cx="0" cy="0"/>
+          <a:chOff x="0" y="0"/>
+          <a:chExt cx="0" cy="0"/>
+        </a:xfrm>
+      </p:grpSpPr>
+      <p:sp>
+        <p:nvSpPr>
           <p:cNvPr id="51201" name="Title 1"/>
           <p:cNvSpPr>
             <a:spLocks noGrp="1"/>
@@ -15886,7 +16671,7 @@
 </p:sld>
 </file>
 
-<file path=ppt/slides/slide51.xml><?xml version="1.0" encoding="utf-8"?>
+<file path=ppt/slides/slide52.xml><?xml version="1.0" encoding="utf-8"?>
 <p:sld xmlns:a="http://schemas.openxmlformats.org/drawingml/2006/main" xmlns:r="http://schemas.openxmlformats.org/officeDocument/2006/relationships" xmlns:p="http://schemas.openxmlformats.org/presentationml/2006/main">
   <p:cSld>
     <p:spTree>
@@ -16079,7 +16864,7 @@
 </p:sld>
 </file>
 
-<file path=ppt/slides/slide52.xml><?xml version="1.0" encoding="utf-8"?>
+<file path=ppt/slides/slide53.xml><?xml version="1.0" encoding="utf-8"?>
 <p:sld xmlns:a="http://schemas.openxmlformats.org/drawingml/2006/main" xmlns:r="http://schemas.openxmlformats.org/officeDocument/2006/relationships" xmlns:p="http://schemas.openxmlformats.org/presentationml/2006/main">
   <p:cSld>
     <p:spTree>
@@ -16225,180 +17010,6 @@
 </p:sld>
 </file>
 
-<file path=ppt/slides/slide53.xml><?xml version="1.0" encoding="utf-8"?>
-<p:sld xmlns:a="http://schemas.openxmlformats.org/drawingml/2006/main" xmlns:r="http://schemas.openxmlformats.org/officeDocument/2006/relationships" xmlns:p="http://schemas.openxmlformats.org/presentationml/2006/main">
-  <p:cSld>
-    <p:spTree>
-      <p:nvGrpSpPr>
-        <p:cNvPr id="1" name=""/>
-        <p:cNvGrpSpPr/>
-        <p:nvPr/>
-      </p:nvGrpSpPr>
-      <p:grpSpPr>
-        <a:xfrm>
-          <a:off x="0" y="0"/>
-          <a:ext cx="0" cy="0"/>
-          <a:chOff x="0" y="0"/>
-          <a:chExt cx="0" cy="0"/>
-        </a:xfrm>
-      </p:grpSpPr>
-      <p:sp>
-        <p:nvSpPr>
-          <p:cNvPr id="54273" name="Title 1"/>
-          <p:cNvSpPr>
-            <a:spLocks noGrp="1"/>
-          </p:cNvSpPr>
-          <p:nvPr>
-            <p:ph type="title"/>
-          </p:nvPr>
-        </p:nvSpPr>
-        <p:spPr/>
-        <p:txBody>
-          <a:bodyPr/>
-          <a:lstStyle/>
-          <a:p>
-            <a:pPr eaLnBrk="1" hangingPunct="1"/>
-            <a:r>
-              <a:rPr lang="en-US" smtClean="0"/>
-              <a:t>BigTable</a:t>
-            </a:r>
-          </a:p>
-        </p:txBody>
-      </p:sp>
-      <p:sp>
-        <p:nvSpPr>
-          <p:cNvPr id="3" name="Content Placeholder 2"/>
-          <p:cNvSpPr>
-            <a:spLocks noGrp="1"/>
-          </p:cNvSpPr>
-          <p:nvPr>
-            <p:ph idx="1"/>
-          </p:nvPr>
-        </p:nvSpPr>
-        <p:spPr/>
-        <p:txBody>
-          <a:bodyPr rtlCol="0">
-            <a:normAutofit lnSpcReduction="10000"/>
-          </a:bodyPr>
-          <a:lstStyle/>
-          <a:p>
-            <a:pPr eaLnBrk="1" fontAlgn="auto" hangingPunct="1">
-              <a:spcAft>
-                <a:spcPts val="0"/>
-              </a:spcAft>
-              <a:buFont typeface="Arial" pitchFamily="34" charset="0"/>
-              <a:buChar char="•"/>
-              <a:defRPr/>
-            </a:pPr>
-            <a:r>
-              <a:rPr lang="en-US" dirty="0" err="1" smtClean="0">
-                <a:ea typeface="+mn-ea"/>
-                <a:cs typeface="+mn-cs"/>
-              </a:rPr>
-              <a:t>BigTable</a:t>
-            </a:r>
-            <a:r>
-              <a:rPr lang="en-US" dirty="0" smtClean="0">
-                <a:ea typeface="+mn-ea"/>
-                <a:cs typeface="+mn-cs"/>
-              </a:rPr>
-              <a:t> can have a huge number of columns per row</a:t>
-            </a:r>
-          </a:p>
-          <a:p>
-            <a:pPr lvl="1" eaLnBrk="1" fontAlgn="auto" hangingPunct="1">
-              <a:spcAft>
-                <a:spcPts val="0"/>
-              </a:spcAft>
-              <a:buFont typeface="Arial" pitchFamily="34" charset="0"/>
-              <a:buChar char="–"/>
-              <a:defRPr/>
-            </a:pPr>
-            <a:r>
-              <a:rPr lang="en-US" dirty="0" smtClean="0">
-                <a:ea typeface="+mn-ea"/>
-              </a:rPr>
-              <a:t>all rows have the same column groups</a:t>
-            </a:r>
-          </a:p>
-          <a:p>
-            <a:pPr lvl="1" eaLnBrk="1" fontAlgn="auto" hangingPunct="1">
-              <a:spcAft>
-                <a:spcPts val="0"/>
-              </a:spcAft>
-              <a:buFont typeface="Arial" pitchFamily="34" charset="0"/>
-              <a:buChar char="–"/>
-              <a:defRPr/>
-            </a:pPr>
-            <a:r>
-              <a:rPr lang="en-US" dirty="0" smtClean="0">
-                <a:ea typeface="+mn-ea"/>
-              </a:rPr>
-              <a:t>not all rows have the same columns</a:t>
-            </a:r>
-          </a:p>
-          <a:p>
-            <a:pPr lvl="1" eaLnBrk="1" fontAlgn="auto" hangingPunct="1">
-              <a:spcAft>
-                <a:spcPts val="0"/>
-              </a:spcAft>
-              <a:buFont typeface="Arial" pitchFamily="34" charset="0"/>
-              <a:buChar char="–"/>
-              <a:defRPr/>
-            </a:pPr>
-            <a:r>
-              <a:rPr lang="en-US" dirty="0" smtClean="0">
-                <a:ea typeface="+mn-ea"/>
-              </a:rPr>
-              <a:t>important for reducing disk reads to access document data</a:t>
-            </a:r>
-          </a:p>
-          <a:p>
-            <a:pPr eaLnBrk="1" fontAlgn="auto" hangingPunct="1">
-              <a:spcAft>
-                <a:spcPts val="0"/>
-              </a:spcAft>
-              <a:buFont typeface="Arial" pitchFamily="34" charset="0"/>
-              <a:buChar char="•"/>
-              <a:defRPr/>
-            </a:pPr>
-            <a:r>
-              <a:rPr lang="en-US" dirty="0" smtClean="0">
-                <a:ea typeface="+mn-ea"/>
-                <a:cs typeface="+mn-cs"/>
-              </a:rPr>
-              <a:t>Rows are partitioned into tablets based on their row keys</a:t>
-            </a:r>
-          </a:p>
-          <a:p>
-            <a:pPr lvl="1" eaLnBrk="1" fontAlgn="auto" hangingPunct="1">
-              <a:spcAft>
-                <a:spcPts val="0"/>
-              </a:spcAft>
-              <a:buFont typeface="Arial" pitchFamily="34" charset="0"/>
-              <a:buChar char="–"/>
-              <a:defRPr/>
-            </a:pPr>
-            <a:r>
-              <a:rPr lang="en-US" dirty="0" smtClean="0">
-                <a:ea typeface="+mn-ea"/>
-              </a:rPr>
-              <a:t>simplifies determining which server is appropriate</a:t>
-            </a:r>
-            <a:endParaRPr lang="en-US" dirty="0">
-              <a:ea typeface="+mn-ea"/>
-            </a:endParaRPr>
-          </a:p>
-        </p:txBody>
-      </p:sp>
-    </p:spTree>
-  </p:cSld>
-  <p:clrMapOvr>
-    <a:masterClrMapping/>
-  </p:clrMapOvr>
-</p:sld>
-</file>
-
 <file path=ppt/slides/slide54.xml><?xml version="1.0" encoding="utf-8"?>
 <p:sld xmlns:a="http://schemas.openxmlformats.org/drawingml/2006/main" xmlns:r="http://schemas.openxmlformats.org/officeDocument/2006/relationships" xmlns:p="http://schemas.openxmlformats.org/presentationml/2006/main">
   <p:cSld>
@@ -16418,7 +17029,7 @@
       </p:grpSpPr>
       <p:sp>
         <p:nvSpPr>
-          <p:cNvPr id="55297" name="Title 1"/>
+          <p:cNvPr id="54273" name="Title 1"/>
           <p:cNvSpPr>
             <a:spLocks noGrp="1"/>
           </p:cNvSpPr>
@@ -16434,14 +17045,14 @@
             <a:pPr eaLnBrk="1" hangingPunct="1"/>
             <a:r>
               <a:rPr lang="en-US" smtClean="0"/>
-              <a:t>Detecting Duplicates</a:t>
-            </a:r>
-          </a:p>
-        </p:txBody>
-      </p:sp>
-      <p:sp>
-        <p:nvSpPr>
-          <p:cNvPr id="55298" name="Content Placeholder 2"/>
+              <a:t>BigTable</a:t>
+            </a:r>
+          </a:p>
+        </p:txBody>
+      </p:sp>
+      <p:sp>
+        <p:nvSpPr>
+          <p:cNvPr id="3" name="Content Placeholder 2"/>
           <p:cNvSpPr>
             <a:spLocks noGrp="1"/>
           </p:cNvSpPr>
@@ -16451,72 +17062,117 @@
         </p:nvSpPr>
         <p:spPr/>
         <p:txBody>
-          <a:bodyPr/>
+          <a:bodyPr rtlCol="0">
+            <a:normAutofit lnSpcReduction="10000"/>
+          </a:bodyPr>
           <a:lstStyle/>
           <a:p>
-            <a:pPr eaLnBrk="1" hangingPunct="1"/>
-            <a:r>
-              <a:rPr lang="en-US" smtClean="0"/>
-              <a:t>Duplicate and near-duplicate documents occur in many situations</a:t>
-            </a:r>
-          </a:p>
-          <a:p>
-            <a:pPr lvl="1" eaLnBrk="1" hangingPunct="1"/>
-            <a:r>
-              <a:rPr lang="en-US" smtClean="0"/>
-              <a:t>Copies, versions, plagiarism, spam, mirror sites</a:t>
-            </a:r>
-          </a:p>
-          <a:p>
-            <a:pPr lvl="1" eaLnBrk="1" hangingPunct="1"/>
-            <a:r>
-              <a:rPr lang="en-US" smtClean="0"/>
-              <a:t>30% of the web pages in a large crawl are exact or near duplicates of pages in the other 70%</a:t>
-            </a:r>
-          </a:p>
-          <a:p>
-            <a:pPr eaLnBrk="1" hangingPunct="1"/>
-            <a:r>
-              <a:rPr lang="en-US" smtClean="0"/>
-              <a:t>Duplicates consume significant resources during crawling, indexing, and search</a:t>
-            </a:r>
-          </a:p>
-          <a:p>
-            <a:pPr lvl="1" eaLnBrk="1" hangingPunct="1"/>
-            <a:r>
-              <a:rPr lang="en-US" smtClean="0"/>
-              <a:t>Little value to most users</a:t>
-            </a:r>
-          </a:p>
-          <a:p>
-            <a:pPr lvl="1" eaLnBrk="1" hangingPunct="1"/>
-            <a:r>
-              <a:rPr lang="en-US" smtClean="0"/>
-              <a:t> </a:t>
-            </a:r>
-            <a:r>
-              <a:rPr lang="en-US" smtClean="0">
-                <a:solidFill>
-                  <a:schemeClr val="accent2"/>
-                </a:solidFill>
-              </a:rPr>
-              <a:t>MLN edit:</a:t>
-            </a:r>
-            <a:r>
-              <a:rPr lang="en-US" smtClean="0"/>
-              <a:t> (near-)duplicates can replace 404s  </a:t>
-            </a:r>
-            <a:r>
-              <a:rPr lang="en-US" sz="2000" smtClean="0">
-                <a:hlinkClick r:id="rId2"/>
-              </a:rPr>
-              <a:t>http://ws-dl.blogspot.com/2011/09/2011-09-14-dissertation-completed.html</a:t>
-            </a:r>
-            <a:r>
-              <a:rPr lang="en-US" sz="2000" smtClean="0"/>
-              <a:t> </a:t>
-            </a:r>
-            <a:endParaRPr lang="en-US" smtClean="0"/>
+            <a:pPr eaLnBrk="1" fontAlgn="auto" hangingPunct="1">
+              <a:spcAft>
+                <a:spcPts val="0"/>
+              </a:spcAft>
+              <a:buFont typeface="Arial" pitchFamily="34" charset="0"/>
+              <a:buChar char="•"/>
+              <a:defRPr/>
+            </a:pPr>
+            <a:r>
+              <a:rPr lang="en-US" dirty="0" err="1" smtClean="0">
+                <a:ea typeface="+mn-ea"/>
+                <a:cs typeface="+mn-cs"/>
+              </a:rPr>
+              <a:t>BigTable</a:t>
+            </a:r>
+            <a:r>
+              <a:rPr lang="en-US" dirty="0" smtClean="0">
+                <a:ea typeface="+mn-ea"/>
+                <a:cs typeface="+mn-cs"/>
+              </a:rPr>
+              <a:t> can have a huge number of columns per row</a:t>
+            </a:r>
+          </a:p>
+          <a:p>
+            <a:pPr lvl="1" eaLnBrk="1" fontAlgn="auto" hangingPunct="1">
+              <a:spcAft>
+                <a:spcPts val="0"/>
+              </a:spcAft>
+              <a:buFont typeface="Arial" pitchFamily="34" charset="0"/>
+              <a:buChar char="–"/>
+              <a:defRPr/>
+            </a:pPr>
+            <a:r>
+              <a:rPr lang="en-US" dirty="0" smtClean="0">
+                <a:ea typeface="+mn-ea"/>
+              </a:rPr>
+              <a:t>all rows have the same column groups</a:t>
+            </a:r>
+          </a:p>
+          <a:p>
+            <a:pPr lvl="1" eaLnBrk="1" fontAlgn="auto" hangingPunct="1">
+              <a:spcAft>
+                <a:spcPts val="0"/>
+              </a:spcAft>
+              <a:buFont typeface="Arial" pitchFamily="34" charset="0"/>
+              <a:buChar char="–"/>
+              <a:defRPr/>
+            </a:pPr>
+            <a:r>
+              <a:rPr lang="en-US" dirty="0" smtClean="0">
+                <a:ea typeface="+mn-ea"/>
+              </a:rPr>
+              <a:t>not all rows have the same columns</a:t>
+            </a:r>
+          </a:p>
+          <a:p>
+            <a:pPr lvl="1" eaLnBrk="1" fontAlgn="auto" hangingPunct="1">
+              <a:spcAft>
+                <a:spcPts val="0"/>
+              </a:spcAft>
+              <a:buFont typeface="Arial" pitchFamily="34" charset="0"/>
+              <a:buChar char="–"/>
+              <a:defRPr/>
+            </a:pPr>
+            <a:r>
+              <a:rPr lang="en-US" dirty="0" smtClean="0">
+                <a:ea typeface="+mn-ea"/>
+              </a:rPr>
+              <a:t>important for reducing disk reads to access document data</a:t>
+            </a:r>
+          </a:p>
+          <a:p>
+            <a:pPr eaLnBrk="1" fontAlgn="auto" hangingPunct="1">
+              <a:spcAft>
+                <a:spcPts val="0"/>
+              </a:spcAft>
+              <a:buFont typeface="Arial" pitchFamily="34" charset="0"/>
+              <a:buChar char="•"/>
+              <a:defRPr/>
+            </a:pPr>
+            <a:r>
+              <a:rPr lang="en-US" dirty="0" smtClean="0">
+                <a:ea typeface="+mn-ea"/>
+                <a:cs typeface="+mn-cs"/>
+              </a:rPr>
+              <a:t>Rows are partitioned into tablets based on their row keys</a:t>
+            </a:r>
+          </a:p>
+          <a:p>
+            <a:pPr lvl="1" eaLnBrk="1" fontAlgn="auto" hangingPunct="1">
+              <a:spcAft>
+                <a:spcPts val="0"/>
+              </a:spcAft>
+              <a:buFont typeface="Arial" pitchFamily="34" charset="0"/>
+              <a:buChar char="–"/>
+              <a:defRPr/>
+            </a:pPr>
+            <a:r>
+              <a:rPr lang="en-US" dirty="0" smtClean="0">
+                <a:ea typeface="+mn-ea"/>
+              </a:rPr>
+              <a:t>simplifies determining which server is appropriate</a:t>
+            </a:r>
+            <a:endParaRPr lang="en-US" dirty="0">
+              <a:ea typeface="+mn-ea"/>
+            </a:endParaRPr>
           </a:p>
         </p:txBody>
       </p:sp>
@@ -16529,6 +17185,135 @@
 </file>
 
 <file path=ppt/slides/slide55.xml><?xml version="1.0" encoding="utf-8"?>
+<p:sld xmlns:a="http://schemas.openxmlformats.org/drawingml/2006/main" xmlns:r="http://schemas.openxmlformats.org/officeDocument/2006/relationships" xmlns:p="http://schemas.openxmlformats.org/presentationml/2006/main">
+  <p:cSld>
+    <p:spTree>
+      <p:nvGrpSpPr>
+        <p:cNvPr id="1" name=""/>
+        <p:cNvGrpSpPr/>
+        <p:nvPr/>
+      </p:nvGrpSpPr>
+      <p:grpSpPr>
+        <a:xfrm>
+          <a:off x="0" y="0"/>
+          <a:ext cx="0" cy="0"/>
+          <a:chOff x="0" y="0"/>
+          <a:chExt cx="0" cy="0"/>
+        </a:xfrm>
+      </p:grpSpPr>
+      <p:sp>
+        <p:nvSpPr>
+          <p:cNvPr id="55297" name="Title 1"/>
+          <p:cNvSpPr>
+            <a:spLocks noGrp="1"/>
+          </p:cNvSpPr>
+          <p:nvPr>
+            <p:ph type="title"/>
+          </p:nvPr>
+        </p:nvSpPr>
+        <p:spPr/>
+        <p:txBody>
+          <a:bodyPr/>
+          <a:lstStyle/>
+          <a:p>
+            <a:pPr eaLnBrk="1" hangingPunct="1"/>
+            <a:r>
+              <a:rPr lang="en-US" smtClean="0"/>
+              <a:t>Detecting Duplicates</a:t>
+            </a:r>
+          </a:p>
+        </p:txBody>
+      </p:sp>
+      <p:sp>
+        <p:nvSpPr>
+          <p:cNvPr id="55298" name="Content Placeholder 2"/>
+          <p:cNvSpPr>
+            <a:spLocks noGrp="1"/>
+          </p:cNvSpPr>
+          <p:nvPr>
+            <p:ph idx="1"/>
+          </p:nvPr>
+        </p:nvSpPr>
+        <p:spPr/>
+        <p:txBody>
+          <a:bodyPr/>
+          <a:lstStyle/>
+          <a:p>
+            <a:pPr eaLnBrk="1" hangingPunct="1"/>
+            <a:r>
+              <a:rPr lang="en-US" smtClean="0"/>
+              <a:t>Duplicate and near-duplicate documents occur in many situations</a:t>
+            </a:r>
+          </a:p>
+          <a:p>
+            <a:pPr lvl="1" eaLnBrk="1" hangingPunct="1"/>
+            <a:r>
+              <a:rPr lang="en-US" smtClean="0"/>
+              <a:t>Copies, versions, plagiarism, spam, mirror sites</a:t>
+            </a:r>
+          </a:p>
+          <a:p>
+            <a:pPr lvl="1" eaLnBrk="1" hangingPunct="1"/>
+            <a:r>
+              <a:rPr lang="en-US" smtClean="0"/>
+              <a:t>30% of the web pages in a large crawl are exact or near duplicates of pages in the other 70%</a:t>
+            </a:r>
+          </a:p>
+          <a:p>
+            <a:pPr eaLnBrk="1" hangingPunct="1"/>
+            <a:r>
+              <a:rPr lang="en-US" smtClean="0"/>
+              <a:t>Duplicates consume significant resources during crawling, indexing, and search</a:t>
+            </a:r>
+          </a:p>
+          <a:p>
+            <a:pPr lvl="1" eaLnBrk="1" hangingPunct="1"/>
+            <a:r>
+              <a:rPr lang="en-US" smtClean="0"/>
+              <a:t>Little value to most users</a:t>
+            </a:r>
+          </a:p>
+          <a:p>
+            <a:pPr lvl="1" eaLnBrk="1" hangingPunct="1"/>
+            <a:r>
+              <a:rPr lang="en-US" smtClean="0"/>
+              <a:t> </a:t>
+            </a:r>
+            <a:r>
+              <a:rPr lang="en-US" smtClean="0">
+                <a:solidFill>
+                  <a:schemeClr val="accent2"/>
+                </a:solidFill>
+              </a:rPr>
+              <a:t>MLN edit:</a:t>
+            </a:r>
+            <a:r>
+              <a:rPr lang="en-US" smtClean="0"/>
+              <a:t> (near-)duplicates can replace 404s  </a:t>
+            </a:r>
+            <a:r>
+              <a:rPr lang="en-US" sz="2000" smtClean="0">
+                <a:hlinkClick r:id="rId2"/>
+              </a:rPr>
+              <a:t>http://ws-dl.blogspot.com/2011/09/2011-09-14-dissertation-completed.html</a:t>
+            </a:r>
+            <a:r>
+              <a:rPr lang="en-US" sz="2000" smtClean="0"/>
+              <a:t> </a:t>
+            </a:r>
+            <a:endParaRPr lang="en-US" smtClean="0"/>
+          </a:p>
+        </p:txBody>
+      </p:sp>
+    </p:spTree>
+  </p:cSld>
+  <p:clrMapOvr>
+    <a:masterClrMapping/>
+  </p:clrMapOvr>
+</p:sld>
+</file>
+
+<file path=ppt/slides/slide56.xml><?xml version="1.0" encoding="utf-8"?>
 <p:sld xmlns:a="http://schemas.openxmlformats.org/drawingml/2006/main" xmlns:r="http://schemas.openxmlformats.org/officeDocument/2006/relationships" xmlns:p="http://schemas.openxmlformats.org/presentationml/2006/main">
   <p:cSld>
     <p:spTree>
@@ -16792,182 +17577,6 @@
 </p:sld>
 </file>
 
-<file path=ppt/slides/slide56.xml><?xml version="1.0" encoding="utf-8"?>
-<p:sld xmlns:a="http://schemas.openxmlformats.org/drawingml/2006/main" xmlns:r="http://schemas.openxmlformats.org/officeDocument/2006/relationships" xmlns:p="http://schemas.openxmlformats.org/presentationml/2006/main">
-  <p:cSld>
-    <p:spTree>
-      <p:nvGrpSpPr>
-        <p:cNvPr id="1" name=""/>
-        <p:cNvGrpSpPr/>
-        <p:nvPr/>
-      </p:nvGrpSpPr>
-      <p:grpSpPr>
-        <a:xfrm>
-          <a:off x="0" y="0"/>
-          <a:ext cx="0" cy="0"/>
-          <a:chOff x="0" y="0"/>
-          <a:chExt cx="0" cy="0"/>
-        </a:xfrm>
-      </p:grpSpPr>
-      <p:sp>
-        <p:nvSpPr>
-          <p:cNvPr id="57345" name="Title 1"/>
-          <p:cNvSpPr>
-            <a:spLocks noGrp="1"/>
-          </p:cNvSpPr>
-          <p:nvPr>
-            <p:ph type="title"/>
-          </p:nvPr>
-        </p:nvSpPr>
-        <p:spPr/>
-        <p:txBody>
-          <a:bodyPr/>
-          <a:lstStyle/>
-          <a:p>
-            <a:pPr eaLnBrk="1" hangingPunct="1"/>
-            <a:r>
-              <a:rPr lang="en-US" smtClean="0"/>
-              <a:t>Near-Duplicate Detection</a:t>
-            </a:r>
-          </a:p>
-        </p:txBody>
-      </p:sp>
-      <p:sp>
-        <p:nvSpPr>
-          <p:cNvPr id="57346" name="Content Placeholder 2"/>
-          <p:cNvSpPr>
-            <a:spLocks noGrp="1"/>
-          </p:cNvSpPr>
-          <p:nvPr>
-            <p:ph idx="1"/>
-          </p:nvPr>
-        </p:nvSpPr>
-        <p:spPr>
-          <a:xfrm>
-            <a:off x="533400" y="1524000"/>
-            <a:ext cx="8229600" cy="4876800"/>
-          </a:xfrm>
-        </p:spPr>
-        <p:txBody>
-          <a:bodyPr/>
-          <a:lstStyle/>
-          <a:p>
-            <a:pPr eaLnBrk="1" hangingPunct="1"/>
-            <a:r>
-              <a:rPr lang="en-US" smtClean="0"/>
-              <a:t>More challenging task</a:t>
-            </a:r>
-          </a:p>
-          <a:p>
-            <a:pPr lvl="1" eaLnBrk="1" hangingPunct="1"/>
-            <a:r>
-              <a:rPr lang="en-US" smtClean="0"/>
-              <a:t>Are web pages with same text context but different advertising or format near-duplicates?</a:t>
-            </a:r>
-          </a:p>
-          <a:p>
-            <a:pPr eaLnBrk="1" hangingPunct="1"/>
-            <a:r>
-              <a:rPr lang="en-US" smtClean="0"/>
-              <a:t>A near-duplicate document is defined using a threshold value for some similarity measure between pairs of documents</a:t>
-            </a:r>
-          </a:p>
-          <a:p>
-            <a:pPr lvl="1" eaLnBrk="1" hangingPunct="1"/>
-            <a:r>
-              <a:rPr lang="en-US" smtClean="0"/>
-              <a:t>e.g., document </a:t>
-            </a:r>
-            <a:r>
-              <a:rPr lang="en-US" i="1" smtClean="0"/>
-              <a:t>D1 </a:t>
-            </a:r>
-            <a:r>
-              <a:rPr lang="en-US" smtClean="0"/>
-              <a:t>is a near-duplicate of document </a:t>
-            </a:r>
-            <a:r>
-              <a:rPr lang="en-US" i="1" smtClean="0"/>
-              <a:t>D2 </a:t>
-            </a:r>
-            <a:r>
-              <a:rPr lang="en-US" smtClean="0"/>
-              <a:t>if more than 90% of the words in the documents are the same</a:t>
-            </a:r>
-          </a:p>
-        </p:txBody>
-      </p:sp>
-      <p:sp>
-        <p:nvSpPr>
-          <p:cNvPr id="2" name="TextBox 1"/>
-          <p:cNvSpPr txBox="1"/>
-          <p:nvPr/>
-        </p:nvSpPr>
-        <p:spPr>
-          <a:xfrm>
-            <a:off x="2267744" y="6237312"/>
-            <a:ext cx="4597245" cy="400110"/>
-          </a:xfrm>
-          <a:prstGeom prst="rect">
-            <a:avLst/>
-          </a:prstGeom>
-          <a:noFill/>
-          <a:ln>
-            <a:solidFill>
-              <a:srgbClr val="DF1B16"/>
-            </a:solidFill>
-          </a:ln>
-        </p:spPr>
-        <p:txBody>
-          <a:bodyPr wrap="none" rtlCol="0">
-            <a:spAutoFit/>
-          </a:bodyPr>
-          <a:lstStyle/>
-          <a:p>
-            <a:r>
-              <a:rPr lang="en-US" sz="1000" dirty="0" smtClean="0"/>
-              <a:t>Opposite but related problem: discovering when pages go “off-topic” </a:t>
-            </a:r>
-          </a:p>
-          <a:p>
-            <a:r>
-              <a:rPr lang="en-US" sz="1000" dirty="0" smtClean="0"/>
-              <a:t>See: </a:t>
-            </a:r>
-            <a:r>
-              <a:rPr lang="en-US" sz="1000" dirty="0" smtClean="0">
-                <a:hlinkClick r:id="rId2"/>
-              </a:rPr>
-              <a:t>http</a:t>
-            </a:r>
-            <a:r>
-              <a:rPr lang="en-US" sz="1000" dirty="0">
-                <a:hlinkClick r:id="rId2"/>
-              </a:rPr>
-              <a:t>://ws-dl.blogspot.com/2015/08/2015-08-20-odu-l3s-stanford-</a:t>
-            </a:r>
-            <a:r>
-              <a:rPr lang="en-US" sz="1000" dirty="0" smtClean="0">
-                <a:hlinkClick r:id="rId2"/>
-              </a:rPr>
-              <a:t>and.html</a:t>
-            </a:r>
-            <a:r>
-              <a:rPr lang="en-US" sz="1000" dirty="0" smtClean="0"/>
-              <a:t> </a:t>
-            </a:r>
-            <a:endParaRPr lang="en-US" sz="1000" dirty="0"/>
-          </a:p>
-        </p:txBody>
-      </p:sp>
-    </p:spTree>
-  </p:cSld>
-  <p:clrMapOvr>
-    <a:masterClrMapping/>
-  </p:clrMapOvr>
-</p:sld>
-</file>
-
 <file path=ppt/slides/slide57.xml><?xml version="1.0" encoding="utf-8"?>
 <p:sld xmlns:a="http://schemas.openxmlformats.org/drawingml/2006/main" xmlns:r="http://schemas.openxmlformats.org/officeDocument/2006/relationships" xmlns:p="http://schemas.openxmlformats.org/presentationml/2006/main">
   <p:cSld>
@@ -16987,7 +17596,7 @@
       </p:grpSpPr>
       <p:sp>
         <p:nvSpPr>
-          <p:cNvPr id="58369" name="Title 1"/>
+          <p:cNvPr id="57345" name="Title 1"/>
           <p:cNvSpPr>
             <a:spLocks noGrp="1"/>
           </p:cNvSpPr>
@@ -17010,7 +17619,7 @@
       </p:sp>
       <p:sp>
         <p:nvSpPr>
-          <p:cNvPr id="3" name="Content Placeholder 2"/>
+          <p:cNvPr id="57346" name="Content Placeholder 2"/>
           <p:cNvSpPr>
             <a:spLocks noGrp="1"/>
           </p:cNvSpPr>
@@ -17020,204 +17629,119 @@
         </p:nvSpPr>
         <p:spPr>
           <a:xfrm>
-            <a:off x="457200" y="1600200"/>
-            <a:ext cx="8229600" cy="5029200"/>
+            <a:off x="533400" y="1524000"/>
+            <a:ext cx="8229600" cy="4876800"/>
           </a:xfrm>
         </p:spPr>
         <p:txBody>
-          <a:bodyPr rtlCol="0">
-            <a:normAutofit lnSpcReduction="10000"/>
+          <a:bodyPr/>
+          <a:lstStyle/>
+          <a:p>
+            <a:pPr eaLnBrk="1" hangingPunct="1"/>
+            <a:r>
+              <a:rPr lang="en-US" smtClean="0"/>
+              <a:t>More challenging task</a:t>
+            </a:r>
+          </a:p>
+          <a:p>
+            <a:pPr lvl="1" eaLnBrk="1" hangingPunct="1"/>
+            <a:r>
+              <a:rPr lang="en-US" smtClean="0"/>
+              <a:t>Are web pages with same text context but different advertising or format near-duplicates?</a:t>
+            </a:r>
+          </a:p>
+          <a:p>
+            <a:pPr eaLnBrk="1" hangingPunct="1"/>
+            <a:r>
+              <a:rPr lang="en-US" smtClean="0"/>
+              <a:t>A near-duplicate document is defined using a threshold value for some similarity measure between pairs of documents</a:t>
+            </a:r>
+          </a:p>
+          <a:p>
+            <a:pPr lvl="1" eaLnBrk="1" hangingPunct="1"/>
+            <a:r>
+              <a:rPr lang="en-US" smtClean="0"/>
+              <a:t>e.g., document </a:t>
+            </a:r>
+            <a:r>
+              <a:rPr lang="en-US" i="1" smtClean="0"/>
+              <a:t>D1 </a:t>
+            </a:r>
+            <a:r>
+              <a:rPr lang="en-US" smtClean="0"/>
+              <a:t>is a near-duplicate of document </a:t>
+            </a:r>
+            <a:r>
+              <a:rPr lang="en-US" i="1" smtClean="0"/>
+              <a:t>D2 </a:t>
+            </a:r>
+            <a:r>
+              <a:rPr lang="en-US" smtClean="0"/>
+              <a:t>if more than 90% of the words in the documents are the same</a:t>
+            </a:r>
+          </a:p>
+        </p:txBody>
+      </p:sp>
+      <p:sp>
+        <p:nvSpPr>
+          <p:cNvPr id="2" name="TextBox 1"/>
+          <p:cNvSpPr txBox="1"/>
+          <p:nvPr/>
+        </p:nvSpPr>
+        <p:spPr>
+          <a:xfrm>
+            <a:off x="2267744" y="6237312"/>
+            <a:ext cx="4597245" cy="400110"/>
+          </a:xfrm>
+          <a:prstGeom prst="rect">
+            <a:avLst/>
+          </a:prstGeom>
+          <a:noFill/>
+          <a:ln>
+            <a:solidFill>
+              <a:srgbClr val="DF1B16"/>
+            </a:solidFill>
+          </a:ln>
+        </p:spPr>
+        <p:txBody>
+          <a:bodyPr wrap="none" rtlCol="0">
+            <a:spAutoFit/>
           </a:bodyPr>
           <a:lstStyle/>
           <a:p>
-            <a:pPr eaLnBrk="1" fontAlgn="auto" hangingPunct="1">
-              <a:spcAft>
-                <a:spcPts val="0"/>
-              </a:spcAft>
-              <a:buFont typeface="Arial" pitchFamily="34" charset="0"/>
-              <a:buChar char="•"/>
-              <a:defRPr/>
-            </a:pPr>
-            <a:r>
-              <a:rPr lang="en-US" i="1" dirty="0" smtClean="0">
-                <a:ea typeface="+mn-ea"/>
-                <a:cs typeface="+mn-cs"/>
-              </a:rPr>
-              <a:t>Search</a:t>
-            </a:r>
-            <a:r>
-              <a:rPr lang="en-US" dirty="0" smtClean="0">
-                <a:ea typeface="+mn-ea"/>
-                <a:cs typeface="+mn-cs"/>
-              </a:rPr>
-              <a:t>: </a:t>
-            </a:r>
-          </a:p>
-          <a:p>
-            <a:pPr lvl="1" eaLnBrk="1" fontAlgn="auto" hangingPunct="1">
-              <a:spcAft>
-                <a:spcPts val="0"/>
-              </a:spcAft>
-              <a:buFont typeface="Arial" pitchFamily="34" charset="0"/>
-              <a:buChar char="–"/>
-              <a:defRPr/>
-            </a:pPr>
-            <a:r>
-              <a:rPr lang="en-US" dirty="0" smtClean="0">
-                <a:ea typeface="+mn-ea"/>
-              </a:rPr>
-              <a:t>find near-duplicates of a document </a:t>
-            </a:r>
-            <a:r>
-              <a:rPr lang="en-US" i="1" dirty="0" smtClean="0">
-                <a:ea typeface="+mn-ea"/>
-              </a:rPr>
-              <a:t>D</a:t>
-            </a:r>
-          </a:p>
-          <a:p>
-            <a:pPr lvl="1" eaLnBrk="1" fontAlgn="auto" hangingPunct="1">
-              <a:spcAft>
-                <a:spcPts val="0"/>
-              </a:spcAft>
-              <a:buFont typeface="Arial" pitchFamily="34" charset="0"/>
-              <a:buChar char="–"/>
-              <a:defRPr/>
-            </a:pPr>
-            <a:r>
-              <a:rPr lang="en-US" i="1" dirty="0" smtClean="0">
-                <a:ea typeface="+mn-ea"/>
-              </a:rPr>
-              <a:t>O(N)</a:t>
-            </a:r>
-            <a:r>
-              <a:rPr lang="en-US" dirty="0" smtClean="0">
-                <a:ea typeface="+mn-ea"/>
-              </a:rPr>
-              <a:t> comparisons required</a:t>
-            </a:r>
-          </a:p>
-          <a:p>
-            <a:pPr eaLnBrk="1" fontAlgn="auto" hangingPunct="1">
-              <a:spcAft>
-                <a:spcPts val="0"/>
-              </a:spcAft>
-              <a:buFont typeface="Arial" pitchFamily="34" charset="0"/>
-              <a:buChar char="•"/>
-              <a:defRPr/>
-            </a:pPr>
-            <a:r>
-              <a:rPr lang="en-US" i="1" dirty="0" smtClean="0">
-                <a:ea typeface="+mn-ea"/>
-                <a:cs typeface="+mn-cs"/>
-              </a:rPr>
-              <a:t>Discovery</a:t>
-            </a:r>
-            <a:r>
-              <a:rPr lang="en-US" dirty="0" smtClean="0">
-                <a:ea typeface="+mn-ea"/>
-                <a:cs typeface="+mn-cs"/>
-              </a:rPr>
-              <a:t>: </a:t>
-            </a:r>
-          </a:p>
-          <a:p>
-            <a:pPr lvl="1" eaLnBrk="1" fontAlgn="auto" hangingPunct="1">
-              <a:spcAft>
-                <a:spcPts val="0"/>
-              </a:spcAft>
-              <a:buFont typeface="Arial" pitchFamily="34" charset="0"/>
-              <a:buChar char="–"/>
-              <a:defRPr/>
-            </a:pPr>
-            <a:r>
-              <a:rPr lang="en-US" dirty="0" smtClean="0">
-                <a:ea typeface="+mn-ea"/>
-              </a:rPr>
-              <a:t>find all pairs of near-duplicate documents in the collection</a:t>
-            </a:r>
-          </a:p>
-          <a:p>
-            <a:pPr lvl="1" eaLnBrk="1" fontAlgn="auto" hangingPunct="1">
-              <a:spcAft>
-                <a:spcPts val="0"/>
-              </a:spcAft>
-              <a:buFont typeface="Arial" pitchFamily="34" charset="0"/>
-              <a:buChar char="–"/>
-              <a:defRPr/>
-            </a:pPr>
-            <a:r>
-              <a:rPr lang="en-US" i="1" dirty="0" smtClean="0">
-                <a:ea typeface="+mn-ea"/>
-              </a:rPr>
-              <a:t>O(N</a:t>
-            </a:r>
-            <a:r>
-              <a:rPr lang="en-US" i="1" baseline="30000" dirty="0" smtClean="0">
-                <a:ea typeface="+mn-ea"/>
-              </a:rPr>
-              <a:t>2</a:t>
-            </a:r>
-            <a:r>
-              <a:rPr lang="en-US" i="1" dirty="0" smtClean="0">
-                <a:ea typeface="+mn-ea"/>
-              </a:rPr>
-              <a:t>)</a:t>
-            </a:r>
-            <a:r>
-              <a:rPr lang="en-US" dirty="0" smtClean="0">
-                <a:ea typeface="+mn-ea"/>
-              </a:rPr>
-              <a:t> comparisons</a:t>
-            </a:r>
-          </a:p>
-          <a:p>
-            <a:pPr eaLnBrk="1" fontAlgn="auto" hangingPunct="1">
-              <a:spcAft>
-                <a:spcPts val="0"/>
-              </a:spcAft>
-              <a:buFont typeface="Arial" pitchFamily="34" charset="0"/>
-              <a:buChar char="•"/>
-              <a:defRPr/>
-            </a:pPr>
-            <a:r>
-              <a:rPr lang="en-US" dirty="0" smtClean="0">
-                <a:ea typeface="+mn-ea"/>
-                <a:cs typeface="+mn-cs"/>
-              </a:rPr>
-              <a:t>IR techniques are effective for search scenario</a:t>
-            </a:r>
-          </a:p>
-          <a:p>
-            <a:pPr eaLnBrk="1" fontAlgn="auto" hangingPunct="1">
-              <a:spcAft>
-                <a:spcPts val="0"/>
-              </a:spcAft>
-              <a:buFont typeface="Arial" pitchFamily="34" charset="0"/>
-              <a:buChar char="•"/>
-              <a:defRPr/>
-            </a:pPr>
-            <a:r>
-              <a:rPr lang="en-US" dirty="0" smtClean="0">
-                <a:ea typeface="+mn-ea"/>
-                <a:cs typeface="+mn-cs"/>
-              </a:rPr>
-              <a:t>For discovery, other techniques used to generate compact representations</a:t>
-            </a:r>
-          </a:p>
-          <a:p>
-            <a:pPr eaLnBrk="1" fontAlgn="auto" hangingPunct="1">
-              <a:spcAft>
-                <a:spcPts val="0"/>
-              </a:spcAft>
-              <a:buFont typeface="Arial" pitchFamily="34" charset="0"/>
-              <a:buChar char="•"/>
-              <a:defRPr/>
-            </a:pPr>
-            <a:endParaRPr lang="en-US" dirty="0">
-              <a:ea typeface="+mn-ea"/>
-              <a:cs typeface="+mn-cs"/>
-            </a:endParaRPr>
+            <a:r>
+              <a:rPr lang="en-US" sz="1000" dirty="0" smtClean="0"/>
+              <a:t>Opposite but related problem: discovering when pages go “off-topic” </a:t>
+            </a:r>
+          </a:p>
+          <a:p>
+            <a:r>
+              <a:rPr lang="en-US" sz="1000" dirty="0" smtClean="0"/>
+              <a:t>See: </a:t>
+            </a:r>
+            <a:r>
+              <a:rPr lang="en-US" sz="1000" dirty="0" smtClean="0">
+                <a:hlinkClick r:id="rId2"/>
+              </a:rPr>
+              <a:t>http</a:t>
+            </a:r>
+            <a:r>
+              <a:rPr lang="en-US" sz="1000" dirty="0">
+                <a:hlinkClick r:id="rId2"/>
+              </a:rPr>
+              <a:t>://ws-dl.blogspot.com/2015/08/2015-08-20-odu-l3s-stanford-</a:t>
+            </a:r>
+            <a:r>
+              <a:rPr lang="en-US" sz="1000" dirty="0" smtClean="0">
+                <a:hlinkClick r:id="rId2"/>
+              </a:rPr>
+              <a:t>and.html</a:t>
+            </a:r>
+            <a:r>
+              <a:rPr lang="en-US" sz="1000" dirty="0" smtClean="0"/>
+              <a:t> </a:t>
+            </a:r>
+            <a:endParaRPr lang="en-US" sz="1000" dirty="0"/>
           </a:p>
         </p:txBody>
       </p:sp>
@@ -17230,6 +17754,267 @@
 </file>
 
 <file path=ppt/slides/slide58.xml><?xml version="1.0" encoding="utf-8"?>
+<p:sld xmlns:a="http://schemas.openxmlformats.org/drawingml/2006/main" xmlns:r="http://schemas.openxmlformats.org/officeDocument/2006/relationships" xmlns:p="http://schemas.openxmlformats.org/presentationml/2006/main">
+  <p:cSld>
+    <p:spTree>
+      <p:nvGrpSpPr>
+        <p:cNvPr id="1" name=""/>
+        <p:cNvGrpSpPr/>
+        <p:nvPr/>
+      </p:nvGrpSpPr>
+      <p:grpSpPr>
+        <a:xfrm>
+          <a:off x="0" y="0"/>
+          <a:ext cx="0" cy="0"/>
+          <a:chOff x="0" y="0"/>
+          <a:chExt cx="0" cy="0"/>
+        </a:xfrm>
+      </p:grpSpPr>
+      <p:sp>
+        <p:nvSpPr>
+          <p:cNvPr id="58369" name="Title 1"/>
+          <p:cNvSpPr>
+            <a:spLocks noGrp="1"/>
+          </p:cNvSpPr>
+          <p:nvPr>
+            <p:ph type="title"/>
+          </p:nvPr>
+        </p:nvSpPr>
+        <p:spPr/>
+        <p:txBody>
+          <a:bodyPr/>
+          <a:lstStyle/>
+          <a:p>
+            <a:pPr eaLnBrk="1" hangingPunct="1"/>
+            <a:r>
+              <a:rPr lang="en-US" smtClean="0"/>
+              <a:t>Near-Duplicate Detection</a:t>
+            </a:r>
+          </a:p>
+        </p:txBody>
+      </p:sp>
+      <p:sp>
+        <p:nvSpPr>
+          <p:cNvPr id="3" name="Content Placeholder 2"/>
+          <p:cNvSpPr>
+            <a:spLocks noGrp="1"/>
+          </p:cNvSpPr>
+          <p:nvPr>
+            <p:ph idx="1"/>
+          </p:nvPr>
+        </p:nvSpPr>
+        <p:spPr>
+          <a:xfrm>
+            <a:off x="457200" y="1600200"/>
+            <a:ext cx="8229600" cy="5029200"/>
+          </a:xfrm>
+        </p:spPr>
+        <p:txBody>
+          <a:bodyPr rtlCol="0">
+            <a:normAutofit lnSpcReduction="10000"/>
+          </a:bodyPr>
+          <a:lstStyle/>
+          <a:p>
+            <a:pPr eaLnBrk="1" fontAlgn="auto" hangingPunct="1">
+              <a:spcAft>
+                <a:spcPts val="0"/>
+              </a:spcAft>
+              <a:buFont typeface="Arial" pitchFamily="34" charset="0"/>
+              <a:buChar char="•"/>
+              <a:defRPr/>
+            </a:pPr>
+            <a:r>
+              <a:rPr lang="en-US" i="1" dirty="0" smtClean="0">
+                <a:ea typeface="+mn-ea"/>
+                <a:cs typeface="+mn-cs"/>
+              </a:rPr>
+              <a:t>Search</a:t>
+            </a:r>
+            <a:r>
+              <a:rPr lang="en-US" dirty="0" smtClean="0">
+                <a:ea typeface="+mn-ea"/>
+                <a:cs typeface="+mn-cs"/>
+              </a:rPr>
+              <a:t>: </a:t>
+            </a:r>
+          </a:p>
+          <a:p>
+            <a:pPr lvl="1" eaLnBrk="1" fontAlgn="auto" hangingPunct="1">
+              <a:spcAft>
+                <a:spcPts val="0"/>
+              </a:spcAft>
+              <a:buFont typeface="Arial" pitchFamily="34" charset="0"/>
+              <a:buChar char="–"/>
+              <a:defRPr/>
+            </a:pPr>
+            <a:r>
+              <a:rPr lang="en-US" dirty="0" smtClean="0">
+                <a:ea typeface="+mn-ea"/>
+              </a:rPr>
+              <a:t>find near-duplicates of a document </a:t>
+            </a:r>
+            <a:r>
+              <a:rPr lang="en-US" i="1" dirty="0" smtClean="0">
+                <a:ea typeface="+mn-ea"/>
+              </a:rPr>
+              <a:t>D</a:t>
+            </a:r>
+          </a:p>
+          <a:p>
+            <a:pPr lvl="1" eaLnBrk="1" fontAlgn="auto" hangingPunct="1">
+              <a:spcAft>
+                <a:spcPts val="0"/>
+              </a:spcAft>
+              <a:buFont typeface="Arial" pitchFamily="34" charset="0"/>
+              <a:buChar char="–"/>
+              <a:defRPr/>
+            </a:pPr>
+            <a:r>
+              <a:rPr lang="en-US" i="1" dirty="0" smtClean="0">
+                <a:ea typeface="+mn-ea"/>
+              </a:rPr>
+              <a:t>O(N)</a:t>
+            </a:r>
+            <a:r>
+              <a:rPr lang="en-US" dirty="0" smtClean="0">
+                <a:ea typeface="+mn-ea"/>
+              </a:rPr>
+              <a:t> comparisons required</a:t>
+            </a:r>
+          </a:p>
+          <a:p>
+            <a:pPr eaLnBrk="1" fontAlgn="auto" hangingPunct="1">
+              <a:spcAft>
+                <a:spcPts val="0"/>
+              </a:spcAft>
+              <a:buFont typeface="Arial" pitchFamily="34" charset="0"/>
+              <a:buChar char="•"/>
+              <a:defRPr/>
+            </a:pPr>
+            <a:r>
+              <a:rPr lang="en-US" i="1" dirty="0" smtClean="0">
+                <a:ea typeface="+mn-ea"/>
+                <a:cs typeface="+mn-cs"/>
+              </a:rPr>
+              <a:t>Discovery</a:t>
+            </a:r>
+            <a:r>
+              <a:rPr lang="en-US" dirty="0" smtClean="0">
+                <a:ea typeface="+mn-ea"/>
+                <a:cs typeface="+mn-cs"/>
+              </a:rPr>
+              <a:t>: </a:t>
+            </a:r>
+          </a:p>
+          <a:p>
+            <a:pPr lvl="1" eaLnBrk="1" fontAlgn="auto" hangingPunct="1">
+              <a:spcAft>
+                <a:spcPts val="0"/>
+              </a:spcAft>
+              <a:buFont typeface="Arial" pitchFamily="34" charset="0"/>
+              <a:buChar char="–"/>
+              <a:defRPr/>
+            </a:pPr>
+            <a:r>
+              <a:rPr lang="en-US" dirty="0" smtClean="0">
+                <a:ea typeface="+mn-ea"/>
+              </a:rPr>
+              <a:t>find all pairs of near-duplicate documents in the collection</a:t>
+            </a:r>
+          </a:p>
+          <a:p>
+            <a:pPr lvl="1" eaLnBrk="1" fontAlgn="auto" hangingPunct="1">
+              <a:spcAft>
+                <a:spcPts val="0"/>
+              </a:spcAft>
+              <a:buFont typeface="Arial" pitchFamily="34" charset="0"/>
+              <a:buChar char="–"/>
+              <a:defRPr/>
+            </a:pPr>
+            <a:r>
+              <a:rPr lang="en-US" i="1" dirty="0" smtClean="0">
+                <a:ea typeface="+mn-ea"/>
+              </a:rPr>
+              <a:t>O(N</a:t>
+            </a:r>
+            <a:r>
+              <a:rPr lang="en-US" i="1" baseline="30000" dirty="0" smtClean="0">
+                <a:ea typeface="+mn-ea"/>
+              </a:rPr>
+              <a:t>2</a:t>
+            </a:r>
+            <a:r>
+              <a:rPr lang="en-US" i="1" dirty="0" smtClean="0">
+                <a:ea typeface="+mn-ea"/>
+              </a:rPr>
+              <a:t>)</a:t>
+            </a:r>
+            <a:r>
+              <a:rPr lang="en-US" dirty="0" smtClean="0">
+                <a:ea typeface="+mn-ea"/>
+              </a:rPr>
+              <a:t> comparisons</a:t>
+            </a:r>
+          </a:p>
+          <a:p>
+            <a:pPr eaLnBrk="1" fontAlgn="auto" hangingPunct="1">
+              <a:spcAft>
+                <a:spcPts val="0"/>
+              </a:spcAft>
+              <a:buFont typeface="Arial" pitchFamily="34" charset="0"/>
+              <a:buChar char="•"/>
+              <a:defRPr/>
+            </a:pPr>
+            <a:r>
+              <a:rPr lang="en-US" dirty="0" smtClean="0">
+                <a:ea typeface="+mn-ea"/>
+                <a:cs typeface="+mn-cs"/>
+              </a:rPr>
+              <a:t>IR techniques are effective for search scenario</a:t>
+            </a:r>
+          </a:p>
+          <a:p>
+            <a:pPr eaLnBrk="1" fontAlgn="auto" hangingPunct="1">
+              <a:spcAft>
+                <a:spcPts val="0"/>
+              </a:spcAft>
+              <a:buFont typeface="Arial" pitchFamily="34" charset="0"/>
+              <a:buChar char="•"/>
+              <a:defRPr/>
+            </a:pPr>
+            <a:r>
+              <a:rPr lang="en-US" dirty="0" smtClean="0">
+                <a:ea typeface="+mn-ea"/>
+                <a:cs typeface="+mn-cs"/>
+              </a:rPr>
+              <a:t>For discovery, other techniques used to generate compact representations</a:t>
+            </a:r>
+          </a:p>
+          <a:p>
+            <a:pPr eaLnBrk="1" fontAlgn="auto" hangingPunct="1">
+              <a:spcAft>
+                <a:spcPts val="0"/>
+              </a:spcAft>
+              <a:buFont typeface="Arial" pitchFamily="34" charset="0"/>
+              <a:buChar char="•"/>
+              <a:defRPr/>
+            </a:pPr>
+            <a:endParaRPr lang="en-US" dirty="0">
+              <a:ea typeface="+mn-ea"/>
+              <a:cs typeface="+mn-cs"/>
+            </a:endParaRPr>
+          </a:p>
+        </p:txBody>
+      </p:sp>
+    </p:spTree>
+  </p:cSld>
+  <p:clrMapOvr>
+    <a:masterClrMapping/>
+  </p:clrMapOvr>
+</p:sld>
+</file>
+
+<file path=ppt/slides/slide59.xml><?xml version="1.0" encoding="utf-8"?>
 <p:sld xmlns:a="http://schemas.openxmlformats.org/drawingml/2006/main" xmlns:r="http://schemas.openxmlformats.org/officeDocument/2006/relationships" xmlns:p="http://schemas.openxmlformats.org/presentationml/2006/main">
   <p:cSld>
     <p:spTree>
@@ -17317,153 +18102,6 @@
       </p:par>
     </p:tnLst>
   </p:timing>
-</p:sld>
-</file>
-
-<file path=ppt/slides/slide59.xml><?xml version="1.0" encoding="utf-8"?>
-<p:sld xmlns:a="http://schemas.openxmlformats.org/drawingml/2006/main" xmlns:r="http://schemas.openxmlformats.org/officeDocument/2006/relationships" xmlns:p="http://schemas.openxmlformats.org/presentationml/2006/main">
-  <p:cSld>
-    <p:spTree>
-      <p:nvGrpSpPr>
-        <p:cNvPr id="1" name=""/>
-        <p:cNvGrpSpPr/>
-        <p:nvPr/>
-      </p:nvGrpSpPr>
-      <p:grpSpPr>
-        <a:xfrm>
-          <a:off x="0" y="0"/>
-          <a:ext cx="0" cy="0"/>
-          <a:chOff x="0" y="0"/>
-          <a:chExt cx="0" cy="0"/>
-        </a:xfrm>
-      </p:grpSpPr>
-      <p:sp>
-        <p:nvSpPr>
-          <p:cNvPr id="60417" name="Title 1"/>
-          <p:cNvSpPr>
-            <a:spLocks noGrp="1"/>
-          </p:cNvSpPr>
-          <p:nvPr>
-            <p:ph type="title"/>
-          </p:nvPr>
-        </p:nvSpPr>
-        <p:spPr/>
-        <p:txBody>
-          <a:bodyPr/>
-          <a:lstStyle/>
-          <a:p>
-            <a:pPr eaLnBrk="1" hangingPunct="1"/>
-            <a:r>
-              <a:rPr lang="en-US" smtClean="0"/>
-              <a:t>Fingerprint Example</a:t>
-            </a:r>
-          </a:p>
-        </p:txBody>
-      </p:sp>
-      <p:pic>
-        <p:nvPicPr>
-          <p:cNvPr id="60418" name="Picture 2" descr="C:\Users\croft\Desktop\chap3-3.tif"/>
-          <p:cNvPicPr>
-            <a:picLocks noChangeAspect="1" noChangeArrowheads="1"/>
-          </p:cNvPicPr>
-          <p:nvPr/>
-        </p:nvPicPr>
-        <p:blipFill>
-          <a:blip r:embed="rId2"/>
-          <a:srcRect/>
-          <a:stretch>
-            <a:fillRect/>
-          </a:stretch>
-        </p:blipFill>
-        <p:spPr bwMode="auto">
-          <a:xfrm>
-            <a:off x="1143000" y="1600200"/>
-            <a:ext cx="6864350" cy="4800600"/>
-          </a:xfrm>
-          <a:prstGeom prst="rect">
-            <a:avLst/>
-          </a:prstGeom>
-          <a:noFill/>
-          <a:ln w="9525">
-            <a:noFill/>
-            <a:miter lim="800000"/>
-            <a:headEnd/>
-            <a:tailEnd/>
-          </a:ln>
-        </p:spPr>
-      </p:pic>
-      <p:sp>
-        <p:nvSpPr>
-          <p:cNvPr id="60419" name="Rectangle 3"/>
-          <p:cNvSpPr>
-            <a:spLocks noChangeArrowheads="1"/>
-          </p:cNvSpPr>
-          <p:nvPr/>
-        </p:nvSpPr>
-        <p:spPr bwMode="auto">
-          <a:xfrm>
-            <a:off x="533400" y="5410200"/>
-            <a:ext cx="841375" cy="1014413"/>
-          </a:xfrm>
-          <a:prstGeom prst="rect">
-            <a:avLst/>
-          </a:prstGeom>
-          <a:noFill/>
-          <a:ln w="9525">
-            <a:solidFill>
-              <a:srgbClr val="FF0000"/>
-            </a:solidFill>
-            <a:miter lim="800000"/>
-            <a:headEnd/>
-            <a:tailEnd/>
-          </a:ln>
-        </p:spPr>
-        <p:txBody>
-          <a:bodyPr wrap="none">
-            <a:prstTxWarp prst="textNoShape">
-              <a:avLst/>
-            </a:prstTxWarp>
-            <a:spAutoFit/>
-          </a:bodyPr>
-          <a:lstStyle/>
-          <a:p>
-            <a:r>
-              <a:rPr lang="en-US" sz="1200"/>
-              <a:t>e.g.:</a:t>
-            </a:r>
-          </a:p>
-          <a:p>
-            <a:r>
-              <a:rPr lang="en-US" sz="1200"/>
-              <a:t>938%4=2</a:t>
-            </a:r>
-          </a:p>
-          <a:p>
-            <a:r>
-              <a:rPr lang="en-US" sz="1200"/>
-              <a:t>664%4=0</a:t>
-            </a:r>
-          </a:p>
-          <a:p>
-            <a:r>
-              <a:rPr lang="en-US" sz="1200"/>
-              <a:t>463%4=3</a:t>
-            </a:r>
-          </a:p>
-          <a:p>
-            <a:r>
-              <a:rPr lang="en-US" sz="1200"/>
-              <a:t>…</a:t>
-            </a:r>
-            <a:endParaRPr lang="en-US"/>
-          </a:p>
-        </p:txBody>
-      </p:sp>
-    </p:spTree>
-  </p:cSld>
-  <p:clrMapOvr>
-    <a:masterClrMapping/>
-  </p:clrMapOvr>
 </p:sld>
 </file>
 
@@ -17847,7 +18485,7 @@
       </p:grpSpPr>
       <p:sp>
         <p:nvSpPr>
-          <p:cNvPr id="61441" name="Title 1"/>
+          <p:cNvPr id="60417" name="Title 1"/>
           <p:cNvSpPr>
             <a:spLocks noGrp="1"/>
           </p:cNvSpPr>
@@ -17863,123 +18501,107 @@
             <a:pPr eaLnBrk="1" hangingPunct="1"/>
             <a:r>
               <a:rPr lang="en-US" smtClean="0"/>
-              <a:t>Simhash</a:t>
-            </a:r>
-          </a:p>
-        </p:txBody>
-      </p:sp>
-      <p:sp>
-        <p:nvSpPr>
-          <p:cNvPr id="3" name="Content Placeholder 2"/>
-          <p:cNvSpPr>
-            <a:spLocks noGrp="1"/>
-          </p:cNvSpPr>
-          <p:nvPr>
-            <p:ph idx="1"/>
-          </p:nvPr>
-        </p:nvSpPr>
-        <p:spPr>
+              <a:t>Fingerprint Example</a:t>
+            </a:r>
+          </a:p>
+        </p:txBody>
+      </p:sp>
+      <p:pic>
+        <p:nvPicPr>
+          <p:cNvPr id="60418" name="Picture 2" descr="C:\Users\croft\Desktop\chap3-3.tif"/>
+          <p:cNvPicPr>
+            <a:picLocks noChangeAspect="1" noChangeArrowheads="1"/>
+          </p:cNvPicPr>
+          <p:nvPr/>
+        </p:nvPicPr>
+        <p:blipFill>
+          <a:blip r:embed="rId2"/>
+          <a:srcRect/>
+          <a:stretch>
+            <a:fillRect/>
+          </a:stretch>
+        </p:blipFill>
+        <p:spPr bwMode="auto">
           <a:xfrm>
-            <a:off x="457200" y="1600200"/>
-            <a:ext cx="8229600" cy="4876800"/>
+            <a:off x="1143000" y="1600200"/>
+            <a:ext cx="6864350" cy="4800600"/>
           </a:xfrm>
+          <a:prstGeom prst="rect">
+            <a:avLst/>
+          </a:prstGeom>
+          <a:noFill/>
+          <a:ln w="9525">
+            <a:noFill/>
+            <a:miter lim="800000"/>
+            <a:headEnd/>
+            <a:tailEnd/>
+          </a:ln>
         </p:spPr>
-        <p:txBody>
-          <a:bodyPr rtlCol="0">
-            <a:normAutofit fontScale="92500" lnSpcReduction="10000"/>
+      </p:pic>
+      <p:sp>
+        <p:nvSpPr>
+          <p:cNvPr id="60419" name="Rectangle 3"/>
+          <p:cNvSpPr>
+            <a:spLocks noChangeArrowheads="1"/>
+          </p:cNvSpPr>
+          <p:nvPr/>
+        </p:nvSpPr>
+        <p:spPr bwMode="auto">
+          <a:xfrm>
+            <a:off x="533400" y="5410200"/>
+            <a:ext cx="841375" cy="1014413"/>
+          </a:xfrm>
+          <a:prstGeom prst="rect">
+            <a:avLst/>
+          </a:prstGeom>
+          <a:noFill/>
+          <a:ln w="9525">
+            <a:solidFill>
+              <a:srgbClr val="FF0000"/>
+            </a:solidFill>
+            <a:miter lim="800000"/>
+            <a:headEnd/>
+            <a:tailEnd/>
+          </a:ln>
+        </p:spPr>
+        <p:txBody>
+          <a:bodyPr wrap="none">
+            <a:prstTxWarp prst="textNoShape">
+              <a:avLst/>
+            </a:prstTxWarp>
+            <a:spAutoFit/>
           </a:bodyPr>
           <a:lstStyle/>
           <a:p>
-            <a:pPr eaLnBrk="1" fontAlgn="auto" hangingPunct="1">
-              <a:spcAft>
-                <a:spcPts val="0"/>
-              </a:spcAft>
-              <a:buFont typeface="Arial" pitchFamily="34" charset="0"/>
-              <a:buChar char="•"/>
-              <a:defRPr/>
-            </a:pPr>
-            <a:r>
-              <a:rPr lang="en-US" dirty="0" smtClean="0">
-                <a:ea typeface="+mn-ea"/>
-                <a:cs typeface="+mn-cs"/>
-              </a:rPr>
-              <a:t>Similarity comparisons using word-based representations more effective at finding near-duplicates</a:t>
-            </a:r>
-          </a:p>
-          <a:p>
-            <a:pPr lvl="1" eaLnBrk="1" fontAlgn="auto" hangingPunct="1">
-              <a:spcAft>
-                <a:spcPts val="0"/>
-              </a:spcAft>
-              <a:buFont typeface="Arial" pitchFamily="34" charset="0"/>
-              <a:buChar char="–"/>
-              <a:defRPr/>
-            </a:pPr>
-            <a:r>
-              <a:rPr lang="en-US" dirty="0" smtClean="0">
-                <a:ea typeface="+mn-ea"/>
-              </a:rPr>
-              <a:t>Problem is efficiency</a:t>
-            </a:r>
-          </a:p>
-          <a:p>
-            <a:pPr eaLnBrk="1" fontAlgn="auto" hangingPunct="1">
-              <a:spcAft>
-                <a:spcPts val="0"/>
-              </a:spcAft>
-              <a:buFont typeface="Arial" pitchFamily="34" charset="0"/>
-              <a:buChar char="•"/>
-              <a:defRPr/>
-            </a:pPr>
-            <a:r>
-              <a:rPr lang="en-US" dirty="0" err="1" smtClean="0">
-                <a:ea typeface="+mn-ea"/>
-                <a:cs typeface="+mn-cs"/>
-              </a:rPr>
-              <a:t>Simhash</a:t>
-            </a:r>
-            <a:r>
-              <a:rPr lang="en-US" dirty="0" smtClean="0">
-                <a:ea typeface="+mn-ea"/>
-                <a:cs typeface="+mn-cs"/>
-              </a:rPr>
-              <a:t> combines the advantages of the word-based similarity measures with the efficiency of fingerprints based on hashing</a:t>
-            </a:r>
-          </a:p>
-          <a:p>
-            <a:pPr eaLnBrk="1" fontAlgn="auto" hangingPunct="1">
-              <a:spcAft>
-                <a:spcPts val="0"/>
-              </a:spcAft>
-              <a:buFont typeface="Arial" pitchFamily="34" charset="0"/>
-              <a:buChar char="•"/>
-              <a:defRPr/>
-            </a:pPr>
-            <a:r>
-              <a:rPr lang="en-US" dirty="0" smtClean="0">
-                <a:ea typeface="+mn-ea"/>
-                <a:cs typeface="+mn-cs"/>
-              </a:rPr>
-              <a:t>Similarity of two pages as measured by the cosine correlation measure is proportional to the number of bits that are the same in the </a:t>
-            </a:r>
-            <a:r>
-              <a:rPr lang="en-US" dirty="0" err="1" smtClean="0">
-                <a:ea typeface="+mn-ea"/>
-                <a:cs typeface="+mn-cs"/>
-              </a:rPr>
-              <a:t>simhash</a:t>
-            </a:r>
-            <a:r>
-              <a:rPr lang="en-US" dirty="0" smtClean="0">
-                <a:ea typeface="+mn-ea"/>
-                <a:cs typeface="+mn-cs"/>
-              </a:rPr>
-              <a:t> fingerprints</a:t>
-            </a:r>
-            <a:endParaRPr lang="en-US" dirty="0">
-              <a:ea typeface="+mn-ea"/>
-              <a:cs typeface="+mn-cs"/>
-            </a:endParaRPr>
+            <a:r>
+              <a:rPr lang="en-US" sz="1200"/>
+              <a:t>e.g.:</a:t>
+            </a:r>
+          </a:p>
+          <a:p>
+            <a:r>
+              <a:rPr lang="en-US" sz="1200"/>
+              <a:t>938%4=2</a:t>
+            </a:r>
+          </a:p>
+          <a:p>
+            <a:r>
+              <a:rPr lang="en-US" sz="1200"/>
+              <a:t>664%4=0</a:t>
+            </a:r>
+          </a:p>
+          <a:p>
+            <a:r>
+              <a:rPr lang="en-US" sz="1200"/>
+              <a:t>463%4=3</a:t>
+            </a:r>
+          </a:p>
+          <a:p>
+            <a:r>
+              <a:rPr lang="en-US" sz="1200"/>
+              <a:t>…</a:t>
+            </a:r>
+            <a:endParaRPr lang="en-US"/>
           </a:p>
         </p:txBody>
       </p:sp>
@@ -18010,6 +18632,169 @@
       </p:grpSpPr>
       <p:sp>
         <p:nvSpPr>
+          <p:cNvPr id="61441" name="Title 1"/>
+          <p:cNvSpPr>
+            <a:spLocks noGrp="1"/>
+          </p:cNvSpPr>
+          <p:nvPr>
+            <p:ph type="title"/>
+          </p:nvPr>
+        </p:nvSpPr>
+        <p:spPr/>
+        <p:txBody>
+          <a:bodyPr/>
+          <a:lstStyle/>
+          <a:p>
+            <a:pPr eaLnBrk="1" hangingPunct="1"/>
+            <a:r>
+              <a:rPr lang="en-US" smtClean="0"/>
+              <a:t>Simhash</a:t>
+            </a:r>
+          </a:p>
+        </p:txBody>
+      </p:sp>
+      <p:sp>
+        <p:nvSpPr>
+          <p:cNvPr id="3" name="Content Placeholder 2"/>
+          <p:cNvSpPr>
+            <a:spLocks noGrp="1"/>
+          </p:cNvSpPr>
+          <p:nvPr>
+            <p:ph idx="1"/>
+          </p:nvPr>
+        </p:nvSpPr>
+        <p:spPr>
+          <a:xfrm>
+            <a:off x="457200" y="1600200"/>
+            <a:ext cx="8229600" cy="4876800"/>
+          </a:xfrm>
+        </p:spPr>
+        <p:txBody>
+          <a:bodyPr rtlCol="0">
+            <a:normAutofit fontScale="92500" lnSpcReduction="10000"/>
+          </a:bodyPr>
+          <a:lstStyle/>
+          <a:p>
+            <a:pPr eaLnBrk="1" fontAlgn="auto" hangingPunct="1">
+              <a:spcAft>
+                <a:spcPts val="0"/>
+              </a:spcAft>
+              <a:buFont typeface="Arial" pitchFamily="34" charset="0"/>
+              <a:buChar char="•"/>
+              <a:defRPr/>
+            </a:pPr>
+            <a:r>
+              <a:rPr lang="en-US" dirty="0" smtClean="0">
+                <a:ea typeface="+mn-ea"/>
+                <a:cs typeface="+mn-cs"/>
+              </a:rPr>
+              <a:t>Similarity comparisons using word-based representations more effective at finding near-duplicates</a:t>
+            </a:r>
+          </a:p>
+          <a:p>
+            <a:pPr lvl="1" eaLnBrk="1" fontAlgn="auto" hangingPunct="1">
+              <a:spcAft>
+                <a:spcPts val="0"/>
+              </a:spcAft>
+              <a:buFont typeface="Arial" pitchFamily="34" charset="0"/>
+              <a:buChar char="–"/>
+              <a:defRPr/>
+            </a:pPr>
+            <a:r>
+              <a:rPr lang="en-US" dirty="0" smtClean="0">
+                <a:ea typeface="+mn-ea"/>
+              </a:rPr>
+              <a:t>Problem is efficiency</a:t>
+            </a:r>
+          </a:p>
+          <a:p>
+            <a:pPr eaLnBrk="1" fontAlgn="auto" hangingPunct="1">
+              <a:spcAft>
+                <a:spcPts val="0"/>
+              </a:spcAft>
+              <a:buFont typeface="Arial" pitchFamily="34" charset="0"/>
+              <a:buChar char="•"/>
+              <a:defRPr/>
+            </a:pPr>
+            <a:r>
+              <a:rPr lang="en-US" dirty="0" err="1" smtClean="0">
+                <a:ea typeface="+mn-ea"/>
+                <a:cs typeface="+mn-cs"/>
+              </a:rPr>
+              <a:t>Simhash</a:t>
+            </a:r>
+            <a:r>
+              <a:rPr lang="en-US" dirty="0" smtClean="0">
+                <a:ea typeface="+mn-ea"/>
+                <a:cs typeface="+mn-cs"/>
+              </a:rPr>
+              <a:t> combines the advantages of the word-based similarity measures with the efficiency of fingerprints based on hashing</a:t>
+            </a:r>
+          </a:p>
+          <a:p>
+            <a:pPr eaLnBrk="1" fontAlgn="auto" hangingPunct="1">
+              <a:spcAft>
+                <a:spcPts val="0"/>
+              </a:spcAft>
+              <a:buFont typeface="Arial" pitchFamily="34" charset="0"/>
+              <a:buChar char="•"/>
+              <a:defRPr/>
+            </a:pPr>
+            <a:r>
+              <a:rPr lang="en-US" dirty="0" smtClean="0">
+                <a:ea typeface="+mn-ea"/>
+                <a:cs typeface="+mn-cs"/>
+              </a:rPr>
+              <a:t>Similarity of two pages as measured by the cosine correlation measure is proportional to the number of bits that are the same in the </a:t>
+            </a:r>
+            <a:r>
+              <a:rPr lang="en-US" dirty="0" err="1" smtClean="0">
+                <a:ea typeface="+mn-ea"/>
+                <a:cs typeface="+mn-cs"/>
+              </a:rPr>
+              <a:t>simhash</a:t>
+            </a:r>
+            <a:r>
+              <a:rPr lang="en-US" dirty="0" smtClean="0">
+                <a:ea typeface="+mn-ea"/>
+                <a:cs typeface="+mn-cs"/>
+              </a:rPr>
+              <a:t> fingerprints</a:t>
+            </a:r>
+            <a:endParaRPr lang="en-US" dirty="0">
+              <a:ea typeface="+mn-ea"/>
+              <a:cs typeface="+mn-cs"/>
+            </a:endParaRPr>
+          </a:p>
+        </p:txBody>
+      </p:sp>
+    </p:spTree>
+  </p:cSld>
+  <p:clrMapOvr>
+    <a:masterClrMapping/>
+  </p:clrMapOvr>
+</p:sld>
+</file>
+
+<file path=ppt/slides/slide62.xml><?xml version="1.0" encoding="utf-8"?>
+<p:sld xmlns:a="http://schemas.openxmlformats.org/drawingml/2006/main" xmlns:r="http://schemas.openxmlformats.org/officeDocument/2006/relationships" xmlns:p="http://schemas.openxmlformats.org/presentationml/2006/main">
+  <p:cSld>
+    <p:spTree>
+      <p:nvGrpSpPr>
+        <p:cNvPr id="1" name=""/>
+        <p:cNvGrpSpPr/>
+        <p:nvPr/>
+      </p:nvGrpSpPr>
+      <p:grpSpPr>
+        <a:xfrm>
+          <a:off x="0" y="0"/>
+          <a:ext cx="0" cy="0"/>
+          <a:chOff x="0" y="0"/>
+          <a:chExt cx="0" cy="0"/>
+        </a:xfrm>
+      </p:grpSpPr>
+      <p:sp>
+        <p:nvSpPr>
           <p:cNvPr id="62465" name="Title 1"/>
           <p:cNvSpPr>
             <a:spLocks noGrp="1"/>
@@ -18170,7 +18955,7 @@
 </p:sld>
 </file>
 
-<file path=ppt/slides/slide62.xml><?xml version="1.0" encoding="utf-8"?>
+<file path=ppt/slides/slide63.xml><?xml version="1.0" encoding="utf-8"?>
 <p:sld xmlns:a="http://schemas.openxmlformats.org/drawingml/2006/main" xmlns:r="http://schemas.openxmlformats.org/officeDocument/2006/relationships" xmlns:p="http://schemas.openxmlformats.org/presentationml/2006/main">
   <p:cSld>
     <p:spTree>
@@ -18629,7 +19414,7 @@
 </p:sld>
 </file>
 
-<file path=ppt/slides/slide63.xml><?xml version="1.0" encoding="utf-8"?>
+<file path=ppt/slides/slide64.xml><?xml version="1.0" encoding="utf-8"?>
 <p:sld xmlns:a="http://schemas.openxmlformats.org/drawingml/2006/main" xmlns:r="http://schemas.openxmlformats.org/officeDocument/2006/relationships" xmlns:p="http://schemas.openxmlformats.org/presentationml/2006/main">
   <p:cSld>
     <p:spTree>
@@ -18738,7 +19523,7 @@
 </p:sld>
 </file>
 
-<file path=ppt/slides/slide64.xml><?xml version="1.0" encoding="utf-8"?>
+<file path=ppt/slides/slide65.xml><?xml version="1.0" encoding="utf-8"?>
 <p:sld xmlns:a="http://schemas.openxmlformats.org/drawingml/2006/main" xmlns:r="http://schemas.openxmlformats.org/officeDocument/2006/relationships" xmlns:p="http://schemas.openxmlformats.org/presentationml/2006/main">
   <p:cSld>
     <p:spTree>
@@ -18871,7 +19656,7 @@
 </p:sld>
 </file>
 
-<file path=ppt/slides/slide65.xml><?xml version="1.0" encoding="utf-8"?>
+<file path=ppt/slides/slide66.xml><?xml version="1.0" encoding="utf-8"?>
 <p:sld xmlns:a="http://schemas.openxmlformats.org/drawingml/2006/main" xmlns:r="http://schemas.openxmlformats.org/officeDocument/2006/relationships" xmlns:p="http://schemas.openxmlformats.org/presentationml/2006/main">
   <p:cSld>
     <p:spTree>
@@ -19108,7 +19893,7 @@
 </p:sld>
 </file>
 
-<file path=ppt/slides/slide66.xml><?xml version="1.0" encoding="utf-8"?>
+<file path=ppt/slides/slide67.xml><?xml version="1.0" encoding="utf-8"?>
 <p:sld xmlns:a="http://schemas.openxmlformats.org/drawingml/2006/main" xmlns:r="http://schemas.openxmlformats.org/officeDocument/2006/relationships" xmlns:p="http://schemas.openxmlformats.org/presentationml/2006/main">
   <p:cSld>
     <p:spTree>
@@ -19429,7 +20214,7 @@
 </p:sld>
 </file>
 
-<file path=ppt/slides/slide67.xml><?xml version="1.0" encoding="utf-8"?>
+<file path=ppt/slides/slide68.xml><?xml version="1.0" encoding="utf-8"?>
 <p:sld xmlns:a="http://schemas.openxmlformats.org/drawingml/2006/main" xmlns:r="http://schemas.openxmlformats.org/officeDocument/2006/relationships" xmlns:p="http://schemas.openxmlformats.org/presentationml/2006/main">
   <p:cSld>
     <p:spTree>
@@ -19537,7 +20322,7 @@
 </p:sld>
 </file>
 
-<file path=ppt/slides/slide68.xml><?xml version="1.0" encoding="utf-8"?>
+<file path=ppt/slides/slide69.xml><?xml version="1.0" encoding="utf-8"?>
 <p:sld xmlns:a="http://schemas.openxmlformats.org/drawingml/2006/main" xmlns:r="http://schemas.openxmlformats.org/officeDocument/2006/relationships" xmlns:p="http://schemas.openxmlformats.org/presentationml/2006/main">
   <p:cSld>
     <p:spTree>
